--- a/START-CODE/EX 1/Start  - CSS STRATEGY.pptx
+++ b/START-CODE/EX 1/Start  - CSS STRATEGY.pptx
@@ -3499,53 +3499,867 @@
           <a:chExt cx="0" cy="0"/>
         </a:xfrm>
       </p:grpSpPr>
-      <p:sp>
-        <p:nvSpPr>
-          <p:cNvPr id="2" name="Title 1">
-            <a:extLst>
-              <a:ext uri="{FF2B5EF4-FFF2-40B4-BE49-F238E27FC236}">
-                <a16:creationId xmlns:a16="http://schemas.microsoft.com/office/drawing/2014/main" id="{AA8A17E7-22F7-E1D9-C406-B69B5D024DB8}"/>
-              </a:ext>
-            </a:extLst>
-          </p:cNvPr>
-          <p:cNvSpPr>
-            <a:spLocks noGrp="1"/>
-          </p:cNvSpPr>
-          <p:nvPr>
-            <p:ph type="title"/>
-          </p:nvPr>
-        </p:nvSpPr>
-        <p:spPr/>
-        <p:txBody>
-          <a:bodyPr/>
-          <a:lstStyle/>
-          <a:p>
-            <a:endParaRPr lang="en-US"/>
-          </a:p>
-        </p:txBody>
-      </p:sp>
-      <p:sp>
-        <p:nvSpPr>
-          <p:cNvPr id="3" name="Content Placeholder 2">
-            <a:extLst>
-              <a:ext uri="{FF2B5EF4-FFF2-40B4-BE49-F238E27FC236}">
-                <a16:creationId xmlns:a16="http://schemas.microsoft.com/office/drawing/2014/main" id="{42B12F25-87DC-C0ED-55C4-888CF004FDA4}"/>
-              </a:ext>
-            </a:extLst>
-          </p:cNvPr>
-          <p:cNvSpPr>
-            <a:spLocks noGrp="1"/>
-          </p:cNvSpPr>
-          <p:nvPr>
-            <p:ph idx="1"/>
-          </p:nvPr>
-        </p:nvSpPr>
-        <p:spPr/>
-        <p:txBody>
-          <a:bodyPr/>
-          <a:lstStyle/>
-          <a:p>
-            <a:endParaRPr lang="en-US"/>
+      <p:pic>
+        <p:nvPicPr>
+          <p:cNvPr id="4" name="Picture 3">
+            <a:extLst>
+              <a:ext uri="{FF2B5EF4-FFF2-40B4-BE49-F238E27FC236}">
+                <a16:creationId xmlns:a16="http://schemas.microsoft.com/office/drawing/2014/main" id="{918B87E2-B6BB-CF23-5E45-329060B9B4D9}"/>
+              </a:ext>
+            </a:extLst>
+          </p:cNvPr>
+          <p:cNvPicPr>
+            <a:picLocks noChangeAspect="1"/>
+          </p:cNvPicPr>
+          <p:nvPr/>
+        </p:nvPicPr>
+        <p:blipFill>
+          <a:blip r:embed="rId2">
+            <a:extLst>
+              <a:ext uri="{28A0092B-C50C-407E-A947-70E740481C1C}">
+                <a14:useLocalDpi xmlns:a14="http://schemas.microsoft.com/office/drawing/2010/main" val="0"/>
+              </a:ext>
+            </a:extLst>
+          </a:blip>
+          <a:stretch>
+            <a:fillRect/>
+          </a:stretch>
+        </p:blipFill>
+        <p:spPr>
+          <a:xfrm>
+            <a:off x="293914" y="868246"/>
+            <a:ext cx="4690681" cy="2770221"/>
+          </a:xfrm>
+          <a:prstGeom prst="rect">
+            <a:avLst/>
+          </a:prstGeom>
+        </p:spPr>
+      </p:pic>
+      <p:sp>
+        <p:nvSpPr>
+          <p:cNvPr id="5" name="TextBox 4">
+            <a:extLst>
+              <a:ext uri="{FF2B5EF4-FFF2-40B4-BE49-F238E27FC236}">
+                <a16:creationId xmlns:a16="http://schemas.microsoft.com/office/drawing/2014/main" id="{E7A6ED17-07F5-0D6A-5B8F-8C1961BAE214}"/>
+              </a:ext>
+            </a:extLst>
+          </p:cNvPr>
+          <p:cNvSpPr txBox="1"/>
+          <p:nvPr/>
+        </p:nvSpPr>
+        <p:spPr>
+          <a:xfrm>
+            <a:off x="293914" y="348343"/>
+            <a:ext cx="1331903" cy="369332"/>
+          </a:xfrm>
+          <a:prstGeom prst="rect">
+            <a:avLst/>
+          </a:prstGeom>
+          <a:noFill/>
+        </p:spPr>
+        <p:txBody>
+          <a:bodyPr wrap="none" rtlCol="0">
+            <a:spAutoFit/>
+          </a:bodyPr>
+          <a:lstStyle/>
+          <a:p>
+            <a:r>
+              <a:rPr lang="en-US" dirty="0"/>
+              <a:t>_ main-right</a:t>
+            </a:r>
+          </a:p>
+        </p:txBody>
+      </p:sp>
+      <p:sp>
+        <p:nvSpPr>
+          <p:cNvPr id="6" name="TextBox 5">
+            <a:extLst>
+              <a:ext uri="{FF2B5EF4-FFF2-40B4-BE49-F238E27FC236}">
+                <a16:creationId xmlns:a16="http://schemas.microsoft.com/office/drawing/2014/main" id="{CDB47D0F-67EF-B6A9-E608-02FD71A33039}"/>
+              </a:ext>
+            </a:extLst>
+          </p:cNvPr>
+          <p:cNvSpPr txBox="1"/>
+          <p:nvPr/>
+        </p:nvSpPr>
+        <p:spPr>
+          <a:xfrm>
+            <a:off x="293914" y="868246"/>
+            <a:ext cx="4690681" cy="2770220"/>
+          </a:xfrm>
+          <a:prstGeom prst="rect">
+            <a:avLst/>
+          </a:prstGeom>
+          <a:noFill/>
+          <a:ln>
+            <a:solidFill>
+              <a:srgbClr val="FF0000"/>
+            </a:solidFill>
+            <a:prstDash val="lgDash"/>
+          </a:ln>
+        </p:spPr>
+        <p:txBody>
+          <a:bodyPr wrap="square" rtlCol="0">
+            <a:spAutoFit/>
+          </a:bodyPr>
+          <a:lstStyle/>
+          <a:p>
+            <a:endParaRPr lang="en-US" dirty="0"/>
+          </a:p>
+        </p:txBody>
+      </p:sp>
+      <p:sp>
+        <p:nvSpPr>
+          <p:cNvPr id="7" name="TextBox 6">
+            <a:extLst>
+              <a:ext uri="{FF2B5EF4-FFF2-40B4-BE49-F238E27FC236}">
+                <a16:creationId xmlns:a16="http://schemas.microsoft.com/office/drawing/2014/main" id="{61989594-7450-166C-DA7D-FFC479DC0BFB}"/>
+              </a:ext>
+            </a:extLst>
+          </p:cNvPr>
+          <p:cNvSpPr txBox="1"/>
+          <p:nvPr/>
+        </p:nvSpPr>
+        <p:spPr>
+          <a:xfrm>
+            <a:off x="293914" y="868245"/>
+            <a:ext cx="4690680" cy="480844"/>
+          </a:xfrm>
+          <a:prstGeom prst="rect">
+            <a:avLst/>
+          </a:prstGeom>
+          <a:noFill/>
+          <a:ln>
+            <a:solidFill>
+              <a:srgbClr val="FF0000"/>
+            </a:solidFill>
+            <a:prstDash val="lgDash"/>
+          </a:ln>
+        </p:spPr>
+        <p:txBody>
+          <a:bodyPr wrap="square" rtlCol="0">
+            <a:spAutoFit/>
+          </a:bodyPr>
+          <a:lstStyle/>
+          <a:p>
+            <a:endParaRPr lang="en-US" dirty="0"/>
+          </a:p>
+        </p:txBody>
+      </p:sp>
+      <p:sp>
+        <p:nvSpPr>
+          <p:cNvPr id="8" name="Rectangle 7">
+            <a:extLst>
+              <a:ext uri="{FF2B5EF4-FFF2-40B4-BE49-F238E27FC236}">
+                <a16:creationId xmlns:a16="http://schemas.microsoft.com/office/drawing/2014/main" id="{F304FD90-BA69-AE58-3084-E9BBD925599C}"/>
+              </a:ext>
+            </a:extLst>
+          </p:cNvPr>
+          <p:cNvSpPr/>
+          <p:nvPr/>
+        </p:nvSpPr>
+        <p:spPr>
+          <a:xfrm>
+            <a:off x="6096000" y="868245"/>
+            <a:ext cx="4690680" cy="2770221"/>
+          </a:xfrm>
+          <a:prstGeom prst="rect">
+            <a:avLst/>
+          </a:prstGeom>
+          <a:solidFill>
+            <a:schemeClr val="accent6"/>
+          </a:solidFill>
+        </p:spPr>
+        <p:style>
+          <a:lnRef idx="2">
+            <a:schemeClr val="accent1">
+              <a:shade val="15000"/>
+            </a:schemeClr>
+          </a:lnRef>
+          <a:fillRef idx="1">
+            <a:schemeClr val="accent1"/>
+          </a:fillRef>
+          <a:effectRef idx="0">
+            <a:schemeClr val="accent1"/>
+          </a:effectRef>
+          <a:fontRef idx="minor">
+            <a:schemeClr val="lt1"/>
+          </a:fontRef>
+        </p:style>
+        <p:txBody>
+          <a:bodyPr rtlCol="0" anchor="ctr"/>
+          <a:lstStyle/>
+          <a:p>
+            <a:pPr algn="ctr"/>
+            <a:r>
+              <a:rPr lang="en-US" dirty="0"/>
+              <a:t>activity</a:t>
+            </a:r>
+          </a:p>
+        </p:txBody>
+      </p:sp>
+      <p:sp>
+        <p:nvSpPr>
+          <p:cNvPr id="9" name="Rectangle 8">
+            <a:extLst>
+              <a:ext uri="{FF2B5EF4-FFF2-40B4-BE49-F238E27FC236}">
+                <a16:creationId xmlns:a16="http://schemas.microsoft.com/office/drawing/2014/main" id="{5BB6BAB6-5B7A-6F6E-3C92-C14CD3D4C146}"/>
+              </a:ext>
+            </a:extLst>
+          </p:cNvPr>
+          <p:cNvSpPr/>
+          <p:nvPr/>
+        </p:nvSpPr>
+        <p:spPr>
+          <a:xfrm>
+            <a:off x="6096000" y="868245"/>
+            <a:ext cx="4690680" cy="480844"/>
+          </a:xfrm>
+          <a:prstGeom prst="rect">
+            <a:avLst/>
+          </a:prstGeom>
+        </p:spPr>
+        <p:style>
+          <a:lnRef idx="2">
+            <a:schemeClr val="accent4">
+              <a:shade val="15000"/>
+            </a:schemeClr>
+          </a:lnRef>
+          <a:fillRef idx="1">
+            <a:schemeClr val="accent4"/>
+          </a:fillRef>
+          <a:effectRef idx="0">
+            <a:schemeClr val="accent4"/>
+          </a:effectRef>
+          <a:fontRef idx="minor">
+            <a:schemeClr val="lt1"/>
+          </a:fontRef>
+        </p:style>
+        <p:txBody>
+          <a:bodyPr rtlCol="0" anchor="ctr"/>
+          <a:lstStyle/>
+          <a:p>
+            <a:pPr algn="ctr"/>
+            <a:r>
+              <a:rPr lang="en-US" dirty="0"/>
+              <a:t>announce</a:t>
+            </a:r>
+          </a:p>
+        </p:txBody>
+      </p:sp>
+      <p:sp>
+        <p:nvSpPr>
+          <p:cNvPr id="10" name="TextBox 9">
+            <a:extLst>
+              <a:ext uri="{FF2B5EF4-FFF2-40B4-BE49-F238E27FC236}">
+                <a16:creationId xmlns:a16="http://schemas.microsoft.com/office/drawing/2014/main" id="{14B00386-BA49-25C9-EA7C-9A18D4ED4934}"/>
+              </a:ext>
+            </a:extLst>
+          </p:cNvPr>
+          <p:cNvSpPr txBox="1"/>
+          <p:nvPr/>
+        </p:nvSpPr>
+        <p:spPr>
+          <a:xfrm>
+            <a:off x="293914" y="3750906"/>
+            <a:ext cx="1285929" cy="369332"/>
+          </a:xfrm>
+          <a:prstGeom prst="rect">
+            <a:avLst/>
+          </a:prstGeom>
+          <a:noFill/>
+        </p:spPr>
+        <p:txBody>
+          <a:bodyPr wrap="none" rtlCol="0">
+            <a:spAutoFit/>
+          </a:bodyPr>
+          <a:lstStyle/>
+          <a:p>
+            <a:r>
+              <a:rPr lang="en-US" dirty="0"/>
+              <a:t>_ announce</a:t>
+            </a:r>
+          </a:p>
+        </p:txBody>
+      </p:sp>
+      <p:pic>
+        <p:nvPicPr>
+          <p:cNvPr id="11" name="Picture 10">
+            <a:extLst>
+              <a:ext uri="{FF2B5EF4-FFF2-40B4-BE49-F238E27FC236}">
+                <a16:creationId xmlns:a16="http://schemas.microsoft.com/office/drawing/2014/main" id="{9835A3F9-ACBB-60D5-4BF8-06E7E17A7B91}"/>
+              </a:ext>
+            </a:extLst>
+          </p:cNvPr>
+          <p:cNvPicPr>
+            <a:picLocks noChangeAspect="1"/>
+          </p:cNvPicPr>
+          <p:nvPr/>
+        </p:nvPicPr>
+        <p:blipFill>
+          <a:blip r:embed="rId3">
+            <a:extLst>
+              <a:ext uri="{28A0092B-C50C-407E-A947-70E740481C1C}">
+                <a14:useLocalDpi xmlns:a14="http://schemas.microsoft.com/office/drawing/2010/main" val="0"/>
+              </a:ext>
+            </a:extLst>
+          </a:blip>
+          <a:stretch>
+            <a:fillRect/>
+          </a:stretch>
+        </p:blipFill>
+        <p:spPr>
+          <a:xfrm>
+            <a:off x="293914" y="4232677"/>
+            <a:ext cx="4690680" cy="503697"/>
+          </a:xfrm>
+          <a:prstGeom prst="rect">
+            <a:avLst/>
+          </a:prstGeom>
+        </p:spPr>
+      </p:pic>
+      <p:sp>
+        <p:nvSpPr>
+          <p:cNvPr id="12" name="TextBox 11">
+            <a:extLst>
+              <a:ext uri="{FF2B5EF4-FFF2-40B4-BE49-F238E27FC236}">
+                <a16:creationId xmlns:a16="http://schemas.microsoft.com/office/drawing/2014/main" id="{7A9AD3D8-4307-4F14-452C-F030B6172C7B}"/>
+              </a:ext>
+            </a:extLst>
+          </p:cNvPr>
+          <p:cNvSpPr txBox="1"/>
+          <p:nvPr/>
+        </p:nvSpPr>
+        <p:spPr>
+          <a:xfrm>
+            <a:off x="293914" y="4233604"/>
+            <a:ext cx="1810190" cy="480844"/>
+          </a:xfrm>
+          <a:prstGeom prst="rect">
+            <a:avLst/>
+          </a:prstGeom>
+          <a:noFill/>
+          <a:ln>
+            <a:solidFill>
+              <a:srgbClr val="FF0000"/>
+            </a:solidFill>
+            <a:prstDash val="lgDash"/>
+          </a:ln>
+        </p:spPr>
+        <p:txBody>
+          <a:bodyPr wrap="square" rtlCol="0">
+            <a:spAutoFit/>
+          </a:bodyPr>
+          <a:lstStyle/>
+          <a:p>
+            <a:endParaRPr lang="en-US" dirty="0"/>
+          </a:p>
+        </p:txBody>
+      </p:sp>
+      <p:sp>
+        <p:nvSpPr>
+          <p:cNvPr id="13" name="Rectangle 12">
+            <a:extLst>
+              <a:ext uri="{FF2B5EF4-FFF2-40B4-BE49-F238E27FC236}">
+                <a16:creationId xmlns:a16="http://schemas.microsoft.com/office/drawing/2014/main" id="{131DEFEA-929B-4AEB-EEA0-BA7C8E4B1407}"/>
+              </a:ext>
+            </a:extLst>
+          </p:cNvPr>
+          <p:cNvSpPr/>
+          <p:nvPr/>
+        </p:nvSpPr>
+        <p:spPr>
+          <a:xfrm>
+            <a:off x="293913" y="4876103"/>
+            <a:ext cx="4666807" cy="480844"/>
+          </a:xfrm>
+          <a:prstGeom prst="rect">
+            <a:avLst/>
+          </a:prstGeom>
+          <a:solidFill>
+            <a:schemeClr val="accent1"/>
+          </a:solidFill>
+        </p:spPr>
+        <p:style>
+          <a:lnRef idx="2">
+            <a:schemeClr val="accent4">
+              <a:shade val="15000"/>
+            </a:schemeClr>
+          </a:lnRef>
+          <a:fillRef idx="1">
+            <a:schemeClr val="accent4"/>
+          </a:fillRef>
+          <a:effectRef idx="0">
+            <a:schemeClr val="accent4"/>
+          </a:effectRef>
+          <a:fontRef idx="minor">
+            <a:schemeClr val="lt1"/>
+          </a:fontRef>
+        </p:style>
+        <p:txBody>
+          <a:bodyPr rtlCol="0" anchor="ctr"/>
+          <a:lstStyle/>
+          <a:p>
+            <a:pPr algn="ctr"/>
+            <a:endParaRPr lang="en-US" sz="1200" dirty="0"/>
+          </a:p>
+        </p:txBody>
+      </p:sp>
+      <p:sp>
+        <p:nvSpPr>
+          <p:cNvPr id="14" name="Rectangle 13">
+            <a:extLst>
+              <a:ext uri="{FF2B5EF4-FFF2-40B4-BE49-F238E27FC236}">
+                <a16:creationId xmlns:a16="http://schemas.microsoft.com/office/drawing/2014/main" id="{2DFA1E6F-7598-1EB9-0CB6-EE5B9BFF7337}"/>
+              </a:ext>
+            </a:extLst>
+          </p:cNvPr>
+          <p:cNvSpPr/>
+          <p:nvPr/>
+        </p:nvSpPr>
+        <p:spPr>
+          <a:xfrm>
+            <a:off x="293912" y="4875176"/>
+            <a:ext cx="1810191" cy="481771"/>
+          </a:xfrm>
+          <a:prstGeom prst="rect">
+            <a:avLst/>
+          </a:prstGeom>
+          <a:solidFill>
+            <a:schemeClr val="accent6"/>
+          </a:solidFill>
+        </p:spPr>
+        <p:style>
+          <a:lnRef idx="2">
+            <a:schemeClr val="accent1">
+              <a:shade val="15000"/>
+            </a:schemeClr>
+          </a:lnRef>
+          <a:fillRef idx="1">
+            <a:schemeClr val="accent1"/>
+          </a:fillRef>
+          <a:effectRef idx="0">
+            <a:schemeClr val="accent1"/>
+          </a:effectRef>
+          <a:fontRef idx="minor">
+            <a:schemeClr val="lt1"/>
+          </a:fontRef>
+        </p:style>
+        <p:txBody>
+          <a:bodyPr rtlCol="0" anchor="ctr"/>
+          <a:lstStyle/>
+          <a:p>
+            <a:pPr algn="ctr"/>
+            <a:r>
+              <a:rPr lang="en-US" sz="1200" dirty="0"/>
+              <a:t>announce-text</a:t>
+            </a:r>
+          </a:p>
+        </p:txBody>
+      </p:sp>
+      <p:sp>
+        <p:nvSpPr>
+          <p:cNvPr id="15" name="Rectangle 14">
+            <a:extLst>
+              <a:ext uri="{FF2B5EF4-FFF2-40B4-BE49-F238E27FC236}">
+                <a16:creationId xmlns:a16="http://schemas.microsoft.com/office/drawing/2014/main" id="{98E8A93A-8E1C-0EFC-EB0F-2F8456901D8B}"/>
+              </a:ext>
+            </a:extLst>
+          </p:cNvPr>
+          <p:cNvSpPr/>
+          <p:nvPr/>
+        </p:nvSpPr>
+        <p:spPr>
+          <a:xfrm>
+            <a:off x="4444181" y="4875176"/>
+            <a:ext cx="516539" cy="481771"/>
+          </a:xfrm>
+          <a:prstGeom prst="rect">
+            <a:avLst/>
+          </a:prstGeom>
+          <a:solidFill>
+            <a:schemeClr val="accent6"/>
+          </a:solidFill>
+        </p:spPr>
+        <p:style>
+          <a:lnRef idx="2">
+            <a:schemeClr val="accent1">
+              <a:shade val="15000"/>
+            </a:schemeClr>
+          </a:lnRef>
+          <a:fillRef idx="1">
+            <a:schemeClr val="accent1"/>
+          </a:fillRef>
+          <a:effectRef idx="0">
+            <a:schemeClr val="accent1"/>
+          </a:effectRef>
+          <a:fontRef idx="minor">
+            <a:schemeClr val="lt1"/>
+          </a:fontRef>
+        </p:style>
+        <p:txBody>
+          <a:bodyPr rtlCol="0" anchor="ctr"/>
+          <a:lstStyle/>
+          <a:p>
+            <a:pPr algn="ctr"/>
+            <a:r>
+              <a:rPr lang="en-US" sz="1200" dirty="0"/>
+              <a:t>icon</a:t>
+            </a:r>
+          </a:p>
+        </p:txBody>
+      </p:sp>
+      <p:sp>
+        <p:nvSpPr>
+          <p:cNvPr id="16" name="TextBox 15">
+            <a:extLst>
+              <a:ext uri="{FF2B5EF4-FFF2-40B4-BE49-F238E27FC236}">
+                <a16:creationId xmlns:a16="http://schemas.microsoft.com/office/drawing/2014/main" id="{53822D5B-1FE0-D361-199F-D2DFB5A7485E}"/>
+              </a:ext>
+            </a:extLst>
+          </p:cNvPr>
+          <p:cNvSpPr txBox="1"/>
+          <p:nvPr/>
+        </p:nvSpPr>
+        <p:spPr>
+          <a:xfrm>
+            <a:off x="4444182" y="4244103"/>
+            <a:ext cx="516538" cy="480844"/>
+          </a:xfrm>
+          <a:prstGeom prst="rect">
+            <a:avLst/>
+          </a:prstGeom>
+          <a:noFill/>
+          <a:ln>
+            <a:solidFill>
+              <a:srgbClr val="FF0000"/>
+            </a:solidFill>
+            <a:prstDash val="lgDash"/>
+          </a:ln>
+        </p:spPr>
+        <p:txBody>
+          <a:bodyPr wrap="square" rtlCol="0">
+            <a:spAutoFit/>
+          </a:bodyPr>
+          <a:lstStyle/>
+          <a:p>
+            <a:endParaRPr lang="en-US" dirty="0"/>
+          </a:p>
+        </p:txBody>
+      </p:sp>
+      <p:cxnSp>
+        <p:nvCxnSpPr>
+          <p:cNvPr id="17" name="Straight Arrow Connector 16">
+            <a:extLst>
+              <a:ext uri="{FF2B5EF4-FFF2-40B4-BE49-F238E27FC236}">
+                <a16:creationId xmlns:a16="http://schemas.microsoft.com/office/drawing/2014/main" id="{6F645E64-1B48-3FF7-1365-E9BA9CC37CB4}"/>
+              </a:ext>
+            </a:extLst>
+          </p:cNvPr>
+          <p:cNvCxnSpPr/>
+          <p:nvPr/>
+        </p:nvCxnSpPr>
+        <p:spPr>
+          <a:xfrm>
+            <a:off x="5928852" y="868245"/>
+            <a:ext cx="0" cy="480844"/>
+          </a:xfrm>
+          <a:prstGeom prst="straightConnector1">
+            <a:avLst/>
+          </a:prstGeom>
+          <a:ln>
+            <a:headEnd type="triangle"/>
+            <a:tailEnd type="triangle"/>
+          </a:ln>
+        </p:spPr>
+        <p:style>
+          <a:lnRef idx="1">
+            <a:schemeClr val="accent1"/>
+          </a:lnRef>
+          <a:fillRef idx="0">
+            <a:schemeClr val="accent1"/>
+          </a:fillRef>
+          <a:effectRef idx="0">
+            <a:schemeClr val="accent1"/>
+          </a:effectRef>
+          <a:fontRef idx="minor">
+            <a:schemeClr val="tx1"/>
+          </a:fontRef>
+        </p:style>
+      </p:cxnSp>
+      <p:cxnSp>
+        <p:nvCxnSpPr>
+          <p:cNvPr id="18" name="Straight Arrow Connector 17">
+            <a:extLst>
+              <a:ext uri="{FF2B5EF4-FFF2-40B4-BE49-F238E27FC236}">
+                <a16:creationId xmlns:a16="http://schemas.microsoft.com/office/drawing/2014/main" id="{A5BD92BD-E6C5-E9A4-FA00-55CAD9F4CD02}"/>
+              </a:ext>
+            </a:extLst>
+          </p:cNvPr>
+          <p:cNvCxnSpPr/>
+          <p:nvPr/>
+        </p:nvCxnSpPr>
+        <p:spPr>
+          <a:xfrm>
+            <a:off x="5928852" y="1349089"/>
+            <a:ext cx="0" cy="2289377"/>
+          </a:xfrm>
+          <a:prstGeom prst="straightConnector1">
+            <a:avLst/>
+          </a:prstGeom>
+          <a:ln>
+            <a:headEnd type="triangle"/>
+            <a:tailEnd type="triangle"/>
+          </a:ln>
+        </p:spPr>
+        <p:style>
+          <a:lnRef idx="1">
+            <a:schemeClr val="accent1"/>
+          </a:lnRef>
+          <a:fillRef idx="0">
+            <a:schemeClr val="accent1"/>
+          </a:fillRef>
+          <a:effectRef idx="0">
+            <a:schemeClr val="accent1"/>
+          </a:effectRef>
+          <a:fontRef idx="minor">
+            <a:schemeClr val="tx1"/>
+          </a:fontRef>
+        </p:style>
+      </p:cxnSp>
+      <p:cxnSp>
+        <p:nvCxnSpPr>
+          <p:cNvPr id="19" name="Straight Arrow Connector 18">
+            <a:extLst>
+              <a:ext uri="{FF2B5EF4-FFF2-40B4-BE49-F238E27FC236}">
+                <a16:creationId xmlns:a16="http://schemas.microsoft.com/office/drawing/2014/main" id="{2D9EE338-71A2-3FBA-6542-54710FB8E8A1}"/>
+              </a:ext>
+            </a:extLst>
+          </p:cNvPr>
+          <p:cNvCxnSpPr/>
+          <p:nvPr/>
+        </p:nvCxnSpPr>
+        <p:spPr>
+          <a:xfrm>
+            <a:off x="4444181" y="5476568"/>
+            <a:ext cx="516539" cy="0"/>
+          </a:xfrm>
+          <a:prstGeom prst="straightConnector1">
+            <a:avLst/>
+          </a:prstGeom>
+          <a:ln>
+            <a:headEnd type="triangle"/>
+            <a:tailEnd type="triangle"/>
+          </a:ln>
+        </p:spPr>
+        <p:style>
+          <a:lnRef idx="1">
+            <a:schemeClr val="accent1"/>
+          </a:lnRef>
+          <a:fillRef idx="0">
+            <a:schemeClr val="accent1"/>
+          </a:fillRef>
+          <a:effectRef idx="0">
+            <a:schemeClr val="accent1"/>
+          </a:effectRef>
+          <a:fontRef idx="minor">
+            <a:schemeClr val="tx1"/>
+          </a:fontRef>
+        </p:style>
+      </p:cxnSp>
+      <p:cxnSp>
+        <p:nvCxnSpPr>
+          <p:cNvPr id="20" name="Straight Arrow Connector 19">
+            <a:extLst>
+              <a:ext uri="{FF2B5EF4-FFF2-40B4-BE49-F238E27FC236}">
+                <a16:creationId xmlns:a16="http://schemas.microsoft.com/office/drawing/2014/main" id="{28AA7C86-DA61-BC9E-5761-2A5F81D66B97}"/>
+              </a:ext>
+            </a:extLst>
+          </p:cNvPr>
+          <p:cNvCxnSpPr/>
+          <p:nvPr/>
+        </p:nvCxnSpPr>
+        <p:spPr>
+          <a:xfrm flipH="1">
+            <a:off x="293912" y="5447071"/>
+            <a:ext cx="1810191" cy="0"/>
+          </a:xfrm>
+          <a:prstGeom prst="straightConnector1">
+            <a:avLst/>
+          </a:prstGeom>
+          <a:ln>
+            <a:headEnd type="triangle"/>
+            <a:tailEnd type="triangle"/>
+          </a:ln>
+        </p:spPr>
+        <p:style>
+          <a:lnRef idx="1">
+            <a:schemeClr val="accent1"/>
+          </a:lnRef>
+          <a:fillRef idx="0">
+            <a:schemeClr val="accent1"/>
+          </a:fillRef>
+          <a:effectRef idx="0">
+            <a:schemeClr val="accent1"/>
+          </a:effectRef>
+          <a:fontRef idx="minor">
+            <a:schemeClr val="tx1"/>
+          </a:fontRef>
+        </p:style>
+      </p:cxnSp>
+      <p:sp>
+        <p:nvSpPr>
+          <p:cNvPr id="21" name="TextBox 20">
+            <a:extLst>
+              <a:ext uri="{FF2B5EF4-FFF2-40B4-BE49-F238E27FC236}">
+                <a16:creationId xmlns:a16="http://schemas.microsoft.com/office/drawing/2014/main" id="{FFF666E6-230D-3629-CDA0-7426A466B309}"/>
+              </a:ext>
+            </a:extLst>
+          </p:cNvPr>
+          <p:cNvSpPr txBox="1"/>
+          <p:nvPr/>
+        </p:nvSpPr>
+        <p:spPr>
+          <a:xfrm>
+            <a:off x="4444181" y="5495749"/>
+            <a:ext cx="500458" cy="246221"/>
+          </a:xfrm>
+          <a:prstGeom prst="rect">
+            <a:avLst/>
+          </a:prstGeom>
+          <a:noFill/>
+        </p:spPr>
+        <p:txBody>
+          <a:bodyPr wrap="none" rtlCol="0">
+            <a:spAutoFit/>
+          </a:bodyPr>
+          <a:lstStyle/>
+          <a:p>
+            <a:r>
+              <a:rPr lang="en-US" sz="1000" dirty="0">
+                <a:solidFill>
+                  <a:schemeClr val="accent1"/>
+                </a:solidFill>
+              </a:rPr>
+              <a:t>flex: 0</a:t>
+            </a:r>
+          </a:p>
+        </p:txBody>
+      </p:sp>
+      <p:sp>
+        <p:nvSpPr>
+          <p:cNvPr id="22" name="TextBox 21">
+            <a:extLst>
+              <a:ext uri="{FF2B5EF4-FFF2-40B4-BE49-F238E27FC236}">
+                <a16:creationId xmlns:a16="http://schemas.microsoft.com/office/drawing/2014/main" id="{37412FF2-2D61-E872-64A4-C06A6F4DEB7B}"/>
+              </a:ext>
+            </a:extLst>
+          </p:cNvPr>
+          <p:cNvSpPr txBox="1"/>
+          <p:nvPr/>
+        </p:nvSpPr>
+        <p:spPr>
+          <a:xfrm>
+            <a:off x="959865" y="5456904"/>
+            <a:ext cx="500458" cy="246221"/>
+          </a:xfrm>
+          <a:prstGeom prst="rect">
+            <a:avLst/>
+          </a:prstGeom>
+          <a:noFill/>
+        </p:spPr>
+        <p:txBody>
+          <a:bodyPr wrap="none" rtlCol="0">
+            <a:spAutoFit/>
+          </a:bodyPr>
+          <a:lstStyle/>
+          <a:p>
+            <a:r>
+              <a:rPr lang="en-US" sz="1000" dirty="0">
+                <a:solidFill>
+                  <a:schemeClr val="accent1"/>
+                </a:solidFill>
+              </a:rPr>
+              <a:t>flex: 0</a:t>
+            </a:r>
+          </a:p>
+        </p:txBody>
+      </p:sp>
+      <p:sp>
+        <p:nvSpPr>
+          <p:cNvPr id="23" name="TextBox 22">
+            <a:extLst>
+              <a:ext uri="{FF2B5EF4-FFF2-40B4-BE49-F238E27FC236}">
+                <a16:creationId xmlns:a16="http://schemas.microsoft.com/office/drawing/2014/main" id="{1B57662B-E23F-85F0-A872-06A57F832866}"/>
+              </a:ext>
+            </a:extLst>
+          </p:cNvPr>
+          <p:cNvSpPr txBox="1"/>
+          <p:nvPr/>
+        </p:nvSpPr>
+        <p:spPr>
+          <a:xfrm>
+            <a:off x="5344821" y="985556"/>
+            <a:ext cx="500458" cy="246221"/>
+          </a:xfrm>
+          <a:prstGeom prst="rect">
+            <a:avLst/>
+          </a:prstGeom>
+          <a:noFill/>
+        </p:spPr>
+        <p:txBody>
+          <a:bodyPr wrap="none" rtlCol="0">
+            <a:spAutoFit/>
+          </a:bodyPr>
+          <a:lstStyle/>
+          <a:p>
+            <a:r>
+              <a:rPr lang="en-US" sz="1000" dirty="0">
+                <a:solidFill>
+                  <a:schemeClr val="accent1"/>
+                </a:solidFill>
+              </a:rPr>
+              <a:t>flex: 1</a:t>
+            </a:r>
+          </a:p>
+        </p:txBody>
+      </p:sp>
+      <p:sp>
+        <p:nvSpPr>
+          <p:cNvPr id="24" name="TextBox 23">
+            <a:extLst>
+              <a:ext uri="{FF2B5EF4-FFF2-40B4-BE49-F238E27FC236}">
+                <a16:creationId xmlns:a16="http://schemas.microsoft.com/office/drawing/2014/main" id="{C44F8382-C44D-F055-F77B-EF8BEBD8FE6F}"/>
+              </a:ext>
+            </a:extLst>
+          </p:cNvPr>
+          <p:cNvSpPr txBox="1"/>
+          <p:nvPr/>
+        </p:nvSpPr>
+        <p:spPr>
+          <a:xfrm>
+            <a:off x="5344821" y="2370666"/>
+            <a:ext cx="500458" cy="246221"/>
+          </a:xfrm>
+          <a:prstGeom prst="rect">
+            <a:avLst/>
+          </a:prstGeom>
+          <a:noFill/>
+        </p:spPr>
+        <p:txBody>
+          <a:bodyPr wrap="none" rtlCol="0">
+            <a:spAutoFit/>
+          </a:bodyPr>
+          <a:lstStyle/>
+          <a:p>
+            <a:r>
+              <a:rPr lang="en-US" sz="1000" dirty="0">
+                <a:solidFill>
+                  <a:schemeClr val="accent1"/>
+                </a:solidFill>
+              </a:rPr>
+              <a:t>flex: 4</a:t>
+            </a:r>
           </a:p>
         </p:txBody>
       </p:sp>
@@ -3579,53 +4393,1338 @@
           <a:chExt cx="0" cy="0"/>
         </a:xfrm>
       </p:grpSpPr>
-      <p:sp>
-        <p:nvSpPr>
-          <p:cNvPr id="2" name="Title 1">
-            <a:extLst>
-              <a:ext uri="{FF2B5EF4-FFF2-40B4-BE49-F238E27FC236}">
-                <a16:creationId xmlns:a16="http://schemas.microsoft.com/office/drawing/2014/main" id="{3D16F7B6-C5C3-5C37-1089-66D0CEF2D8E4}"/>
-              </a:ext>
-            </a:extLst>
-          </p:cNvPr>
-          <p:cNvSpPr>
-            <a:spLocks noGrp="1"/>
-          </p:cNvSpPr>
-          <p:nvPr>
-            <p:ph type="title"/>
-          </p:nvPr>
-        </p:nvSpPr>
-        <p:spPr/>
-        <p:txBody>
-          <a:bodyPr/>
-          <a:lstStyle/>
-          <a:p>
+      <p:pic>
+        <p:nvPicPr>
+          <p:cNvPr id="4" name="Picture 3">
+            <a:extLst>
+              <a:ext uri="{FF2B5EF4-FFF2-40B4-BE49-F238E27FC236}">
+                <a16:creationId xmlns:a16="http://schemas.microsoft.com/office/drawing/2014/main" id="{95C56C65-2827-75EB-4343-D7719F37BDD6}"/>
+              </a:ext>
+            </a:extLst>
+          </p:cNvPr>
+          <p:cNvPicPr>
+            <a:picLocks noChangeAspect="1"/>
+          </p:cNvPicPr>
+          <p:nvPr/>
+        </p:nvPicPr>
+        <p:blipFill>
+          <a:blip r:embed="rId2">
+            <a:extLst>
+              <a:ext uri="{28A0092B-C50C-407E-A947-70E740481C1C}">
+                <a14:useLocalDpi xmlns:a14="http://schemas.microsoft.com/office/drawing/2010/main" val="0"/>
+              </a:ext>
+            </a:extLst>
+          </a:blip>
+          <a:stretch>
+            <a:fillRect/>
+          </a:stretch>
+        </p:blipFill>
+        <p:spPr>
+          <a:xfrm>
+            <a:off x="187569" y="781539"/>
+            <a:ext cx="4848187" cy="2383692"/>
+          </a:xfrm>
+          <a:prstGeom prst="rect">
+            <a:avLst/>
+          </a:prstGeom>
+        </p:spPr>
+      </p:pic>
+      <p:sp>
+        <p:nvSpPr>
+          <p:cNvPr id="5" name="TextBox 4">
+            <a:extLst>
+              <a:ext uri="{FF2B5EF4-FFF2-40B4-BE49-F238E27FC236}">
+                <a16:creationId xmlns:a16="http://schemas.microsoft.com/office/drawing/2014/main" id="{ADA4A605-3EFC-1BA0-391F-5A4900AE6180}"/>
+              </a:ext>
+            </a:extLst>
+          </p:cNvPr>
+          <p:cNvSpPr txBox="1"/>
+          <p:nvPr/>
+        </p:nvSpPr>
+        <p:spPr>
+          <a:xfrm>
+            <a:off x="187569" y="293077"/>
+            <a:ext cx="1029449" cy="369332"/>
+          </a:xfrm>
+          <a:prstGeom prst="rect">
+            <a:avLst/>
+          </a:prstGeom>
+          <a:noFill/>
+        </p:spPr>
+        <p:txBody>
+          <a:bodyPr wrap="none" rtlCol="0">
+            <a:spAutoFit/>
+          </a:bodyPr>
+          <a:lstStyle/>
+          <a:p>
+            <a:r>
+              <a:rPr lang="en-US" dirty="0"/>
+              <a:t>_ activity</a:t>
+            </a:r>
+          </a:p>
+        </p:txBody>
+      </p:sp>
+      <p:sp>
+        <p:nvSpPr>
+          <p:cNvPr id="6" name="Rectangle 5">
+            <a:extLst>
+              <a:ext uri="{FF2B5EF4-FFF2-40B4-BE49-F238E27FC236}">
+                <a16:creationId xmlns:a16="http://schemas.microsoft.com/office/drawing/2014/main" id="{1A8EFBBE-28B9-684A-1A8C-ACB69F77C2FA}"/>
+              </a:ext>
+            </a:extLst>
+          </p:cNvPr>
+          <p:cNvSpPr/>
+          <p:nvPr/>
+        </p:nvSpPr>
+        <p:spPr>
+          <a:xfrm>
+            <a:off x="5814646" y="781537"/>
+            <a:ext cx="4829908" cy="2383693"/>
+          </a:xfrm>
+          <a:prstGeom prst="rect">
+            <a:avLst/>
+          </a:prstGeom>
+        </p:spPr>
+        <p:style>
+          <a:lnRef idx="2">
+            <a:schemeClr val="accent1">
+              <a:shade val="15000"/>
+            </a:schemeClr>
+          </a:lnRef>
+          <a:fillRef idx="1">
+            <a:schemeClr val="accent1"/>
+          </a:fillRef>
+          <a:effectRef idx="0">
+            <a:schemeClr val="accent1"/>
+          </a:effectRef>
+          <a:fontRef idx="minor">
+            <a:schemeClr val="lt1"/>
+          </a:fontRef>
+        </p:style>
+        <p:txBody>
+          <a:bodyPr rtlCol="0" anchor="ctr"/>
+          <a:lstStyle/>
+          <a:p>
+            <a:pPr algn="ctr"/>
             <a:endParaRPr lang="en-US"/>
           </a:p>
         </p:txBody>
       </p:sp>
       <p:sp>
         <p:nvSpPr>
-          <p:cNvPr id="3" name="Content Placeholder 2">
-            <a:extLst>
-              <a:ext uri="{FF2B5EF4-FFF2-40B4-BE49-F238E27FC236}">
-                <a16:creationId xmlns:a16="http://schemas.microsoft.com/office/drawing/2014/main" id="{1706E54B-9898-950D-F7B0-18CC9481CEA7}"/>
-              </a:ext>
-            </a:extLst>
-          </p:cNvPr>
-          <p:cNvSpPr>
-            <a:spLocks noGrp="1"/>
-          </p:cNvSpPr>
-          <p:nvPr>
-            <p:ph idx="1"/>
-          </p:nvPr>
-        </p:nvSpPr>
-        <p:spPr/>
-        <p:txBody>
-          <a:bodyPr/>
-          <a:lstStyle/>
-          <a:p>
-            <a:endParaRPr lang="en-US"/>
+          <p:cNvPr id="7" name="Rectangle 6">
+            <a:extLst>
+              <a:ext uri="{FF2B5EF4-FFF2-40B4-BE49-F238E27FC236}">
+                <a16:creationId xmlns:a16="http://schemas.microsoft.com/office/drawing/2014/main" id="{C25BABB4-6495-56AA-5D4F-6C2BDF83E328}"/>
+              </a:ext>
+            </a:extLst>
+          </p:cNvPr>
+          <p:cNvSpPr/>
+          <p:nvPr/>
+        </p:nvSpPr>
+        <p:spPr>
+          <a:xfrm>
+            <a:off x="5814646" y="781537"/>
+            <a:ext cx="4829908" cy="531448"/>
+          </a:xfrm>
+          <a:prstGeom prst="rect">
+            <a:avLst/>
+          </a:prstGeom>
+          <a:solidFill>
+            <a:schemeClr val="accent6"/>
+          </a:solidFill>
+        </p:spPr>
+        <p:style>
+          <a:lnRef idx="2">
+            <a:schemeClr val="accent1">
+              <a:shade val="15000"/>
+            </a:schemeClr>
+          </a:lnRef>
+          <a:fillRef idx="1">
+            <a:schemeClr val="accent1"/>
+          </a:fillRef>
+          <a:effectRef idx="0">
+            <a:schemeClr val="accent1"/>
+          </a:effectRef>
+          <a:fontRef idx="minor">
+            <a:schemeClr val="lt1"/>
+          </a:fontRef>
+        </p:style>
+        <p:txBody>
+          <a:bodyPr rtlCol="0" anchor="ctr"/>
+          <a:lstStyle/>
+          <a:p>
+            <a:pPr algn="ctr"/>
+            <a:r>
+              <a:rPr lang="en-US" sz="1200" dirty="0"/>
+              <a:t>activity-content</a:t>
+            </a:r>
+          </a:p>
+        </p:txBody>
+      </p:sp>
+      <p:sp>
+        <p:nvSpPr>
+          <p:cNvPr id="8" name="Rectangle 7">
+            <a:extLst>
+              <a:ext uri="{FF2B5EF4-FFF2-40B4-BE49-F238E27FC236}">
+                <a16:creationId xmlns:a16="http://schemas.microsoft.com/office/drawing/2014/main" id="{086A3AB1-2EF3-62D7-F51C-CD0AB1EC1853}"/>
+              </a:ext>
+            </a:extLst>
+          </p:cNvPr>
+          <p:cNvSpPr/>
+          <p:nvPr/>
+        </p:nvSpPr>
+        <p:spPr>
+          <a:xfrm>
+            <a:off x="5814646" y="1383320"/>
+            <a:ext cx="4829908" cy="531448"/>
+          </a:xfrm>
+          <a:prstGeom prst="rect">
+            <a:avLst/>
+          </a:prstGeom>
+          <a:solidFill>
+            <a:schemeClr val="accent6"/>
+          </a:solidFill>
+        </p:spPr>
+        <p:style>
+          <a:lnRef idx="2">
+            <a:schemeClr val="accent1">
+              <a:shade val="15000"/>
+            </a:schemeClr>
+          </a:lnRef>
+          <a:fillRef idx="1">
+            <a:schemeClr val="accent1"/>
+          </a:fillRef>
+          <a:effectRef idx="0">
+            <a:schemeClr val="accent1"/>
+          </a:effectRef>
+          <a:fontRef idx="minor">
+            <a:schemeClr val="lt1"/>
+          </a:fontRef>
+        </p:style>
+        <p:txBody>
+          <a:bodyPr rtlCol="0" anchor="ctr"/>
+          <a:lstStyle/>
+          <a:p>
+            <a:pPr algn="ctr"/>
+            <a:r>
+              <a:rPr lang="en-US" sz="1200" dirty="0"/>
+              <a:t>activity-content</a:t>
+            </a:r>
+          </a:p>
+        </p:txBody>
+      </p:sp>
+      <p:sp>
+        <p:nvSpPr>
+          <p:cNvPr id="9" name="Rectangle 8">
+            <a:extLst>
+              <a:ext uri="{FF2B5EF4-FFF2-40B4-BE49-F238E27FC236}">
+                <a16:creationId xmlns:a16="http://schemas.microsoft.com/office/drawing/2014/main" id="{977B3B52-D18C-0C56-10EA-B7785B4FDCFB}"/>
+              </a:ext>
+            </a:extLst>
+          </p:cNvPr>
+          <p:cNvSpPr/>
+          <p:nvPr/>
+        </p:nvSpPr>
+        <p:spPr>
+          <a:xfrm>
+            <a:off x="5814646" y="2017819"/>
+            <a:ext cx="4829908" cy="531448"/>
+          </a:xfrm>
+          <a:prstGeom prst="rect">
+            <a:avLst/>
+          </a:prstGeom>
+          <a:solidFill>
+            <a:schemeClr val="accent6"/>
+          </a:solidFill>
+        </p:spPr>
+        <p:style>
+          <a:lnRef idx="2">
+            <a:schemeClr val="accent1">
+              <a:shade val="15000"/>
+            </a:schemeClr>
+          </a:lnRef>
+          <a:fillRef idx="1">
+            <a:schemeClr val="accent1"/>
+          </a:fillRef>
+          <a:effectRef idx="0">
+            <a:schemeClr val="accent1"/>
+          </a:effectRef>
+          <a:fontRef idx="minor">
+            <a:schemeClr val="lt1"/>
+          </a:fontRef>
+        </p:style>
+        <p:txBody>
+          <a:bodyPr rtlCol="0" anchor="ctr"/>
+          <a:lstStyle/>
+          <a:p>
+            <a:pPr algn="ctr"/>
+            <a:r>
+              <a:rPr lang="en-US" sz="1200" dirty="0"/>
+              <a:t>activity-content</a:t>
+            </a:r>
+          </a:p>
+        </p:txBody>
+      </p:sp>
+      <p:sp>
+        <p:nvSpPr>
+          <p:cNvPr id="10" name="Rectangle 9">
+            <a:extLst>
+              <a:ext uri="{FF2B5EF4-FFF2-40B4-BE49-F238E27FC236}">
+                <a16:creationId xmlns:a16="http://schemas.microsoft.com/office/drawing/2014/main" id="{FF76D1FE-03DD-1BEE-73E7-9C06DD1CCD98}"/>
+              </a:ext>
+            </a:extLst>
+          </p:cNvPr>
+          <p:cNvSpPr/>
+          <p:nvPr/>
+        </p:nvSpPr>
+        <p:spPr>
+          <a:xfrm>
+            <a:off x="5814646" y="2633782"/>
+            <a:ext cx="4829908" cy="531448"/>
+          </a:xfrm>
+          <a:prstGeom prst="rect">
+            <a:avLst/>
+          </a:prstGeom>
+          <a:solidFill>
+            <a:schemeClr val="accent6"/>
+          </a:solidFill>
+        </p:spPr>
+        <p:style>
+          <a:lnRef idx="2">
+            <a:schemeClr val="accent1">
+              <a:shade val="15000"/>
+            </a:schemeClr>
+          </a:lnRef>
+          <a:fillRef idx="1">
+            <a:schemeClr val="accent1"/>
+          </a:fillRef>
+          <a:effectRef idx="0">
+            <a:schemeClr val="accent1"/>
+          </a:effectRef>
+          <a:fontRef idx="minor">
+            <a:schemeClr val="lt1"/>
+          </a:fontRef>
+        </p:style>
+        <p:txBody>
+          <a:bodyPr rtlCol="0" anchor="ctr"/>
+          <a:lstStyle/>
+          <a:p>
+            <a:pPr algn="ctr"/>
+            <a:r>
+              <a:rPr lang="en-US" sz="1200" dirty="0"/>
+              <a:t>activity-content</a:t>
+            </a:r>
+          </a:p>
+        </p:txBody>
+      </p:sp>
+      <p:sp>
+        <p:nvSpPr>
+          <p:cNvPr id="11" name="TextBox 10">
+            <a:extLst>
+              <a:ext uri="{FF2B5EF4-FFF2-40B4-BE49-F238E27FC236}">
+                <a16:creationId xmlns:a16="http://schemas.microsoft.com/office/drawing/2014/main" id="{A9018615-2271-1001-9E2E-E5F58A2189C3}"/>
+              </a:ext>
+            </a:extLst>
+          </p:cNvPr>
+          <p:cNvSpPr txBox="1"/>
+          <p:nvPr/>
+        </p:nvSpPr>
+        <p:spPr>
+          <a:xfrm>
+            <a:off x="187569" y="827425"/>
+            <a:ext cx="4848186" cy="485559"/>
+          </a:xfrm>
+          <a:prstGeom prst="rect">
+            <a:avLst/>
+          </a:prstGeom>
+          <a:noFill/>
+          <a:ln>
+            <a:solidFill>
+              <a:srgbClr val="FF0000"/>
+            </a:solidFill>
+            <a:prstDash val="lgDash"/>
+          </a:ln>
+        </p:spPr>
+        <p:txBody>
+          <a:bodyPr wrap="square" rtlCol="0">
+            <a:spAutoFit/>
+          </a:bodyPr>
+          <a:lstStyle/>
+          <a:p>
+            <a:endParaRPr lang="en-US" dirty="0"/>
+          </a:p>
+        </p:txBody>
+      </p:sp>
+      <p:sp>
+        <p:nvSpPr>
+          <p:cNvPr id="12" name="TextBox 11">
+            <a:extLst>
+              <a:ext uri="{FF2B5EF4-FFF2-40B4-BE49-F238E27FC236}">
+                <a16:creationId xmlns:a16="http://schemas.microsoft.com/office/drawing/2014/main" id="{CF004946-4F7B-547F-1C7E-D3DDF0F46EFD}"/>
+              </a:ext>
+            </a:extLst>
+          </p:cNvPr>
+          <p:cNvSpPr txBox="1"/>
+          <p:nvPr/>
+        </p:nvSpPr>
+        <p:spPr>
+          <a:xfrm>
+            <a:off x="187569" y="1466333"/>
+            <a:ext cx="4848186" cy="485559"/>
+          </a:xfrm>
+          <a:prstGeom prst="rect">
+            <a:avLst/>
+          </a:prstGeom>
+          <a:noFill/>
+          <a:ln>
+            <a:solidFill>
+              <a:srgbClr val="FF0000"/>
+            </a:solidFill>
+            <a:prstDash val="lgDash"/>
+          </a:ln>
+        </p:spPr>
+        <p:txBody>
+          <a:bodyPr wrap="square" rtlCol="0">
+            <a:spAutoFit/>
+          </a:bodyPr>
+          <a:lstStyle/>
+          <a:p>
+            <a:endParaRPr lang="en-US" dirty="0"/>
+          </a:p>
+        </p:txBody>
+      </p:sp>
+      <p:sp>
+        <p:nvSpPr>
+          <p:cNvPr id="13" name="TextBox 12">
+            <a:extLst>
+              <a:ext uri="{FF2B5EF4-FFF2-40B4-BE49-F238E27FC236}">
+                <a16:creationId xmlns:a16="http://schemas.microsoft.com/office/drawing/2014/main" id="{38BA3B37-3000-CDAB-0BAB-FEB07ECA41AF}"/>
+              </a:ext>
+            </a:extLst>
+          </p:cNvPr>
+          <p:cNvSpPr txBox="1"/>
+          <p:nvPr/>
+        </p:nvSpPr>
+        <p:spPr>
+          <a:xfrm>
+            <a:off x="187569" y="2040764"/>
+            <a:ext cx="4848186" cy="485559"/>
+          </a:xfrm>
+          <a:prstGeom prst="rect">
+            <a:avLst/>
+          </a:prstGeom>
+          <a:noFill/>
+          <a:ln>
+            <a:solidFill>
+              <a:srgbClr val="FF0000"/>
+            </a:solidFill>
+            <a:prstDash val="lgDash"/>
+          </a:ln>
+        </p:spPr>
+        <p:txBody>
+          <a:bodyPr wrap="square" rtlCol="0">
+            <a:spAutoFit/>
+          </a:bodyPr>
+          <a:lstStyle/>
+          <a:p>
+            <a:endParaRPr lang="en-US" dirty="0"/>
+          </a:p>
+        </p:txBody>
+      </p:sp>
+      <p:sp>
+        <p:nvSpPr>
+          <p:cNvPr id="14" name="TextBox 13">
+            <a:extLst>
+              <a:ext uri="{FF2B5EF4-FFF2-40B4-BE49-F238E27FC236}">
+                <a16:creationId xmlns:a16="http://schemas.microsoft.com/office/drawing/2014/main" id="{F886FB30-F1D9-7D3B-3B7F-5206A1C32C55}"/>
+              </a:ext>
+            </a:extLst>
+          </p:cNvPr>
+          <p:cNvSpPr txBox="1"/>
+          <p:nvPr/>
+        </p:nvSpPr>
+        <p:spPr>
+          <a:xfrm>
+            <a:off x="187569" y="2679671"/>
+            <a:ext cx="4848186" cy="485559"/>
+          </a:xfrm>
+          <a:prstGeom prst="rect">
+            <a:avLst/>
+          </a:prstGeom>
+          <a:noFill/>
+          <a:ln>
+            <a:solidFill>
+              <a:srgbClr val="FF0000"/>
+            </a:solidFill>
+            <a:prstDash val="lgDash"/>
+          </a:ln>
+        </p:spPr>
+        <p:txBody>
+          <a:bodyPr wrap="square" rtlCol="0">
+            <a:spAutoFit/>
+          </a:bodyPr>
+          <a:lstStyle/>
+          <a:p>
+            <a:endParaRPr lang="en-US" dirty="0"/>
+          </a:p>
+        </p:txBody>
+      </p:sp>
+      <p:sp>
+        <p:nvSpPr>
+          <p:cNvPr id="15" name="TextBox 14">
+            <a:extLst>
+              <a:ext uri="{FF2B5EF4-FFF2-40B4-BE49-F238E27FC236}">
+                <a16:creationId xmlns:a16="http://schemas.microsoft.com/office/drawing/2014/main" id="{B82EAB33-F4D3-2347-C507-1D33FD48022D}"/>
+              </a:ext>
+            </a:extLst>
+          </p:cNvPr>
+          <p:cNvSpPr txBox="1"/>
+          <p:nvPr/>
+        </p:nvSpPr>
+        <p:spPr>
+          <a:xfrm>
+            <a:off x="187569" y="3284361"/>
+            <a:ext cx="1818831" cy="369332"/>
+          </a:xfrm>
+          <a:prstGeom prst="rect">
+            <a:avLst/>
+          </a:prstGeom>
+          <a:noFill/>
+        </p:spPr>
+        <p:txBody>
+          <a:bodyPr wrap="none" rtlCol="0">
+            <a:spAutoFit/>
+          </a:bodyPr>
+          <a:lstStyle/>
+          <a:p>
+            <a:r>
+              <a:rPr lang="en-US" dirty="0"/>
+              <a:t>_ activity-content</a:t>
+            </a:r>
+          </a:p>
+        </p:txBody>
+      </p:sp>
+      <p:cxnSp>
+        <p:nvCxnSpPr>
+          <p:cNvPr id="16" name="Straight Arrow Connector 15">
+            <a:extLst>
+              <a:ext uri="{FF2B5EF4-FFF2-40B4-BE49-F238E27FC236}">
+                <a16:creationId xmlns:a16="http://schemas.microsoft.com/office/drawing/2014/main" id="{FC52DDC0-687F-EA84-2A84-2B698435A084}"/>
+              </a:ext>
+            </a:extLst>
+          </p:cNvPr>
+          <p:cNvCxnSpPr/>
+          <p:nvPr/>
+        </p:nvCxnSpPr>
+        <p:spPr>
+          <a:xfrm>
+            <a:off x="5729161" y="781537"/>
+            <a:ext cx="0" cy="531447"/>
+          </a:xfrm>
+          <a:prstGeom prst="straightConnector1">
+            <a:avLst/>
+          </a:prstGeom>
+          <a:ln>
+            <a:headEnd type="triangle"/>
+            <a:tailEnd type="triangle"/>
+          </a:ln>
+        </p:spPr>
+        <p:style>
+          <a:lnRef idx="1">
+            <a:schemeClr val="accent1"/>
+          </a:lnRef>
+          <a:fillRef idx="0">
+            <a:schemeClr val="accent1"/>
+          </a:fillRef>
+          <a:effectRef idx="0">
+            <a:schemeClr val="accent1"/>
+          </a:effectRef>
+          <a:fontRef idx="minor">
+            <a:schemeClr val="tx1"/>
+          </a:fontRef>
+        </p:style>
+      </p:cxnSp>
+      <p:cxnSp>
+        <p:nvCxnSpPr>
+          <p:cNvPr id="17" name="Straight Arrow Connector 16">
+            <a:extLst>
+              <a:ext uri="{FF2B5EF4-FFF2-40B4-BE49-F238E27FC236}">
+                <a16:creationId xmlns:a16="http://schemas.microsoft.com/office/drawing/2014/main" id="{7ADCFA9A-8D1D-9E2B-AB36-5AE3F2F2004B}"/>
+              </a:ext>
+            </a:extLst>
+          </p:cNvPr>
+          <p:cNvCxnSpPr/>
+          <p:nvPr/>
+        </p:nvCxnSpPr>
+        <p:spPr>
+          <a:xfrm>
+            <a:off x="5727812" y="1386468"/>
+            <a:ext cx="0" cy="531447"/>
+          </a:xfrm>
+          <a:prstGeom prst="straightConnector1">
+            <a:avLst/>
+          </a:prstGeom>
+          <a:ln>
+            <a:headEnd type="triangle"/>
+            <a:tailEnd type="triangle"/>
+          </a:ln>
+        </p:spPr>
+        <p:style>
+          <a:lnRef idx="1">
+            <a:schemeClr val="accent1"/>
+          </a:lnRef>
+          <a:fillRef idx="0">
+            <a:schemeClr val="accent1"/>
+          </a:fillRef>
+          <a:effectRef idx="0">
+            <a:schemeClr val="accent1"/>
+          </a:effectRef>
+          <a:fontRef idx="minor">
+            <a:schemeClr val="tx1"/>
+          </a:fontRef>
+        </p:style>
+      </p:cxnSp>
+      <p:cxnSp>
+        <p:nvCxnSpPr>
+          <p:cNvPr id="18" name="Straight Arrow Connector 17">
+            <a:extLst>
+              <a:ext uri="{FF2B5EF4-FFF2-40B4-BE49-F238E27FC236}">
+                <a16:creationId xmlns:a16="http://schemas.microsoft.com/office/drawing/2014/main" id="{23ADF632-F33E-01FD-1E98-D1A32FC12062}"/>
+              </a:ext>
+            </a:extLst>
+          </p:cNvPr>
+          <p:cNvCxnSpPr/>
+          <p:nvPr/>
+        </p:nvCxnSpPr>
+        <p:spPr>
+          <a:xfrm>
+            <a:off x="5727812" y="2040764"/>
+            <a:ext cx="0" cy="531447"/>
+          </a:xfrm>
+          <a:prstGeom prst="straightConnector1">
+            <a:avLst/>
+          </a:prstGeom>
+          <a:ln>
+            <a:headEnd type="triangle"/>
+            <a:tailEnd type="triangle"/>
+          </a:ln>
+        </p:spPr>
+        <p:style>
+          <a:lnRef idx="1">
+            <a:schemeClr val="accent1"/>
+          </a:lnRef>
+          <a:fillRef idx="0">
+            <a:schemeClr val="accent1"/>
+          </a:fillRef>
+          <a:effectRef idx="0">
+            <a:schemeClr val="accent1"/>
+          </a:effectRef>
+          <a:fontRef idx="minor">
+            <a:schemeClr val="tx1"/>
+          </a:fontRef>
+        </p:style>
+      </p:cxnSp>
+      <p:cxnSp>
+        <p:nvCxnSpPr>
+          <p:cNvPr id="19" name="Straight Arrow Connector 18">
+            <a:extLst>
+              <a:ext uri="{FF2B5EF4-FFF2-40B4-BE49-F238E27FC236}">
+                <a16:creationId xmlns:a16="http://schemas.microsoft.com/office/drawing/2014/main" id="{3F62FD65-3D3C-B54C-F969-00ECB3AAF309}"/>
+              </a:ext>
+            </a:extLst>
+          </p:cNvPr>
+          <p:cNvCxnSpPr/>
+          <p:nvPr/>
+        </p:nvCxnSpPr>
+        <p:spPr>
+          <a:xfrm>
+            <a:off x="5727812" y="2633782"/>
+            <a:ext cx="0" cy="531447"/>
+          </a:xfrm>
+          <a:prstGeom prst="straightConnector1">
+            <a:avLst/>
+          </a:prstGeom>
+          <a:ln>
+            <a:headEnd type="triangle"/>
+            <a:tailEnd type="triangle"/>
+          </a:ln>
+        </p:spPr>
+        <p:style>
+          <a:lnRef idx="1">
+            <a:schemeClr val="accent1"/>
+          </a:lnRef>
+          <a:fillRef idx="0">
+            <a:schemeClr val="accent1"/>
+          </a:fillRef>
+          <a:effectRef idx="0">
+            <a:schemeClr val="accent1"/>
+          </a:effectRef>
+          <a:fontRef idx="minor">
+            <a:schemeClr val="tx1"/>
+          </a:fontRef>
+        </p:style>
+      </p:cxnSp>
+      <p:sp>
+        <p:nvSpPr>
+          <p:cNvPr id="20" name="TextBox 19">
+            <a:extLst>
+              <a:ext uri="{FF2B5EF4-FFF2-40B4-BE49-F238E27FC236}">
+                <a16:creationId xmlns:a16="http://schemas.microsoft.com/office/drawing/2014/main" id="{9D674D0E-8835-55FD-3E0A-0DA1A53D25F7}"/>
+              </a:ext>
+            </a:extLst>
+          </p:cNvPr>
+          <p:cNvSpPr txBox="1"/>
+          <p:nvPr/>
+        </p:nvSpPr>
+        <p:spPr>
+          <a:xfrm>
+            <a:off x="5270772" y="2202159"/>
+            <a:ext cx="500458" cy="246221"/>
+          </a:xfrm>
+          <a:prstGeom prst="rect">
+            <a:avLst/>
+          </a:prstGeom>
+          <a:noFill/>
+        </p:spPr>
+        <p:txBody>
+          <a:bodyPr wrap="none" rtlCol="0">
+            <a:spAutoFit/>
+          </a:bodyPr>
+          <a:lstStyle/>
+          <a:p>
+            <a:r>
+              <a:rPr lang="en-US" sz="1000" dirty="0">
+                <a:solidFill>
+                  <a:schemeClr val="accent1"/>
+                </a:solidFill>
+              </a:rPr>
+              <a:t>flex: 1</a:t>
+            </a:r>
+          </a:p>
+        </p:txBody>
+      </p:sp>
+      <p:sp>
+        <p:nvSpPr>
+          <p:cNvPr id="21" name="TextBox 20">
+            <a:extLst>
+              <a:ext uri="{FF2B5EF4-FFF2-40B4-BE49-F238E27FC236}">
+                <a16:creationId xmlns:a16="http://schemas.microsoft.com/office/drawing/2014/main" id="{9BD376CD-D222-2FF3-8508-B145FEB09045}"/>
+              </a:ext>
+            </a:extLst>
+          </p:cNvPr>
+          <p:cNvSpPr txBox="1"/>
+          <p:nvPr/>
+        </p:nvSpPr>
+        <p:spPr>
+          <a:xfrm>
+            <a:off x="5270772" y="1584863"/>
+            <a:ext cx="500458" cy="246221"/>
+          </a:xfrm>
+          <a:prstGeom prst="rect">
+            <a:avLst/>
+          </a:prstGeom>
+          <a:noFill/>
+        </p:spPr>
+        <p:txBody>
+          <a:bodyPr wrap="none" rtlCol="0">
+            <a:spAutoFit/>
+          </a:bodyPr>
+          <a:lstStyle/>
+          <a:p>
+            <a:r>
+              <a:rPr lang="en-US" sz="1000" dirty="0">
+                <a:solidFill>
+                  <a:schemeClr val="accent1"/>
+                </a:solidFill>
+              </a:rPr>
+              <a:t>flex: 1</a:t>
+            </a:r>
+          </a:p>
+        </p:txBody>
+      </p:sp>
+      <p:sp>
+        <p:nvSpPr>
+          <p:cNvPr id="22" name="TextBox 21">
+            <a:extLst>
+              <a:ext uri="{FF2B5EF4-FFF2-40B4-BE49-F238E27FC236}">
+                <a16:creationId xmlns:a16="http://schemas.microsoft.com/office/drawing/2014/main" id="{90982534-E0A6-BF5B-E19B-D0EFDEB4BB76}"/>
+              </a:ext>
+            </a:extLst>
+          </p:cNvPr>
+          <p:cNvSpPr txBox="1"/>
+          <p:nvPr/>
+        </p:nvSpPr>
+        <p:spPr>
+          <a:xfrm>
+            <a:off x="5256197" y="947093"/>
+            <a:ext cx="500458" cy="246221"/>
+          </a:xfrm>
+          <a:prstGeom prst="rect">
+            <a:avLst/>
+          </a:prstGeom>
+          <a:noFill/>
+        </p:spPr>
+        <p:txBody>
+          <a:bodyPr wrap="none" rtlCol="0">
+            <a:spAutoFit/>
+          </a:bodyPr>
+          <a:lstStyle/>
+          <a:p>
+            <a:r>
+              <a:rPr lang="en-US" sz="1000" dirty="0">
+                <a:solidFill>
+                  <a:schemeClr val="accent1"/>
+                </a:solidFill>
+              </a:rPr>
+              <a:t>flex: 1</a:t>
+            </a:r>
+          </a:p>
+        </p:txBody>
+      </p:sp>
+      <p:sp>
+        <p:nvSpPr>
+          <p:cNvPr id="23" name="TextBox 22">
+            <a:extLst>
+              <a:ext uri="{FF2B5EF4-FFF2-40B4-BE49-F238E27FC236}">
+                <a16:creationId xmlns:a16="http://schemas.microsoft.com/office/drawing/2014/main" id="{1BA55FCE-5342-B0AE-9E4E-AAE6E6550764}"/>
+              </a:ext>
+            </a:extLst>
+          </p:cNvPr>
+          <p:cNvSpPr txBox="1"/>
+          <p:nvPr/>
+        </p:nvSpPr>
+        <p:spPr>
+          <a:xfrm>
+            <a:off x="5270772" y="2776394"/>
+            <a:ext cx="500458" cy="246221"/>
+          </a:xfrm>
+          <a:prstGeom prst="rect">
+            <a:avLst/>
+          </a:prstGeom>
+          <a:noFill/>
+        </p:spPr>
+        <p:txBody>
+          <a:bodyPr wrap="none" rtlCol="0">
+            <a:spAutoFit/>
+          </a:bodyPr>
+          <a:lstStyle/>
+          <a:p>
+            <a:r>
+              <a:rPr lang="en-US" sz="1000" dirty="0">
+                <a:solidFill>
+                  <a:schemeClr val="accent1"/>
+                </a:solidFill>
+              </a:rPr>
+              <a:t>flex: 1</a:t>
+            </a:r>
+          </a:p>
+        </p:txBody>
+      </p:sp>
+      <p:pic>
+        <p:nvPicPr>
+          <p:cNvPr id="24" name="Picture 23">
+            <a:extLst>
+              <a:ext uri="{FF2B5EF4-FFF2-40B4-BE49-F238E27FC236}">
+                <a16:creationId xmlns:a16="http://schemas.microsoft.com/office/drawing/2014/main" id="{66622721-3BD4-252A-F623-0D44E32CE7B2}"/>
+              </a:ext>
+            </a:extLst>
+          </p:cNvPr>
+          <p:cNvPicPr>
+            <a:picLocks noChangeAspect="1"/>
+          </p:cNvPicPr>
+          <p:nvPr/>
+        </p:nvPicPr>
+        <p:blipFill>
+          <a:blip r:embed="rId3">
+            <a:extLst>
+              <a:ext uri="{28A0092B-C50C-407E-A947-70E740481C1C}">
+                <a14:useLocalDpi xmlns:a14="http://schemas.microsoft.com/office/drawing/2010/main" val="0"/>
+              </a:ext>
+            </a:extLst>
+          </a:blip>
+          <a:stretch>
+            <a:fillRect/>
+          </a:stretch>
+        </p:blipFill>
+        <p:spPr>
+          <a:xfrm>
+            <a:off x="187569" y="3851891"/>
+            <a:ext cx="4848186" cy="515422"/>
+          </a:xfrm>
+          <a:prstGeom prst="rect">
+            <a:avLst/>
+          </a:prstGeom>
+        </p:spPr>
+      </p:pic>
+      <p:sp>
+        <p:nvSpPr>
+          <p:cNvPr id="25" name="TextBox 24">
+            <a:extLst>
+              <a:ext uri="{FF2B5EF4-FFF2-40B4-BE49-F238E27FC236}">
+                <a16:creationId xmlns:a16="http://schemas.microsoft.com/office/drawing/2014/main" id="{F76634D6-E602-B667-345C-550E101EB6E9}"/>
+              </a:ext>
+            </a:extLst>
+          </p:cNvPr>
+          <p:cNvSpPr txBox="1"/>
+          <p:nvPr/>
+        </p:nvSpPr>
+        <p:spPr>
+          <a:xfrm>
+            <a:off x="187570" y="3851889"/>
+            <a:ext cx="490348" cy="488463"/>
+          </a:xfrm>
+          <a:prstGeom prst="rect">
+            <a:avLst/>
+          </a:prstGeom>
+          <a:noFill/>
+          <a:ln>
+            <a:solidFill>
+              <a:srgbClr val="FF0000"/>
+            </a:solidFill>
+            <a:prstDash val="lgDash"/>
+          </a:ln>
+        </p:spPr>
+        <p:txBody>
+          <a:bodyPr wrap="square" rtlCol="0">
+            <a:spAutoFit/>
+          </a:bodyPr>
+          <a:lstStyle/>
+          <a:p>
+            <a:endParaRPr lang="en-US" dirty="0"/>
+          </a:p>
+        </p:txBody>
+      </p:sp>
+      <p:sp>
+        <p:nvSpPr>
+          <p:cNvPr id="26" name="TextBox 25">
+            <a:extLst>
+              <a:ext uri="{FF2B5EF4-FFF2-40B4-BE49-F238E27FC236}">
+                <a16:creationId xmlns:a16="http://schemas.microsoft.com/office/drawing/2014/main" id="{35E1A447-5344-6798-2AE5-5756966C34F7}"/>
+              </a:ext>
+            </a:extLst>
+          </p:cNvPr>
+          <p:cNvSpPr txBox="1"/>
+          <p:nvPr/>
+        </p:nvSpPr>
+        <p:spPr>
+          <a:xfrm>
+            <a:off x="4527129" y="3851888"/>
+            <a:ext cx="490348" cy="488463"/>
+          </a:xfrm>
+          <a:prstGeom prst="rect">
+            <a:avLst/>
+          </a:prstGeom>
+          <a:noFill/>
+          <a:ln>
+            <a:solidFill>
+              <a:srgbClr val="FF0000"/>
+            </a:solidFill>
+            <a:prstDash val="lgDash"/>
+          </a:ln>
+        </p:spPr>
+        <p:txBody>
+          <a:bodyPr wrap="square" rtlCol="0">
+            <a:spAutoFit/>
+          </a:bodyPr>
+          <a:lstStyle/>
+          <a:p>
+            <a:endParaRPr lang="en-US" dirty="0"/>
+          </a:p>
+        </p:txBody>
+      </p:sp>
+      <p:sp>
+        <p:nvSpPr>
+          <p:cNvPr id="27" name="Rectangle 26">
+            <a:extLst>
+              <a:ext uri="{FF2B5EF4-FFF2-40B4-BE49-F238E27FC236}">
+                <a16:creationId xmlns:a16="http://schemas.microsoft.com/office/drawing/2014/main" id="{30E68648-5D1F-131F-7929-3ED236CD19E3}"/>
+              </a:ext>
+            </a:extLst>
+          </p:cNvPr>
+          <p:cNvSpPr/>
+          <p:nvPr/>
+        </p:nvSpPr>
+        <p:spPr>
+          <a:xfrm>
+            <a:off x="187569" y="4538548"/>
+            <a:ext cx="490349" cy="488463"/>
+          </a:xfrm>
+          <a:prstGeom prst="rect">
+            <a:avLst/>
+          </a:prstGeom>
+          <a:solidFill>
+            <a:schemeClr val="accent6"/>
+          </a:solidFill>
+        </p:spPr>
+        <p:style>
+          <a:lnRef idx="2">
+            <a:schemeClr val="accent1">
+              <a:shade val="15000"/>
+            </a:schemeClr>
+          </a:lnRef>
+          <a:fillRef idx="1">
+            <a:schemeClr val="accent1"/>
+          </a:fillRef>
+          <a:effectRef idx="0">
+            <a:schemeClr val="accent1"/>
+          </a:effectRef>
+          <a:fontRef idx="minor">
+            <a:schemeClr val="lt1"/>
+          </a:fontRef>
+        </p:style>
+        <p:txBody>
+          <a:bodyPr rtlCol="0" anchor="ctr"/>
+          <a:lstStyle/>
+          <a:p>
+            <a:pPr algn="ctr"/>
+            <a:r>
+              <a:rPr lang="en-US" sz="1200" dirty="0"/>
+              <a:t>icon1</a:t>
+            </a:r>
+          </a:p>
+        </p:txBody>
+      </p:sp>
+      <p:sp>
+        <p:nvSpPr>
+          <p:cNvPr id="28" name="Rectangle 27">
+            <a:extLst>
+              <a:ext uri="{FF2B5EF4-FFF2-40B4-BE49-F238E27FC236}">
+                <a16:creationId xmlns:a16="http://schemas.microsoft.com/office/drawing/2014/main" id="{51FC558C-812A-2451-23C6-BE53E7B984C6}"/>
+              </a:ext>
+            </a:extLst>
+          </p:cNvPr>
+          <p:cNvSpPr/>
+          <p:nvPr/>
+        </p:nvSpPr>
+        <p:spPr>
+          <a:xfrm>
+            <a:off x="4545406" y="4538548"/>
+            <a:ext cx="490349" cy="488463"/>
+          </a:xfrm>
+          <a:prstGeom prst="rect">
+            <a:avLst/>
+          </a:prstGeom>
+          <a:solidFill>
+            <a:schemeClr val="accent6"/>
+          </a:solidFill>
+        </p:spPr>
+        <p:style>
+          <a:lnRef idx="2">
+            <a:schemeClr val="accent1">
+              <a:shade val="15000"/>
+            </a:schemeClr>
+          </a:lnRef>
+          <a:fillRef idx="1">
+            <a:schemeClr val="accent1"/>
+          </a:fillRef>
+          <a:effectRef idx="0">
+            <a:schemeClr val="accent1"/>
+          </a:effectRef>
+          <a:fontRef idx="minor">
+            <a:schemeClr val="lt1"/>
+          </a:fontRef>
+        </p:style>
+        <p:txBody>
+          <a:bodyPr rtlCol="0" anchor="ctr"/>
+          <a:lstStyle/>
+          <a:p>
+            <a:pPr algn="ctr"/>
+            <a:r>
+              <a:rPr lang="en-US" sz="1200" dirty="0"/>
+              <a:t>icon2</a:t>
+            </a:r>
+          </a:p>
+        </p:txBody>
+      </p:sp>
+      <p:sp>
+        <p:nvSpPr>
+          <p:cNvPr id="29" name="Rectangle 28">
+            <a:extLst>
+              <a:ext uri="{FF2B5EF4-FFF2-40B4-BE49-F238E27FC236}">
+                <a16:creationId xmlns:a16="http://schemas.microsoft.com/office/drawing/2014/main" id="{077AA669-651C-2DC0-6075-324DB62EBCFB}"/>
+              </a:ext>
+            </a:extLst>
+          </p:cNvPr>
+          <p:cNvSpPr/>
+          <p:nvPr/>
+        </p:nvSpPr>
+        <p:spPr>
+          <a:xfrm>
+            <a:off x="702293" y="4538548"/>
+            <a:ext cx="3824836" cy="488463"/>
+          </a:xfrm>
+          <a:prstGeom prst="rect">
+            <a:avLst/>
+          </a:prstGeom>
+          <a:solidFill>
+            <a:schemeClr val="accent4"/>
+          </a:solidFill>
+        </p:spPr>
+        <p:style>
+          <a:lnRef idx="2">
+            <a:schemeClr val="accent1">
+              <a:shade val="15000"/>
+            </a:schemeClr>
+          </a:lnRef>
+          <a:fillRef idx="1">
+            <a:schemeClr val="accent1"/>
+          </a:fillRef>
+          <a:effectRef idx="0">
+            <a:schemeClr val="accent1"/>
+          </a:effectRef>
+          <a:fontRef idx="minor">
+            <a:schemeClr val="lt1"/>
+          </a:fontRef>
+        </p:style>
+        <p:txBody>
+          <a:bodyPr rtlCol="0" anchor="ctr"/>
+          <a:lstStyle/>
+          <a:p>
+            <a:pPr algn="ctr"/>
+            <a:r>
+              <a:rPr lang="en-US" sz="1200" dirty="0"/>
+              <a:t>content-name</a:t>
+            </a:r>
+          </a:p>
+        </p:txBody>
+      </p:sp>
+      <p:cxnSp>
+        <p:nvCxnSpPr>
+          <p:cNvPr id="30" name="Straight Arrow Connector 29">
+            <a:extLst>
+              <a:ext uri="{FF2B5EF4-FFF2-40B4-BE49-F238E27FC236}">
+                <a16:creationId xmlns:a16="http://schemas.microsoft.com/office/drawing/2014/main" id="{5689722D-25AD-BBB2-A542-A4D4B36A19F2}"/>
+              </a:ext>
+            </a:extLst>
+          </p:cNvPr>
+          <p:cNvCxnSpPr/>
+          <p:nvPr/>
+        </p:nvCxnSpPr>
+        <p:spPr>
+          <a:xfrm>
+            <a:off x="163194" y="5138928"/>
+            <a:ext cx="514724" cy="0"/>
+          </a:xfrm>
+          <a:prstGeom prst="straightConnector1">
+            <a:avLst/>
+          </a:prstGeom>
+          <a:ln>
+            <a:headEnd type="triangle"/>
+            <a:tailEnd type="triangle"/>
+          </a:ln>
+        </p:spPr>
+        <p:style>
+          <a:lnRef idx="1">
+            <a:schemeClr val="accent1"/>
+          </a:lnRef>
+          <a:fillRef idx="0">
+            <a:schemeClr val="accent1"/>
+          </a:fillRef>
+          <a:effectRef idx="0">
+            <a:schemeClr val="accent1"/>
+          </a:effectRef>
+          <a:fontRef idx="minor">
+            <a:schemeClr val="tx1"/>
+          </a:fontRef>
+        </p:style>
+      </p:cxnSp>
+      <p:cxnSp>
+        <p:nvCxnSpPr>
+          <p:cNvPr id="31" name="Straight Arrow Connector 30">
+            <a:extLst>
+              <a:ext uri="{FF2B5EF4-FFF2-40B4-BE49-F238E27FC236}">
+                <a16:creationId xmlns:a16="http://schemas.microsoft.com/office/drawing/2014/main" id="{85431236-4714-FBDC-9B74-43386448EC4C}"/>
+              </a:ext>
+            </a:extLst>
+          </p:cNvPr>
+          <p:cNvCxnSpPr/>
+          <p:nvPr/>
+        </p:nvCxnSpPr>
+        <p:spPr>
+          <a:xfrm>
+            <a:off x="4545406" y="5138928"/>
+            <a:ext cx="514724" cy="0"/>
+          </a:xfrm>
+          <a:prstGeom prst="straightConnector1">
+            <a:avLst/>
+          </a:prstGeom>
+          <a:ln>
+            <a:headEnd type="triangle"/>
+            <a:tailEnd type="triangle"/>
+          </a:ln>
+        </p:spPr>
+        <p:style>
+          <a:lnRef idx="1">
+            <a:schemeClr val="accent1"/>
+          </a:lnRef>
+          <a:fillRef idx="0">
+            <a:schemeClr val="accent1"/>
+          </a:fillRef>
+          <a:effectRef idx="0">
+            <a:schemeClr val="accent1"/>
+          </a:effectRef>
+          <a:fontRef idx="minor">
+            <a:schemeClr val="tx1"/>
+          </a:fontRef>
+        </p:style>
+      </p:cxnSp>
+      <p:cxnSp>
+        <p:nvCxnSpPr>
+          <p:cNvPr id="32" name="Straight Arrow Connector 31">
+            <a:extLst>
+              <a:ext uri="{FF2B5EF4-FFF2-40B4-BE49-F238E27FC236}">
+                <a16:creationId xmlns:a16="http://schemas.microsoft.com/office/drawing/2014/main" id="{38D70A96-A36B-3304-BF02-6D2354D4E043}"/>
+              </a:ext>
+            </a:extLst>
+          </p:cNvPr>
+          <p:cNvCxnSpPr>
+            <a:cxnSpLocks/>
+          </p:cNvCxnSpPr>
+          <p:nvPr/>
+        </p:nvCxnSpPr>
+        <p:spPr>
+          <a:xfrm>
+            <a:off x="702294" y="5138928"/>
+            <a:ext cx="3843112" cy="0"/>
+          </a:xfrm>
+          <a:prstGeom prst="straightConnector1">
+            <a:avLst/>
+          </a:prstGeom>
+          <a:ln>
+            <a:headEnd type="triangle"/>
+            <a:tailEnd type="triangle"/>
+          </a:ln>
+        </p:spPr>
+        <p:style>
+          <a:lnRef idx="1">
+            <a:schemeClr val="accent1"/>
+          </a:lnRef>
+          <a:fillRef idx="0">
+            <a:schemeClr val="accent1"/>
+          </a:fillRef>
+          <a:effectRef idx="0">
+            <a:schemeClr val="accent1"/>
+          </a:effectRef>
+          <a:fontRef idx="minor">
+            <a:schemeClr val="tx1"/>
+          </a:fontRef>
+        </p:style>
+      </p:cxnSp>
+      <p:sp>
+        <p:nvSpPr>
+          <p:cNvPr id="33" name="TextBox 32">
+            <a:extLst>
+              <a:ext uri="{FF2B5EF4-FFF2-40B4-BE49-F238E27FC236}">
+                <a16:creationId xmlns:a16="http://schemas.microsoft.com/office/drawing/2014/main" id="{D7C47D27-086C-A420-60ED-7A2A062A530C}"/>
+              </a:ext>
+            </a:extLst>
+          </p:cNvPr>
+          <p:cNvSpPr txBox="1"/>
+          <p:nvPr/>
+        </p:nvSpPr>
+        <p:spPr>
+          <a:xfrm>
+            <a:off x="4569782" y="5138927"/>
+            <a:ext cx="500458" cy="246221"/>
+          </a:xfrm>
+          <a:prstGeom prst="rect">
+            <a:avLst/>
+          </a:prstGeom>
+          <a:noFill/>
+        </p:spPr>
+        <p:txBody>
+          <a:bodyPr wrap="none" rtlCol="0">
+            <a:spAutoFit/>
+          </a:bodyPr>
+          <a:lstStyle/>
+          <a:p>
+            <a:r>
+              <a:rPr lang="en-US" sz="1000" dirty="0">
+                <a:solidFill>
+                  <a:schemeClr val="accent1"/>
+                </a:solidFill>
+              </a:rPr>
+              <a:t>flex: 1</a:t>
+            </a:r>
+          </a:p>
+        </p:txBody>
+      </p:sp>
+      <p:sp>
+        <p:nvSpPr>
+          <p:cNvPr id="34" name="TextBox 33">
+            <a:extLst>
+              <a:ext uri="{FF2B5EF4-FFF2-40B4-BE49-F238E27FC236}">
+                <a16:creationId xmlns:a16="http://schemas.microsoft.com/office/drawing/2014/main" id="{7F7C33C6-85B7-D041-B1C6-64DCC91A44B7}"/>
+              </a:ext>
+            </a:extLst>
+          </p:cNvPr>
+          <p:cNvSpPr txBox="1"/>
+          <p:nvPr/>
+        </p:nvSpPr>
+        <p:spPr>
+          <a:xfrm>
+            <a:off x="181865" y="5163697"/>
+            <a:ext cx="500458" cy="246221"/>
+          </a:xfrm>
+          <a:prstGeom prst="rect">
+            <a:avLst/>
+          </a:prstGeom>
+          <a:noFill/>
+        </p:spPr>
+        <p:txBody>
+          <a:bodyPr wrap="none" rtlCol="0">
+            <a:spAutoFit/>
+          </a:bodyPr>
+          <a:lstStyle/>
+          <a:p>
+            <a:r>
+              <a:rPr lang="en-US" sz="1000" dirty="0">
+                <a:solidFill>
+                  <a:schemeClr val="accent1"/>
+                </a:solidFill>
+              </a:rPr>
+              <a:t>flex: 1</a:t>
+            </a:r>
+          </a:p>
+        </p:txBody>
+      </p:sp>
+      <p:sp>
+        <p:nvSpPr>
+          <p:cNvPr id="35" name="TextBox 34">
+            <a:extLst>
+              <a:ext uri="{FF2B5EF4-FFF2-40B4-BE49-F238E27FC236}">
+                <a16:creationId xmlns:a16="http://schemas.microsoft.com/office/drawing/2014/main" id="{2657C1E2-E849-9D04-39BC-540551FCD79F}"/>
+              </a:ext>
+            </a:extLst>
+          </p:cNvPr>
+          <p:cNvSpPr txBox="1"/>
+          <p:nvPr/>
+        </p:nvSpPr>
+        <p:spPr>
+          <a:xfrm>
+            <a:off x="2361433" y="5145446"/>
+            <a:ext cx="500458" cy="246221"/>
+          </a:xfrm>
+          <a:prstGeom prst="rect">
+            <a:avLst/>
+          </a:prstGeom>
+          <a:noFill/>
+        </p:spPr>
+        <p:txBody>
+          <a:bodyPr wrap="none" rtlCol="0">
+            <a:spAutoFit/>
+          </a:bodyPr>
+          <a:lstStyle/>
+          <a:p>
+            <a:r>
+              <a:rPr lang="en-US" sz="1000" dirty="0">
+                <a:solidFill>
+                  <a:schemeClr val="accent1"/>
+                </a:solidFill>
+              </a:rPr>
+              <a:t>flex: 5</a:t>
+            </a:r>
           </a:p>
         </p:txBody>
       </p:sp>
@@ -4596,8 +6695,8 @@
           <a:chExt cx="0" cy="0"/>
         </a:xfrm>
       </p:grpSpPr>
-      <mc:AlternateContent xmlns:mc="http://schemas.openxmlformats.org/markup-compatibility/2006">
-        <mc:Choice xmlns:p14="http://schemas.microsoft.com/office/powerpoint/2010/main" Requires="p14">
+      <mc:AlternateContent xmlns:mc="http://schemas.openxmlformats.org/markup-compatibility/2006" xmlns:p14="http://schemas.microsoft.com/office/powerpoint/2010/main">
+        <mc:Choice Requires="p14">
           <p:contentPart p14:bwMode="auto" r:id="rId2">
             <p14:nvContentPartPr>
               <p14:cNvPr id="6" name="Ink 5">
@@ -4616,7 +6715,7 @@
             </p14:xfrm>
           </p:contentPart>
         </mc:Choice>
-        <mc:Fallback>
+        <mc:Fallback xmlns="">
           <p:pic>
             <p:nvPicPr>
               <p:cNvPr id="6" name="Ink 5">
@@ -4647,8 +6746,8 @@
           </p:pic>
         </mc:Fallback>
       </mc:AlternateContent>
-      <mc:AlternateContent xmlns:mc="http://schemas.openxmlformats.org/markup-compatibility/2006">
-        <mc:Choice xmlns:p14="http://schemas.microsoft.com/office/powerpoint/2010/main" Requires="p14">
+      <mc:AlternateContent xmlns:mc="http://schemas.openxmlformats.org/markup-compatibility/2006" xmlns:p14="http://schemas.microsoft.com/office/powerpoint/2010/main">
+        <mc:Choice Requires="p14">
           <p:contentPart p14:bwMode="auto" r:id="rId4">
             <p14:nvContentPartPr>
               <p14:cNvPr id="8" name="Ink 7">
@@ -4667,7 +6766,7 @@
             </p14:xfrm>
           </p:contentPart>
         </mc:Choice>
-        <mc:Fallback>
+        <mc:Fallback xmlns="">
           <p:pic>
             <p:nvPicPr>
               <p:cNvPr id="8" name="Ink 7">
@@ -5068,7 +7167,7 @@
         </p:blipFill>
         <p:spPr>
           <a:xfrm>
-            <a:off x="456285" y="1684719"/>
+            <a:off x="456282" y="1706866"/>
             <a:ext cx="7253654" cy="3187423"/>
           </a:xfrm>
           <a:prstGeom prst="rect">
@@ -5239,6 +7338,41 @@
           <a:p>
             <a:pPr algn="ctr"/>
             <a:endParaRPr lang="en-US" dirty="0"/>
+          </a:p>
+        </p:txBody>
+      </p:sp>
+      <p:sp>
+        <p:nvSpPr>
+          <p:cNvPr id="3" name="TextBox 2">
+            <a:extLst>
+              <a:ext uri="{FF2B5EF4-FFF2-40B4-BE49-F238E27FC236}">
+                <a16:creationId xmlns:a16="http://schemas.microsoft.com/office/drawing/2014/main" id="{42547061-26EB-B00D-0139-1CC894105A80}"/>
+              </a:ext>
+            </a:extLst>
+          </p:cNvPr>
+          <p:cNvSpPr txBox="1"/>
+          <p:nvPr/>
+        </p:nvSpPr>
+        <p:spPr>
+          <a:xfrm>
+            <a:off x="289698" y="336407"/>
+            <a:ext cx="6096000" cy="369332"/>
+          </a:xfrm>
+          <a:prstGeom prst="rect">
+            <a:avLst/>
+          </a:prstGeom>
+          <a:noFill/>
+        </p:spPr>
+        <p:txBody>
+          <a:bodyPr wrap="square">
+            <a:spAutoFit/>
+          </a:bodyPr>
+          <a:lstStyle/>
+          <a:p>
+            <a:r>
+              <a:rPr lang="en-US" dirty="0"/>
+              <a:t>_ Main elements</a:t>
+            </a:r>
           </a:p>
         </p:txBody>
       </p:sp>
@@ -5946,6 +8080,41 @@
           </a:fontRef>
         </p:style>
       </p:cxnSp>
+      <p:sp>
+        <p:nvSpPr>
+          <p:cNvPr id="4" name="TextBox 3">
+            <a:extLst>
+              <a:ext uri="{FF2B5EF4-FFF2-40B4-BE49-F238E27FC236}">
+                <a16:creationId xmlns:a16="http://schemas.microsoft.com/office/drawing/2014/main" id="{D49318CB-EFFD-7FC8-1C0D-E729045EE9B6}"/>
+              </a:ext>
+            </a:extLst>
+          </p:cNvPr>
+          <p:cNvSpPr txBox="1"/>
+          <p:nvPr/>
+        </p:nvSpPr>
+        <p:spPr>
+          <a:xfrm>
+            <a:off x="269823" y="559587"/>
+            <a:ext cx="6096000" cy="369332"/>
+          </a:xfrm>
+          <a:prstGeom prst="rect">
+            <a:avLst/>
+          </a:prstGeom>
+          <a:noFill/>
+        </p:spPr>
+        <p:txBody>
+          <a:bodyPr wrap="square">
+            <a:spAutoFit/>
+          </a:bodyPr>
+          <a:lstStyle/>
+          <a:p>
+            <a:r>
+              <a:rPr lang="en-US" dirty="0"/>
+              <a:t>_ Navigation bar</a:t>
+            </a:r>
+          </a:p>
+        </p:txBody>
+      </p:sp>
     </p:spTree>
     <p:extLst>
       <p:ext uri="{BB962C8B-B14F-4D97-AF65-F5344CB8AC3E}">
@@ -5990,7 +8159,7 @@
         </p:nvSpPr>
         <p:spPr>
           <a:xfrm>
-            <a:off x="345398" y="1505305"/>
+            <a:off x="345398" y="905704"/>
             <a:ext cx="2769433" cy="695347"/>
           </a:xfrm>
           <a:prstGeom prst="rect">
@@ -6050,7 +8219,7 @@
         </p:blipFill>
         <p:spPr>
           <a:xfrm>
-            <a:off x="492177" y="1580255"/>
+            <a:off x="492177" y="980654"/>
             <a:ext cx="2475874" cy="545445"/>
           </a:xfrm>
           <a:prstGeom prst="rect">
@@ -6058,6 +8227,1733 @@
           </a:prstGeom>
         </p:spPr>
       </p:pic>
+      <p:cxnSp>
+        <p:nvCxnSpPr>
+          <p:cNvPr id="2" name="Straight Arrow Connector 1">
+            <a:extLst>
+              <a:ext uri="{FF2B5EF4-FFF2-40B4-BE49-F238E27FC236}">
+                <a16:creationId xmlns:a16="http://schemas.microsoft.com/office/drawing/2014/main" id="{0630CBC8-DB72-4095-606C-50D6D1B4C080}"/>
+              </a:ext>
+            </a:extLst>
+          </p:cNvPr>
+          <p:cNvCxnSpPr>
+            <a:cxnSpLocks/>
+          </p:cNvCxnSpPr>
+          <p:nvPr/>
+        </p:nvCxnSpPr>
+        <p:spPr>
+          <a:xfrm>
+            <a:off x="4840922" y="1771422"/>
+            <a:ext cx="545268" cy="0"/>
+          </a:xfrm>
+          <a:prstGeom prst="straightConnector1">
+            <a:avLst/>
+          </a:prstGeom>
+          <a:ln>
+            <a:headEnd type="triangle"/>
+            <a:tailEnd type="triangle"/>
+          </a:ln>
+        </p:spPr>
+        <p:style>
+          <a:lnRef idx="1">
+            <a:schemeClr val="accent1"/>
+          </a:lnRef>
+          <a:fillRef idx="0">
+            <a:schemeClr val="accent1"/>
+          </a:fillRef>
+          <a:effectRef idx="0">
+            <a:schemeClr val="accent1"/>
+          </a:effectRef>
+          <a:fontRef idx="minor">
+            <a:schemeClr val="tx1"/>
+          </a:fontRef>
+        </p:style>
+      </p:cxnSp>
+      <p:cxnSp>
+        <p:nvCxnSpPr>
+          <p:cNvPr id="3" name="Straight Arrow Connector 2">
+            <a:extLst>
+              <a:ext uri="{FF2B5EF4-FFF2-40B4-BE49-F238E27FC236}">
+                <a16:creationId xmlns:a16="http://schemas.microsoft.com/office/drawing/2014/main" id="{483A8C7D-A2DB-69E5-F90D-8E07CCCE3095}"/>
+              </a:ext>
+            </a:extLst>
+          </p:cNvPr>
+          <p:cNvCxnSpPr>
+            <a:cxnSpLocks/>
+          </p:cNvCxnSpPr>
+          <p:nvPr/>
+        </p:nvCxnSpPr>
+        <p:spPr>
+          <a:xfrm>
+            <a:off x="5403719" y="1771422"/>
+            <a:ext cx="1694754" cy="0"/>
+          </a:xfrm>
+          <a:prstGeom prst="straightConnector1">
+            <a:avLst/>
+          </a:prstGeom>
+          <a:ln>
+            <a:headEnd type="triangle"/>
+            <a:tailEnd type="triangle"/>
+          </a:ln>
+        </p:spPr>
+        <p:style>
+          <a:lnRef idx="1">
+            <a:schemeClr val="accent1"/>
+          </a:lnRef>
+          <a:fillRef idx="0">
+            <a:schemeClr val="accent1"/>
+          </a:fillRef>
+          <a:effectRef idx="0">
+            <a:schemeClr val="accent1"/>
+          </a:effectRef>
+          <a:fontRef idx="minor">
+            <a:schemeClr val="tx1"/>
+          </a:fontRef>
+        </p:style>
+      </p:cxnSp>
+      <p:sp>
+        <p:nvSpPr>
+          <p:cNvPr id="4" name="TextBox 3">
+            <a:extLst>
+              <a:ext uri="{FF2B5EF4-FFF2-40B4-BE49-F238E27FC236}">
+                <a16:creationId xmlns:a16="http://schemas.microsoft.com/office/drawing/2014/main" id="{8DDEF61B-9B6C-0598-93D1-7A83995F238B}"/>
+              </a:ext>
+            </a:extLst>
+          </p:cNvPr>
+          <p:cNvSpPr txBox="1"/>
+          <p:nvPr/>
+        </p:nvSpPr>
+        <p:spPr>
+          <a:xfrm>
+            <a:off x="4840922" y="1808149"/>
+            <a:ext cx="500458" cy="246221"/>
+          </a:xfrm>
+          <a:prstGeom prst="rect">
+            <a:avLst/>
+          </a:prstGeom>
+          <a:noFill/>
+        </p:spPr>
+        <p:txBody>
+          <a:bodyPr wrap="none" rtlCol="0">
+            <a:spAutoFit/>
+          </a:bodyPr>
+          <a:lstStyle/>
+          <a:p>
+            <a:r>
+              <a:rPr lang="en-US" sz="1000" dirty="0">
+                <a:solidFill>
+                  <a:schemeClr val="accent1"/>
+                </a:solidFill>
+              </a:rPr>
+              <a:t>flex: 0</a:t>
+            </a:r>
+          </a:p>
+        </p:txBody>
+      </p:sp>
+      <p:sp>
+        <p:nvSpPr>
+          <p:cNvPr id="7" name="TextBox 6">
+            <a:extLst>
+              <a:ext uri="{FF2B5EF4-FFF2-40B4-BE49-F238E27FC236}">
+                <a16:creationId xmlns:a16="http://schemas.microsoft.com/office/drawing/2014/main" id="{98AA37A7-F719-F959-8115-B21AAAFC2030}"/>
+              </a:ext>
+            </a:extLst>
+          </p:cNvPr>
+          <p:cNvSpPr txBox="1"/>
+          <p:nvPr/>
+        </p:nvSpPr>
+        <p:spPr>
+          <a:xfrm>
+            <a:off x="5894436" y="1808148"/>
+            <a:ext cx="500458" cy="246221"/>
+          </a:xfrm>
+          <a:prstGeom prst="rect">
+            <a:avLst/>
+          </a:prstGeom>
+          <a:noFill/>
+        </p:spPr>
+        <p:txBody>
+          <a:bodyPr wrap="none" rtlCol="0">
+            <a:spAutoFit/>
+          </a:bodyPr>
+          <a:lstStyle/>
+          <a:p>
+            <a:r>
+              <a:rPr lang="en-US" sz="1000" dirty="0">
+                <a:solidFill>
+                  <a:schemeClr val="accent1"/>
+                </a:solidFill>
+              </a:rPr>
+              <a:t>flex: 1</a:t>
+            </a:r>
+          </a:p>
+        </p:txBody>
+      </p:sp>
+      <p:sp>
+        <p:nvSpPr>
+          <p:cNvPr id="8" name="Rectangle 7">
+            <a:extLst>
+              <a:ext uri="{FF2B5EF4-FFF2-40B4-BE49-F238E27FC236}">
+                <a16:creationId xmlns:a16="http://schemas.microsoft.com/office/drawing/2014/main" id="{F95192DC-D119-B797-5444-8A260835E9D2}"/>
+              </a:ext>
+            </a:extLst>
+          </p:cNvPr>
+          <p:cNvSpPr/>
+          <p:nvPr/>
+        </p:nvSpPr>
+        <p:spPr>
+          <a:xfrm>
+            <a:off x="4858451" y="872537"/>
+            <a:ext cx="545268" cy="726807"/>
+          </a:xfrm>
+          <a:prstGeom prst="rect">
+            <a:avLst/>
+          </a:prstGeom>
+          <a:solidFill>
+            <a:schemeClr val="accent6"/>
+          </a:solidFill>
+        </p:spPr>
+        <p:style>
+          <a:lnRef idx="2">
+            <a:schemeClr val="accent1">
+              <a:shade val="15000"/>
+            </a:schemeClr>
+          </a:lnRef>
+          <a:fillRef idx="1">
+            <a:schemeClr val="accent1"/>
+          </a:fillRef>
+          <a:effectRef idx="0">
+            <a:schemeClr val="accent1"/>
+          </a:effectRef>
+          <a:fontRef idx="minor">
+            <a:schemeClr val="lt1"/>
+          </a:fontRef>
+        </p:style>
+        <p:txBody>
+          <a:bodyPr rtlCol="0" anchor="ctr"/>
+          <a:lstStyle/>
+          <a:p>
+            <a:pPr algn="ctr"/>
+            <a:r>
+              <a:rPr lang="en-US" sz="1200" dirty="0"/>
+              <a:t>bar</a:t>
+            </a:r>
+          </a:p>
+        </p:txBody>
+      </p:sp>
+      <p:sp>
+        <p:nvSpPr>
+          <p:cNvPr id="9" name="Rectangle 8">
+            <a:extLst>
+              <a:ext uri="{FF2B5EF4-FFF2-40B4-BE49-F238E27FC236}">
+                <a16:creationId xmlns:a16="http://schemas.microsoft.com/office/drawing/2014/main" id="{1E3271A4-99A8-DFE6-9708-1A523AB9E5DD}"/>
+              </a:ext>
+            </a:extLst>
+          </p:cNvPr>
+          <p:cNvSpPr/>
+          <p:nvPr/>
+        </p:nvSpPr>
+        <p:spPr>
+          <a:xfrm>
+            <a:off x="5430664" y="881701"/>
+            <a:ext cx="1694754" cy="726807"/>
+          </a:xfrm>
+          <a:prstGeom prst="rect">
+            <a:avLst/>
+          </a:prstGeom>
+          <a:solidFill>
+            <a:schemeClr val="accent4"/>
+          </a:solidFill>
+        </p:spPr>
+        <p:style>
+          <a:lnRef idx="2">
+            <a:schemeClr val="accent1">
+              <a:shade val="15000"/>
+            </a:schemeClr>
+          </a:lnRef>
+          <a:fillRef idx="1">
+            <a:schemeClr val="accent1"/>
+          </a:fillRef>
+          <a:effectRef idx="0">
+            <a:schemeClr val="accent1"/>
+          </a:effectRef>
+          <a:fontRef idx="minor">
+            <a:schemeClr val="lt1"/>
+          </a:fontRef>
+        </p:style>
+        <p:txBody>
+          <a:bodyPr rtlCol="0" anchor="ctr"/>
+          <a:lstStyle/>
+          <a:p>
+            <a:pPr algn="ctr"/>
+            <a:r>
+              <a:rPr lang="en-US" sz="1200" dirty="0"/>
+              <a:t>title</a:t>
+            </a:r>
+          </a:p>
+        </p:txBody>
+      </p:sp>
+      <p:sp>
+        <p:nvSpPr>
+          <p:cNvPr id="11" name="TextBox 10">
+            <a:extLst>
+              <a:ext uri="{FF2B5EF4-FFF2-40B4-BE49-F238E27FC236}">
+                <a16:creationId xmlns:a16="http://schemas.microsoft.com/office/drawing/2014/main" id="{885609F0-2F79-0C8E-B864-0C8C338EE018}"/>
+              </a:ext>
+            </a:extLst>
+          </p:cNvPr>
+          <p:cNvSpPr txBox="1"/>
+          <p:nvPr/>
+        </p:nvSpPr>
+        <p:spPr>
+          <a:xfrm>
+            <a:off x="345398" y="323503"/>
+            <a:ext cx="6093500" cy="369332"/>
+          </a:xfrm>
+          <a:prstGeom prst="rect">
+            <a:avLst/>
+          </a:prstGeom>
+          <a:noFill/>
+        </p:spPr>
+        <p:txBody>
+          <a:bodyPr wrap="square">
+            <a:spAutoFit/>
+          </a:bodyPr>
+          <a:lstStyle/>
+          <a:p>
+            <a:r>
+              <a:rPr lang="en-US" dirty="0"/>
+              <a:t>_ Navigation bar</a:t>
+            </a:r>
+          </a:p>
+        </p:txBody>
+      </p:sp>
+      <p:sp>
+        <p:nvSpPr>
+          <p:cNvPr id="78" name="TextBox 77">
+            <a:extLst>
+              <a:ext uri="{FF2B5EF4-FFF2-40B4-BE49-F238E27FC236}">
+                <a16:creationId xmlns:a16="http://schemas.microsoft.com/office/drawing/2014/main" id="{5856B48E-FCEA-D264-1C26-5399EF58303D}"/>
+              </a:ext>
+            </a:extLst>
+          </p:cNvPr>
+          <p:cNvSpPr txBox="1"/>
+          <p:nvPr/>
+        </p:nvSpPr>
+        <p:spPr>
+          <a:xfrm>
+            <a:off x="548639" y="2296654"/>
+            <a:ext cx="1120563" cy="369332"/>
+          </a:xfrm>
+          <a:prstGeom prst="rect">
+            <a:avLst/>
+          </a:prstGeom>
+          <a:noFill/>
+        </p:spPr>
+        <p:txBody>
+          <a:bodyPr wrap="none" rtlCol="0">
+            <a:spAutoFit/>
+          </a:bodyPr>
+          <a:lstStyle/>
+          <a:p>
+            <a:r>
+              <a:rPr lang="en-US" dirty="0"/>
+              <a:t>_ item-list</a:t>
+            </a:r>
+          </a:p>
+        </p:txBody>
+      </p:sp>
+      <p:pic>
+        <p:nvPicPr>
+          <p:cNvPr id="79" name="Picture 78">
+            <a:extLst>
+              <a:ext uri="{FF2B5EF4-FFF2-40B4-BE49-F238E27FC236}">
+                <a16:creationId xmlns:a16="http://schemas.microsoft.com/office/drawing/2014/main" id="{ABFB052F-15E8-7D97-4B78-52E8129E752C}"/>
+              </a:ext>
+            </a:extLst>
+          </p:cNvPr>
+          <p:cNvPicPr>
+            <a:picLocks noChangeAspect="1"/>
+          </p:cNvPicPr>
+          <p:nvPr/>
+        </p:nvPicPr>
+        <p:blipFill>
+          <a:blip r:embed="rId3">
+            <a:extLst>
+              <a:ext uri="{BEBA8EAE-BF5A-486C-A8C5-ECC9F3942E4B}">
+                <a14:imgProps xmlns:a14="http://schemas.microsoft.com/office/drawing/2010/main">
+                  <a14:imgLayer r:embed="rId4">
+                    <a14:imgEffect>
+                      <a14:saturation sat="0"/>
+                    </a14:imgEffect>
+                  </a14:imgLayer>
+                </a14:imgProps>
+              </a:ext>
+              <a:ext uri="{28A0092B-C50C-407E-A947-70E740481C1C}">
+                <a14:useLocalDpi xmlns:a14="http://schemas.microsoft.com/office/drawing/2010/main" val="0"/>
+              </a:ext>
+            </a:extLst>
+          </a:blip>
+          <a:stretch>
+            <a:fillRect/>
+          </a:stretch>
+        </p:blipFill>
+        <p:spPr>
+          <a:xfrm>
+            <a:off x="548639" y="2846702"/>
+            <a:ext cx="4042611" cy="652034"/>
+          </a:xfrm>
+          <a:prstGeom prst="rect">
+            <a:avLst/>
+          </a:prstGeom>
+        </p:spPr>
+      </p:pic>
+      <p:sp>
+        <p:nvSpPr>
+          <p:cNvPr id="80" name="TextBox 79">
+            <a:extLst>
+              <a:ext uri="{FF2B5EF4-FFF2-40B4-BE49-F238E27FC236}">
+                <a16:creationId xmlns:a16="http://schemas.microsoft.com/office/drawing/2014/main" id="{0A2E8A87-B23E-CF02-0113-4B8DC4713C6E}"/>
+              </a:ext>
+            </a:extLst>
+          </p:cNvPr>
+          <p:cNvSpPr txBox="1"/>
+          <p:nvPr/>
+        </p:nvSpPr>
+        <p:spPr>
+          <a:xfrm>
+            <a:off x="827773" y="2846703"/>
+            <a:ext cx="721894" cy="652034"/>
+          </a:xfrm>
+          <a:prstGeom prst="rect">
+            <a:avLst/>
+          </a:prstGeom>
+          <a:noFill/>
+          <a:ln>
+            <a:solidFill>
+              <a:srgbClr val="FF0000"/>
+            </a:solidFill>
+            <a:prstDash val="lgDash"/>
+          </a:ln>
+        </p:spPr>
+        <p:txBody>
+          <a:bodyPr wrap="square" rtlCol="0">
+            <a:spAutoFit/>
+          </a:bodyPr>
+          <a:lstStyle/>
+          <a:p>
+            <a:endParaRPr lang="en-US" sz="1200" dirty="0"/>
+          </a:p>
+        </p:txBody>
+      </p:sp>
+      <p:sp>
+        <p:nvSpPr>
+          <p:cNvPr id="81" name="TextBox 80">
+            <a:extLst>
+              <a:ext uri="{FF2B5EF4-FFF2-40B4-BE49-F238E27FC236}">
+                <a16:creationId xmlns:a16="http://schemas.microsoft.com/office/drawing/2014/main" id="{9645FDBC-97AC-7520-55DC-AAD368FFC102}"/>
+              </a:ext>
+            </a:extLst>
+          </p:cNvPr>
+          <p:cNvSpPr txBox="1"/>
+          <p:nvPr/>
+        </p:nvSpPr>
+        <p:spPr>
+          <a:xfrm>
+            <a:off x="1828801" y="2846702"/>
+            <a:ext cx="721894" cy="652034"/>
+          </a:xfrm>
+          <a:prstGeom prst="rect">
+            <a:avLst/>
+          </a:prstGeom>
+          <a:noFill/>
+          <a:ln>
+            <a:solidFill>
+              <a:srgbClr val="FF0000"/>
+            </a:solidFill>
+            <a:prstDash val="lgDash"/>
+          </a:ln>
+        </p:spPr>
+        <p:txBody>
+          <a:bodyPr wrap="square" rtlCol="0">
+            <a:spAutoFit/>
+          </a:bodyPr>
+          <a:lstStyle/>
+          <a:p>
+            <a:endParaRPr lang="en-US" sz="1200" dirty="0"/>
+          </a:p>
+        </p:txBody>
+      </p:sp>
+      <p:sp>
+        <p:nvSpPr>
+          <p:cNvPr id="82" name="TextBox 81">
+            <a:extLst>
+              <a:ext uri="{FF2B5EF4-FFF2-40B4-BE49-F238E27FC236}">
+                <a16:creationId xmlns:a16="http://schemas.microsoft.com/office/drawing/2014/main" id="{D1C8520E-386E-1725-FD6B-1AD3BB379446}"/>
+              </a:ext>
+            </a:extLst>
+          </p:cNvPr>
+          <p:cNvSpPr txBox="1"/>
+          <p:nvPr/>
+        </p:nvSpPr>
+        <p:spPr>
+          <a:xfrm>
+            <a:off x="2849078" y="2846702"/>
+            <a:ext cx="591954" cy="652034"/>
+          </a:xfrm>
+          <a:prstGeom prst="rect">
+            <a:avLst/>
+          </a:prstGeom>
+          <a:noFill/>
+          <a:ln>
+            <a:solidFill>
+              <a:srgbClr val="FF0000"/>
+            </a:solidFill>
+            <a:prstDash val="lgDash"/>
+          </a:ln>
+        </p:spPr>
+        <p:txBody>
+          <a:bodyPr wrap="square" rtlCol="0">
+            <a:spAutoFit/>
+          </a:bodyPr>
+          <a:lstStyle/>
+          <a:p>
+            <a:endParaRPr lang="en-US" sz="1200" dirty="0"/>
+          </a:p>
+        </p:txBody>
+      </p:sp>
+      <p:sp>
+        <p:nvSpPr>
+          <p:cNvPr id="83" name="TextBox 82">
+            <a:extLst>
+              <a:ext uri="{FF2B5EF4-FFF2-40B4-BE49-F238E27FC236}">
+                <a16:creationId xmlns:a16="http://schemas.microsoft.com/office/drawing/2014/main" id="{5EF820F7-581B-F371-B838-AEE3071D02ED}"/>
+              </a:ext>
+            </a:extLst>
+          </p:cNvPr>
+          <p:cNvSpPr txBox="1"/>
+          <p:nvPr/>
+        </p:nvSpPr>
+        <p:spPr>
+          <a:xfrm>
+            <a:off x="3720164" y="2846702"/>
+            <a:ext cx="591954" cy="652034"/>
+          </a:xfrm>
+          <a:prstGeom prst="rect">
+            <a:avLst/>
+          </a:prstGeom>
+          <a:noFill/>
+          <a:ln>
+            <a:solidFill>
+              <a:srgbClr val="FF0000"/>
+            </a:solidFill>
+            <a:prstDash val="lgDash"/>
+          </a:ln>
+        </p:spPr>
+        <p:txBody>
+          <a:bodyPr wrap="square" rtlCol="0">
+            <a:spAutoFit/>
+          </a:bodyPr>
+          <a:lstStyle/>
+          <a:p>
+            <a:endParaRPr lang="en-US" sz="1200" dirty="0"/>
+          </a:p>
+        </p:txBody>
+      </p:sp>
+      <p:sp>
+        <p:nvSpPr>
+          <p:cNvPr id="84" name="Rectangle 83">
+            <a:extLst>
+              <a:ext uri="{FF2B5EF4-FFF2-40B4-BE49-F238E27FC236}">
+                <a16:creationId xmlns:a16="http://schemas.microsoft.com/office/drawing/2014/main" id="{26A2F231-99C4-1017-12F4-1694A2428D37}"/>
+              </a:ext>
+            </a:extLst>
+          </p:cNvPr>
+          <p:cNvSpPr/>
+          <p:nvPr/>
+        </p:nvSpPr>
+        <p:spPr>
+          <a:xfrm>
+            <a:off x="5045686" y="2813024"/>
+            <a:ext cx="4042611" cy="652034"/>
+          </a:xfrm>
+          <a:prstGeom prst="rect">
+            <a:avLst/>
+          </a:prstGeom>
+          <a:solidFill>
+            <a:schemeClr val="accent4"/>
+          </a:solidFill>
+        </p:spPr>
+        <p:style>
+          <a:lnRef idx="2">
+            <a:schemeClr val="accent1">
+              <a:shade val="15000"/>
+            </a:schemeClr>
+          </a:lnRef>
+          <a:fillRef idx="1">
+            <a:schemeClr val="accent1"/>
+          </a:fillRef>
+          <a:effectRef idx="0">
+            <a:schemeClr val="accent1"/>
+          </a:effectRef>
+          <a:fontRef idx="minor">
+            <a:schemeClr val="lt1"/>
+          </a:fontRef>
+        </p:style>
+        <p:txBody>
+          <a:bodyPr rtlCol="0" anchor="ctr"/>
+          <a:lstStyle/>
+          <a:p>
+            <a:pPr algn="ctr"/>
+            <a:endParaRPr lang="en-US"/>
+          </a:p>
+        </p:txBody>
+      </p:sp>
+      <p:sp>
+        <p:nvSpPr>
+          <p:cNvPr id="85" name="Rectangle 84">
+            <a:extLst>
+              <a:ext uri="{FF2B5EF4-FFF2-40B4-BE49-F238E27FC236}">
+                <a16:creationId xmlns:a16="http://schemas.microsoft.com/office/drawing/2014/main" id="{DCFFCAA3-55D0-81EC-4B50-2079B0471E16}"/>
+              </a:ext>
+            </a:extLst>
+          </p:cNvPr>
+          <p:cNvSpPr/>
+          <p:nvPr/>
+        </p:nvSpPr>
+        <p:spPr>
+          <a:xfrm>
+            <a:off x="6325848" y="2813023"/>
+            <a:ext cx="721894" cy="652034"/>
+          </a:xfrm>
+          <a:prstGeom prst="rect">
+            <a:avLst/>
+          </a:prstGeom>
+          <a:solidFill>
+            <a:schemeClr val="accent6"/>
+          </a:solidFill>
+        </p:spPr>
+        <p:style>
+          <a:lnRef idx="2">
+            <a:schemeClr val="accent1">
+              <a:shade val="15000"/>
+            </a:schemeClr>
+          </a:lnRef>
+          <a:fillRef idx="1">
+            <a:schemeClr val="accent1"/>
+          </a:fillRef>
+          <a:effectRef idx="0">
+            <a:schemeClr val="accent1"/>
+          </a:effectRef>
+          <a:fontRef idx="minor">
+            <a:schemeClr val="lt1"/>
+          </a:fontRef>
+        </p:style>
+        <p:txBody>
+          <a:bodyPr rtlCol="0" anchor="ctr"/>
+          <a:lstStyle/>
+          <a:p>
+            <a:pPr algn="ctr"/>
+            <a:r>
+              <a:rPr lang="en-US" sz="1200" dirty="0">
+                <a:solidFill>
+                  <a:schemeClr val="bg1"/>
+                </a:solidFill>
+              </a:rPr>
+              <a:t>item</a:t>
+            </a:r>
+          </a:p>
+        </p:txBody>
+      </p:sp>
+      <p:sp>
+        <p:nvSpPr>
+          <p:cNvPr id="86" name="Rectangle 85">
+            <a:extLst>
+              <a:ext uri="{FF2B5EF4-FFF2-40B4-BE49-F238E27FC236}">
+                <a16:creationId xmlns:a16="http://schemas.microsoft.com/office/drawing/2014/main" id="{87EA21A3-58DE-3AF9-DEE1-DA74409A199D}"/>
+              </a:ext>
+            </a:extLst>
+          </p:cNvPr>
+          <p:cNvSpPr/>
+          <p:nvPr/>
+        </p:nvSpPr>
+        <p:spPr>
+          <a:xfrm>
+            <a:off x="7326876" y="2813023"/>
+            <a:ext cx="611203" cy="652034"/>
+          </a:xfrm>
+          <a:prstGeom prst="rect">
+            <a:avLst/>
+          </a:prstGeom>
+          <a:solidFill>
+            <a:schemeClr val="accent6"/>
+          </a:solidFill>
+        </p:spPr>
+        <p:style>
+          <a:lnRef idx="2">
+            <a:schemeClr val="accent1">
+              <a:shade val="15000"/>
+            </a:schemeClr>
+          </a:lnRef>
+          <a:fillRef idx="1">
+            <a:schemeClr val="accent1"/>
+          </a:fillRef>
+          <a:effectRef idx="0">
+            <a:schemeClr val="accent1"/>
+          </a:effectRef>
+          <a:fontRef idx="minor">
+            <a:schemeClr val="lt1"/>
+          </a:fontRef>
+        </p:style>
+        <p:txBody>
+          <a:bodyPr rtlCol="0" anchor="ctr"/>
+          <a:lstStyle/>
+          <a:p>
+            <a:pPr algn="ctr"/>
+            <a:r>
+              <a:rPr lang="en-US" sz="1200" dirty="0">
+                <a:solidFill>
+                  <a:schemeClr val="bg1"/>
+                </a:solidFill>
+              </a:rPr>
+              <a:t>item</a:t>
+            </a:r>
+          </a:p>
+        </p:txBody>
+      </p:sp>
+      <p:sp>
+        <p:nvSpPr>
+          <p:cNvPr id="87" name="Rectangle 86">
+            <a:extLst>
+              <a:ext uri="{FF2B5EF4-FFF2-40B4-BE49-F238E27FC236}">
+                <a16:creationId xmlns:a16="http://schemas.microsoft.com/office/drawing/2014/main" id="{2DA080BB-4D8D-32AA-4A64-628585042CF4}"/>
+              </a:ext>
+            </a:extLst>
+          </p:cNvPr>
+          <p:cNvSpPr/>
+          <p:nvPr/>
+        </p:nvSpPr>
+        <p:spPr>
+          <a:xfrm>
+            <a:off x="8207586" y="2813023"/>
+            <a:ext cx="601579" cy="652034"/>
+          </a:xfrm>
+          <a:prstGeom prst="rect">
+            <a:avLst/>
+          </a:prstGeom>
+          <a:solidFill>
+            <a:schemeClr val="accent6"/>
+          </a:solidFill>
+        </p:spPr>
+        <p:style>
+          <a:lnRef idx="2">
+            <a:schemeClr val="accent1">
+              <a:shade val="15000"/>
+            </a:schemeClr>
+          </a:lnRef>
+          <a:fillRef idx="1">
+            <a:schemeClr val="accent1"/>
+          </a:fillRef>
+          <a:effectRef idx="0">
+            <a:schemeClr val="accent1"/>
+          </a:effectRef>
+          <a:fontRef idx="minor">
+            <a:schemeClr val="lt1"/>
+          </a:fontRef>
+        </p:style>
+        <p:txBody>
+          <a:bodyPr rtlCol="0" anchor="ctr"/>
+          <a:lstStyle/>
+          <a:p>
+            <a:pPr algn="ctr"/>
+            <a:r>
+              <a:rPr lang="en-US" sz="1200" dirty="0"/>
+              <a:t>item</a:t>
+            </a:r>
+          </a:p>
+        </p:txBody>
+      </p:sp>
+      <p:cxnSp>
+        <p:nvCxnSpPr>
+          <p:cNvPr id="88" name="Straight Arrow Connector 87">
+            <a:extLst>
+              <a:ext uri="{FF2B5EF4-FFF2-40B4-BE49-F238E27FC236}">
+                <a16:creationId xmlns:a16="http://schemas.microsoft.com/office/drawing/2014/main" id="{5C1E9992-3147-8178-592E-4F204CD94BC6}"/>
+              </a:ext>
+            </a:extLst>
+          </p:cNvPr>
+          <p:cNvCxnSpPr/>
+          <p:nvPr/>
+        </p:nvCxnSpPr>
+        <p:spPr>
+          <a:xfrm>
+            <a:off x="5324820" y="3589903"/>
+            <a:ext cx="721894" cy="0"/>
+          </a:xfrm>
+          <a:prstGeom prst="straightConnector1">
+            <a:avLst/>
+          </a:prstGeom>
+          <a:ln>
+            <a:headEnd type="triangle"/>
+            <a:tailEnd type="triangle"/>
+          </a:ln>
+        </p:spPr>
+        <p:style>
+          <a:lnRef idx="1">
+            <a:schemeClr val="accent1"/>
+          </a:lnRef>
+          <a:fillRef idx="0">
+            <a:schemeClr val="accent1"/>
+          </a:fillRef>
+          <a:effectRef idx="0">
+            <a:schemeClr val="accent1"/>
+          </a:effectRef>
+          <a:fontRef idx="minor">
+            <a:schemeClr val="tx1"/>
+          </a:fontRef>
+        </p:style>
+      </p:cxnSp>
+      <p:cxnSp>
+        <p:nvCxnSpPr>
+          <p:cNvPr id="89" name="Straight Arrow Connector 88">
+            <a:extLst>
+              <a:ext uri="{FF2B5EF4-FFF2-40B4-BE49-F238E27FC236}">
+                <a16:creationId xmlns:a16="http://schemas.microsoft.com/office/drawing/2014/main" id="{F7CEBD26-A5C4-3AA5-2ACC-59F2CCE81BAA}"/>
+              </a:ext>
+            </a:extLst>
+          </p:cNvPr>
+          <p:cNvCxnSpPr/>
+          <p:nvPr/>
+        </p:nvCxnSpPr>
+        <p:spPr>
+          <a:xfrm>
+            <a:off x="6325848" y="3589903"/>
+            <a:ext cx="721894" cy="0"/>
+          </a:xfrm>
+          <a:prstGeom prst="straightConnector1">
+            <a:avLst/>
+          </a:prstGeom>
+          <a:ln>
+            <a:headEnd type="triangle"/>
+            <a:tailEnd type="triangle"/>
+          </a:ln>
+        </p:spPr>
+        <p:style>
+          <a:lnRef idx="1">
+            <a:schemeClr val="accent1"/>
+          </a:lnRef>
+          <a:fillRef idx="0">
+            <a:schemeClr val="accent1"/>
+          </a:fillRef>
+          <a:effectRef idx="0">
+            <a:schemeClr val="accent1"/>
+          </a:effectRef>
+          <a:fontRef idx="minor">
+            <a:schemeClr val="tx1"/>
+          </a:fontRef>
+        </p:style>
+      </p:cxnSp>
+      <p:cxnSp>
+        <p:nvCxnSpPr>
+          <p:cNvPr id="90" name="Straight Arrow Connector 89">
+            <a:extLst>
+              <a:ext uri="{FF2B5EF4-FFF2-40B4-BE49-F238E27FC236}">
+                <a16:creationId xmlns:a16="http://schemas.microsoft.com/office/drawing/2014/main" id="{949DD109-A093-E457-C05A-1E079BA2830B}"/>
+              </a:ext>
+            </a:extLst>
+          </p:cNvPr>
+          <p:cNvCxnSpPr>
+            <a:cxnSpLocks/>
+          </p:cNvCxnSpPr>
+          <p:nvPr/>
+        </p:nvCxnSpPr>
+        <p:spPr>
+          <a:xfrm>
+            <a:off x="7326876" y="3589903"/>
+            <a:ext cx="611203" cy="0"/>
+          </a:xfrm>
+          <a:prstGeom prst="straightConnector1">
+            <a:avLst/>
+          </a:prstGeom>
+          <a:ln>
+            <a:headEnd type="triangle"/>
+            <a:tailEnd type="triangle"/>
+          </a:ln>
+        </p:spPr>
+        <p:style>
+          <a:lnRef idx="1">
+            <a:schemeClr val="accent1"/>
+          </a:lnRef>
+          <a:fillRef idx="0">
+            <a:schemeClr val="accent1"/>
+          </a:fillRef>
+          <a:effectRef idx="0">
+            <a:schemeClr val="accent1"/>
+          </a:effectRef>
+          <a:fontRef idx="minor">
+            <a:schemeClr val="tx1"/>
+          </a:fontRef>
+        </p:style>
+      </p:cxnSp>
+      <p:cxnSp>
+        <p:nvCxnSpPr>
+          <p:cNvPr id="91" name="Straight Arrow Connector 90">
+            <a:extLst>
+              <a:ext uri="{FF2B5EF4-FFF2-40B4-BE49-F238E27FC236}">
+                <a16:creationId xmlns:a16="http://schemas.microsoft.com/office/drawing/2014/main" id="{092FD6AA-C64B-9854-C68D-AF22F0491B87}"/>
+              </a:ext>
+            </a:extLst>
+          </p:cNvPr>
+          <p:cNvCxnSpPr>
+            <a:cxnSpLocks/>
+          </p:cNvCxnSpPr>
+          <p:nvPr/>
+        </p:nvCxnSpPr>
+        <p:spPr>
+          <a:xfrm>
+            <a:off x="8197962" y="3589903"/>
+            <a:ext cx="611203" cy="0"/>
+          </a:xfrm>
+          <a:prstGeom prst="straightConnector1">
+            <a:avLst/>
+          </a:prstGeom>
+          <a:ln>
+            <a:headEnd type="triangle"/>
+            <a:tailEnd type="triangle"/>
+          </a:ln>
+        </p:spPr>
+        <p:style>
+          <a:lnRef idx="1">
+            <a:schemeClr val="accent1"/>
+          </a:lnRef>
+          <a:fillRef idx="0">
+            <a:schemeClr val="accent1"/>
+          </a:fillRef>
+          <a:effectRef idx="0">
+            <a:schemeClr val="accent1"/>
+          </a:effectRef>
+          <a:fontRef idx="minor">
+            <a:schemeClr val="tx1"/>
+          </a:fontRef>
+        </p:style>
+      </p:cxnSp>
+      <p:sp>
+        <p:nvSpPr>
+          <p:cNvPr id="92" name="TextBox 91">
+            <a:extLst>
+              <a:ext uri="{FF2B5EF4-FFF2-40B4-BE49-F238E27FC236}">
+                <a16:creationId xmlns:a16="http://schemas.microsoft.com/office/drawing/2014/main" id="{978B5D61-2FBA-E626-9474-A054180D757E}"/>
+              </a:ext>
+            </a:extLst>
+          </p:cNvPr>
+          <p:cNvSpPr txBox="1"/>
+          <p:nvPr/>
+        </p:nvSpPr>
+        <p:spPr>
+          <a:xfrm>
+            <a:off x="5435538" y="3622668"/>
+            <a:ext cx="500458" cy="246221"/>
+          </a:xfrm>
+          <a:prstGeom prst="rect">
+            <a:avLst/>
+          </a:prstGeom>
+          <a:noFill/>
+        </p:spPr>
+        <p:txBody>
+          <a:bodyPr wrap="none" rtlCol="0">
+            <a:spAutoFit/>
+          </a:bodyPr>
+          <a:lstStyle/>
+          <a:p>
+            <a:r>
+              <a:rPr lang="en-US" sz="1000" dirty="0">
+                <a:solidFill>
+                  <a:schemeClr val="accent1"/>
+                </a:solidFill>
+              </a:rPr>
+              <a:t>flex: 0</a:t>
+            </a:r>
+          </a:p>
+        </p:txBody>
+      </p:sp>
+      <p:sp>
+        <p:nvSpPr>
+          <p:cNvPr id="93" name="TextBox 92">
+            <a:extLst>
+              <a:ext uri="{FF2B5EF4-FFF2-40B4-BE49-F238E27FC236}">
+                <a16:creationId xmlns:a16="http://schemas.microsoft.com/office/drawing/2014/main" id="{C5A24DDD-1BFE-7ADD-0CB1-E4AAF6A0705F}"/>
+              </a:ext>
+            </a:extLst>
+          </p:cNvPr>
+          <p:cNvSpPr txBox="1"/>
+          <p:nvPr/>
+        </p:nvSpPr>
+        <p:spPr>
+          <a:xfrm>
+            <a:off x="6436566" y="3622667"/>
+            <a:ext cx="500458" cy="246221"/>
+          </a:xfrm>
+          <a:prstGeom prst="rect">
+            <a:avLst/>
+          </a:prstGeom>
+          <a:noFill/>
+        </p:spPr>
+        <p:txBody>
+          <a:bodyPr wrap="none" rtlCol="0">
+            <a:spAutoFit/>
+          </a:bodyPr>
+          <a:lstStyle/>
+          <a:p>
+            <a:r>
+              <a:rPr lang="en-US" sz="1000" dirty="0">
+                <a:solidFill>
+                  <a:schemeClr val="accent1"/>
+                </a:solidFill>
+              </a:rPr>
+              <a:t>flex: 0</a:t>
+            </a:r>
+          </a:p>
+        </p:txBody>
+      </p:sp>
+      <p:sp>
+        <p:nvSpPr>
+          <p:cNvPr id="94" name="TextBox 93">
+            <a:extLst>
+              <a:ext uri="{FF2B5EF4-FFF2-40B4-BE49-F238E27FC236}">
+                <a16:creationId xmlns:a16="http://schemas.microsoft.com/office/drawing/2014/main" id="{38DC12EE-2755-BEBC-D8D8-344C20E4C84E}"/>
+              </a:ext>
+            </a:extLst>
+          </p:cNvPr>
+          <p:cNvSpPr txBox="1"/>
+          <p:nvPr/>
+        </p:nvSpPr>
+        <p:spPr>
+          <a:xfrm>
+            <a:off x="7391873" y="3622666"/>
+            <a:ext cx="500458" cy="246221"/>
+          </a:xfrm>
+          <a:prstGeom prst="rect">
+            <a:avLst/>
+          </a:prstGeom>
+          <a:noFill/>
+        </p:spPr>
+        <p:txBody>
+          <a:bodyPr wrap="none" rtlCol="0">
+            <a:spAutoFit/>
+          </a:bodyPr>
+          <a:lstStyle/>
+          <a:p>
+            <a:r>
+              <a:rPr lang="en-US" sz="1000" dirty="0">
+                <a:solidFill>
+                  <a:schemeClr val="accent1"/>
+                </a:solidFill>
+              </a:rPr>
+              <a:t>flex: 0</a:t>
+            </a:r>
+          </a:p>
+        </p:txBody>
+      </p:sp>
+      <p:sp>
+        <p:nvSpPr>
+          <p:cNvPr id="95" name="TextBox 94">
+            <a:extLst>
+              <a:ext uri="{FF2B5EF4-FFF2-40B4-BE49-F238E27FC236}">
+                <a16:creationId xmlns:a16="http://schemas.microsoft.com/office/drawing/2014/main" id="{1263A17C-9C58-82DF-4EC3-3E5B8064D0FD}"/>
+              </a:ext>
+            </a:extLst>
+          </p:cNvPr>
+          <p:cNvSpPr txBox="1"/>
+          <p:nvPr/>
+        </p:nvSpPr>
+        <p:spPr>
+          <a:xfrm>
+            <a:off x="8253334" y="3622665"/>
+            <a:ext cx="500458" cy="246221"/>
+          </a:xfrm>
+          <a:prstGeom prst="rect">
+            <a:avLst/>
+          </a:prstGeom>
+          <a:noFill/>
+        </p:spPr>
+        <p:txBody>
+          <a:bodyPr wrap="none" rtlCol="0">
+            <a:spAutoFit/>
+          </a:bodyPr>
+          <a:lstStyle/>
+          <a:p>
+            <a:r>
+              <a:rPr lang="en-US" sz="1000" dirty="0">
+                <a:solidFill>
+                  <a:schemeClr val="accent1"/>
+                </a:solidFill>
+              </a:rPr>
+              <a:t>flex: 0</a:t>
+            </a:r>
+          </a:p>
+        </p:txBody>
+      </p:sp>
+      <p:sp>
+        <p:nvSpPr>
+          <p:cNvPr id="96" name="Rectangle 95">
+            <a:extLst>
+              <a:ext uri="{FF2B5EF4-FFF2-40B4-BE49-F238E27FC236}">
+                <a16:creationId xmlns:a16="http://schemas.microsoft.com/office/drawing/2014/main" id="{4BE5C1FF-ADE6-9B7E-D8B8-4EF3D89BCF56}"/>
+              </a:ext>
+            </a:extLst>
+          </p:cNvPr>
+          <p:cNvSpPr/>
+          <p:nvPr/>
+        </p:nvSpPr>
+        <p:spPr>
+          <a:xfrm>
+            <a:off x="5324820" y="2810020"/>
+            <a:ext cx="721894" cy="652034"/>
+          </a:xfrm>
+          <a:prstGeom prst="rect">
+            <a:avLst/>
+          </a:prstGeom>
+          <a:solidFill>
+            <a:schemeClr val="accent6"/>
+          </a:solidFill>
+        </p:spPr>
+        <p:style>
+          <a:lnRef idx="2">
+            <a:schemeClr val="accent1">
+              <a:shade val="15000"/>
+            </a:schemeClr>
+          </a:lnRef>
+          <a:fillRef idx="1">
+            <a:schemeClr val="accent1"/>
+          </a:fillRef>
+          <a:effectRef idx="0">
+            <a:schemeClr val="accent1"/>
+          </a:effectRef>
+          <a:fontRef idx="minor">
+            <a:schemeClr val="lt1"/>
+          </a:fontRef>
+        </p:style>
+        <p:txBody>
+          <a:bodyPr rtlCol="0" anchor="ctr"/>
+          <a:lstStyle/>
+          <a:p>
+            <a:pPr algn="ctr"/>
+            <a:r>
+              <a:rPr lang="en-US" sz="1200" dirty="0">
+                <a:solidFill>
+                  <a:schemeClr val="bg1"/>
+                </a:solidFill>
+              </a:rPr>
+              <a:t>item</a:t>
+            </a:r>
+          </a:p>
+        </p:txBody>
+      </p:sp>
+      <p:pic>
+        <p:nvPicPr>
+          <p:cNvPr id="112" name="Picture 111">
+            <a:extLst>
+              <a:ext uri="{FF2B5EF4-FFF2-40B4-BE49-F238E27FC236}">
+                <a16:creationId xmlns:a16="http://schemas.microsoft.com/office/drawing/2014/main" id="{10F16858-E65C-B42F-4060-D79313FDF58B}"/>
+              </a:ext>
+            </a:extLst>
+          </p:cNvPr>
+          <p:cNvPicPr>
+            <a:picLocks noChangeAspect="1"/>
+          </p:cNvPicPr>
+          <p:nvPr/>
+        </p:nvPicPr>
+        <p:blipFill>
+          <a:blip r:embed="rId5">
+            <a:extLst>
+              <a:ext uri="{BEBA8EAE-BF5A-486C-A8C5-ECC9F3942E4B}">
+                <a14:imgProps xmlns:a14="http://schemas.microsoft.com/office/drawing/2010/main">
+                  <a14:imgLayer r:embed="rId6">
+                    <a14:imgEffect>
+                      <a14:saturation sat="0"/>
+                    </a14:imgEffect>
+                  </a14:imgLayer>
+                </a14:imgProps>
+              </a:ext>
+              <a:ext uri="{28A0092B-C50C-407E-A947-70E740481C1C}">
+                <a14:useLocalDpi xmlns:a14="http://schemas.microsoft.com/office/drawing/2010/main" val="0"/>
+              </a:ext>
+            </a:extLst>
+          </a:blip>
+          <a:stretch>
+            <a:fillRect/>
+          </a:stretch>
+        </p:blipFill>
+        <p:spPr>
+          <a:xfrm>
+            <a:off x="589219" y="4458196"/>
+            <a:ext cx="2479163" cy="960675"/>
+          </a:xfrm>
+          <a:prstGeom prst="rect">
+            <a:avLst/>
+          </a:prstGeom>
+        </p:spPr>
+      </p:pic>
+      <p:sp>
+        <p:nvSpPr>
+          <p:cNvPr id="113" name="TextBox 112">
+            <a:extLst>
+              <a:ext uri="{FF2B5EF4-FFF2-40B4-BE49-F238E27FC236}">
+                <a16:creationId xmlns:a16="http://schemas.microsoft.com/office/drawing/2014/main" id="{7CEE3E22-11ED-3659-25F8-ED85FD8DB19E}"/>
+              </a:ext>
+            </a:extLst>
+          </p:cNvPr>
+          <p:cNvSpPr txBox="1"/>
+          <p:nvPr/>
+        </p:nvSpPr>
+        <p:spPr>
+          <a:xfrm>
+            <a:off x="548639" y="4005443"/>
+            <a:ext cx="964816" cy="369332"/>
+          </a:xfrm>
+          <a:prstGeom prst="rect">
+            <a:avLst/>
+          </a:prstGeom>
+          <a:noFill/>
+        </p:spPr>
+        <p:txBody>
+          <a:bodyPr wrap="none" rtlCol="0">
+            <a:spAutoFit/>
+          </a:bodyPr>
+          <a:lstStyle/>
+          <a:p>
+            <a:r>
+              <a:rPr lang="en-US" dirty="0"/>
+              <a:t>_ profile</a:t>
+            </a:r>
+          </a:p>
+        </p:txBody>
+      </p:sp>
+      <p:sp>
+        <p:nvSpPr>
+          <p:cNvPr id="114" name="TextBox 113">
+            <a:extLst>
+              <a:ext uri="{FF2B5EF4-FFF2-40B4-BE49-F238E27FC236}">
+                <a16:creationId xmlns:a16="http://schemas.microsoft.com/office/drawing/2014/main" id="{FE2A8026-AE8B-1946-E03A-D4D1C850A088}"/>
+              </a:ext>
+            </a:extLst>
+          </p:cNvPr>
+          <p:cNvSpPr txBox="1"/>
+          <p:nvPr/>
+        </p:nvSpPr>
+        <p:spPr>
+          <a:xfrm>
+            <a:off x="766080" y="4458196"/>
+            <a:ext cx="685681" cy="835828"/>
+          </a:xfrm>
+          <a:prstGeom prst="rect">
+            <a:avLst/>
+          </a:prstGeom>
+          <a:noFill/>
+          <a:ln>
+            <a:solidFill>
+              <a:srgbClr val="FF0000"/>
+            </a:solidFill>
+            <a:prstDash val="lgDash"/>
+          </a:ln>
+        </p:spPr>
+        <p:txBody>
+          <a:bodyPr wrap="square" rtlCol="0">
+            <a:spAutoFit/>
+          </a:bodyPr>
+          <a:lstStyle/>
+          <a:p>
+            <a:endParaRPr lang="en-US" sz="1200" dirty="0"/>
+          </a:p>
+        </p:txBody>
+      </p:sp>
+      <p:sp>
+        <p:nvSpPr>
+          <p:cNvPr id="115" name="TextBox 114">
+            <a:extLst>
+              <a:ext uri="{FF2B5EF4-FFF2-40B4-BE49-F238E27FC236}">
+                <a16:creationId xmlns:a16="http://schemas.microsoft.com/office/drawing/2014/main" id="{2AF460C0-5487-71BD-746C-9B1491929018}"/>
+              </a:ext>
+            </a:extLst>
+          </p:cNvPr>
+          <p:cNvSpPr txBox="1"/>
+          <p:nvPr/>
+        </p:nvSpPr>
+        <p:spPr>
+          <a:xfrm>
+            <a:off x="1460782" y="4469894"/>
+            <a:ext cx="685681" cy="835828"/>
+          </a:xfrm>
+          <a:prstGeom prst="rect">
+            <a:avLst/>
+          </a:prstGeom>
+          <a:noFill/>
+          <a:ln>
+            <a:solidFill>
+              <a:srgbClr val="FF0000"/>
+            </a:solidFill>
+            <a:prstDash val="lgDash"/>
+          </a:ln>
+        </p:spPr>
+        <p:txBody>
+          <a:bodyPr wrap="square" rtlCol="0">
+            <a:spAutoFit/>
+          </a:bodyPr>
+          <a:lstStyle/>
+          <a:p>
+            <a:endParaRPr lang="en-US" sz="1200" dirty="0"/>
+          </a:p>
+        </p:txBody>
+      </p:sp>
+      <p:sp>
+        <p:nvSpPr>
+          <p:cNvPr id="116" name="TextBox 115">
+            <a:extLst>
+              <a:ext uri="{FF2B5EF4-FFF2-40B4-BE49-F238E27FC236}">
+                <a16:creationId xmlns:a16="http://schemas.microsoft.com/office/drawing/2014/main" id="{85A7648C-F99C-8EB3-BBD5-4D319A4A297F}"/>
+              </a:ext>
+            </a:extLst>
+          </p:cNvPr>
+          <p:cNvSpPr txBox="1"/>
+          <p:nvPr/>
+        </p:nvSpPr>
+        <p:spPr>
+          <a:xfrm>
+            <a:off x="2155484" y="4481592"/>
+            <a:ext cx="685681" cy="835828"/>
+          </a:xfrm>
+          <a:prstGeom prst="rect">
+            <a:avLst/>
+          </a:prstGeom>
+          <a:noFill/>
+          <a:ln>
+            <a:solidFill>
+              <a:srgbClr val="FF0000"/>
+            </a:solidFill>
+            <a:prstDash val="lgDash"/>
+          </a:ln>
+        </p:spPr>
+        <p:txBody>
+          <a:bodyPr wrap="square" rtlCol="0">
+            <a:spAutoFit/>
+          </a:bodyPr>
+          <a:lstStyle/>
+          <a:p>
+            <a:endParaRPr lang="en-US" sz="1200" dirty="0"/>
+          </a:p>
+        </p:txBody>
+      </p:sp>
+      <p:cxnSp>
+        <p:nvCxnSpPr>
+          <p:cNvPr id="119" name="Straight Arrow Connector 118">
+            <a:extLst>
+              <a:ext uri="{FF2B5EF4-FFF2-40B4-BE49-F238E27FC236}">
+                <a16:creationId xmlns:a16="http://schemas.microsoft.com/office/drawing/2014/main" id="{1C9DD441-D09A-9031-B2B9-05D9451F9D92}"/>
+              </a:ext>
+            </a:extLst>
+          </p:cNvPr>
+          <p:cNvCxnSpPr>
+            <a:cxnSpLocks/>
+          </p:cNvCxnSpPr>
+          <p:nvPr/>
+        </p:nvCxnSpPr>
+        <p:spPr>
+          <a:xfrm>
+            <a:off x="5053276" y="5523293"/>
+            <a:ext cx="685681" cy="0"/>
+          </a:xfrm>
+          <a:prstGeom prst="straightConnector1">
+            <a:avLst/>
+          </a:prstGeom>
+          <a:ln>
+            <a:headEnd type="triangle"/>
+            <a:tailEnd type="triangle"/>
+          </a:ln>
+        </p:spPr>
+        <p:style>
+          <a:lnRef idx="1">
+            <a:schemeClr val="accent1"/>
+          </a:lnRef>
+          <a:fillRef idx="0">
+            <a:schemeClr val="accent1"/>
+          </a:fillRef>
+          <a:effectRef idx="0">
+            <a:schemeClr val="accent1"/>
+          </a:effectRef>
+          <a:fontRef idx="minor">
+            <a:schemeClr val="tx1"/>
+          </a:fontRef>
+        </p:style>
+      </p:cxnSp>
+      <p:cxnSp>
+        <p:nvCxnSpPr>
+          <p:cNvPr id="120" name="Straight Arrow Connector 119">
+            <a:extLst>
+              <a:ext uri="{FF2B5EF4-FFF2-40B4-BE49-F238E27FC236}">
+                <a16:creationId xmlns:a16="http://schemas.microsoft.com/office/drawing/2014/main" id="{5AA492B2-124C-50F2-3BA0-04C5AAD198A3}"/>
+              </a:ext>
+            </a:extLst>
+          </p:cNvPr>
+          <p:cNvCxnSpPr>
+            <a:cxnSpLocks/>
+          </p:cNvCxnSpPr>
+          <p:nvPr/>
+        </p:nvCxnSpPr>
+        <p:spPr>
+          <a:xfrm>
+            <a:off x="5747978" y="5523293"/>
+            <a:ext cx="694702" cy="0"/>
+          </a:xfrm>
+          <a:prstGeom prst="straightConnector1">
+            <a:avLst/>
+          </a:prstGeom>
+          <a:ln>
+            <a:headEnd type="triangle"/>
+            <a:tailEnd type="triangle"/>
+          </a:ln>
+        </p:spPr>
+        <p:style>
+          <a:lnRef idx="1">
+            <a:schemeClr val="accent1"/>
+          </a:lnRef>
+          <a:fillRef idx="0">
+            <a:schemeClr val="accent1"/>
+          </a:fillRef>
+          <a:effectRef idx="0">
+            <a:schemeClr val="accent1"/>
+          </a:effectRef>
+          <a:fontRef idx="minor">
+            <a:schemeClr val="tx1"/>
+          </a:fontRef>
+        </p:style>
+      </p:cxnSp>
+      <p:cxnSp>
+        <p:nvCxnSpPr>
+          <p:cNvPr id="121" name="Straight Arrow Connector 120">
+            <a:extLst>
+              <a:ext uri="{FF2B5EF4-FFF2-40B4-BE49-F238E27FC236}">
+                <a16:creationId xmlns:a16="http://schemas.microsoft.com/office/drawing/2014/main" id="{2EA536CD-DCD5-4D60-A290-9E2A1AEA2CB9}"/>
+              </a:ext>
+            </a:extLst>
+          </p:cNvPr>
+          <p:cNvCxnSpPr>
+            <a:cxnSpLocks/>
+          </p:cNvCxnSpPr>
+          <p:nvPr/>
+        </p:nvCxnSpPr>
+        <p:spPr>
+          <a:xfrm>
+            <a:off x="6455523" y="5526853"/>
+            <a:ext cx="694702" cy="0"/>
+          </a:xfrm>
+          <a:prstGeom prst="straightConnector1">
+            <a:avLst/>
+          </a:prstGeom>
+          <a:ln>
+            <a:headEnd type="triangle"/>
+            <a:tailEnd type="triangle"/>
+          </a:ln>
+        </p:spPr>
+        <p:style>
+          <a:lnRef idx="1">
+            <a:schemeClr val="accent1"/>
+          </a:lnRef>
+          <a:fillRef idx="0">
+            <a:schemeClr val="accent1"/>
+          </a:fillRef>
+          <a:effectRef idx="0">
+            <a:schemeClr val="accent1"/>
+          </a:effectRef>
+          <a:fontRef idx="minor">
+            <a:schemeClr val="tx1"/>
+          </a:fontRef>
+        </p:style>
+      </p:cxnSp>
+      <p:sp>
+        <p:nvSpPr>
+          <p:cNvPr id="122" name="TextBox 121">
+            <a:extLst>
+              <a:ext uri="{FF2B5EF4-FFF2-40B4-BE49-F238E27FC236}">
+                <a16:creationId xmlns:a16="http://schemas.microsoft.com/office/drawing/2014/main" id="{1112A3BF-7E5A-FFA2-0E3F-81BF07711AD2}"/>
+              </a:ext>
+            </a:extLst>
+          </p:cNvPr>
+          <p:cNvSpPr txBox="1"/>
+          <p:nvPr/>
+        </p:nvSpPr>
+        <p:spPr>
+          <a:xfrm>
+            <a:off x="5139466" y="5478901"/>
+            <a:ext cx="500458" cy="246221"/>
+          </a:xfrm>
+          <a:prstGeom prst="rect">
+            <a:avLst/>
+          </a:prstGeom>
+          <a:noFill/>
+        </p:spPr>
+        <p:txBody>
+          <a:bodyPr wrap="none" rtlCol="0">
+            <a:spAutoFit/>
+          </a:bodyPr>
+          <a:lstStyle/>
+          <a:p>
+            <a:r>
+              <a:rPr lang="en-US" sz="1000" dirty="0">
+                <a:solidFill>
+                  <a:schemeClr val="accent1"/>
+                </a:solidFill>
+              </a:rPr>
+              <a:t>flex: 0</a:t>
+            </a:r>
+          </a:p>
+        </p:txBody>
+      </p:sp>
+      <p:sp>
+        <p:nvSpPr>
+          <p:cNvPr id="123" name="TextBox 122">
+            <a:extLst>
+              <a:ext uri="{FF2B5EF4-FFF2-40B4-BE49-F238E27FC236}">
+                <a16:creationId xmlns:a16="http://schemas.microsoft.com/office/drawing/2014/main" id="{07EDD404-CC2F-F227-4C07-A67C4269CDBB}"/>
+              </a:ext>
+            </a:extLst>
+          </p:cNvPr>
+          <p:cNvSpPr txBox="1"/>
+          <p:nvPr/>
+        </p:nvSpPr>
+        <p:spPr>
+          <a:xfrm>
+            <a:off x="5847011" y="5465114"/>
+            <a:ext cx="500458" cy="246221"/>
+          </a:xfrm>
+          <a:prstGeom prst="rect">
+            <a:avLst/>
+          </a:prstGeom>
+          <a:noFill/>
+        </p:spPr>
+        <p:txBody>
+          <a:bodyPr wrap="none" rtlCol="0">
+            <a:spAutoFit/>
+          </a:bodyPr>
+          <a:lstStyle/>
+          <a:p>
+            <a:r>
+              <a:rPr lang="en-US" sz="1000" dirty="0">
+                <a:solidFill>
+                  <a:schemeClr val="accent1"/>
+                </a:solidFill>
+              </a:rPr>
+              <a:t>flex: 0</a:t>
+            </a:r>
+          </a:p>
+        </p:txBody>
+      </p:sp>
+      <p:sp>
+        <p:nvSpPr>
+          <p:cNvPr id="124" name="TextBox 123">
+            <a:extLst>
+              <a:ext uri="{FF2B5EF4-FFF2-40B4-BE49-F238E27FC236}">
+                <a16:creationId xmlns:a16="http://schemas.microsoft.com/office/drawing/2014/main" id="{D263F7A9-F385-D2ED-2EA7-B9CC87D5F0FD}"/>
+              </a:ext>
+            </a:extLst>
+          </p:cNvPr>
+          <p:cNvSpPr txBox="1"/>
+          <p:nvPr/>
+        </p:nvSpPr>
+        <p:spPr>
+          <a:xfrm>
+            <a:off x="6552645" y="5465113"/>
+            <a:ext cx="500458" cy="246221"/>
+          </a:xfrm>
+          <a:prstGeom prst="rect">
+            <a:avLst/>
+          </a:prstGeom>
+          <a:noFill/>
+        </p:spPr>
+        <p:txBody>
+          <a:bodyPr wrap="none" rtlCol="0">
+            <a:spAutoFit/>
+          </a:bodyPr>
+          <a:lstStyle/>
+          <a:p>
+            <a:r>
+              <a:rPr lang="en-US" sz="1000" dirty="0">
+                <a:solidFill>
+                  <a:schemeClr val="accent1"/>
+                </a:solidFill>
+              </a:rPr>
+              <a:t>flex: 0</a:t>
+            </a:r>
+          </a:p>
+        </p:txBody>
+      </p:sp>
+      <p:sp>
+        <p:nvSpPr>
+          <p:cNvPr id="125" name="Rectangle 124">
+            <a:extLst>
+              <a:ext uri="{FF2B5EF4-FFF2-40B4-BE49-F238E27FC236}">
+                <a16:creationId xmlns:a16="http://schemas.microsoft.com/office/drawing/2014/main" id="{42F6B5E0-EB99-4FE7-82BD-DD18400BF900}"/>
+              </a:ext>
+            </a:extLst>
+          </p:cNvPr>
+          <p:cNvSpPr/>
+          <p:nvPr/>
+        </p:nvSpPr>
+        <p:spPr>
+          <a:xfrm>
+            <a:off x="5772043" y="4624213"/>
+            <a:ext cx="676596" cy="652034"/>
+          </a:xfrm>
+          <a:prstGeom prst="rect">
+            <a:avLst/>
+          </a:prstGeom>
+          <a:solidFill>
+            <a:schemeClr val="accent6"/>
+          </a:solidFill>
+        </p:spPr>
+        <p:style>
+          <a:lnRef idx="2">
+            <a:schemeClr val="accent1">
+              <a:shade val="15000"/>
+            </a:schemeClr>
+          </a:lnRef>
+          <a:fillRef idx="1">
+            <a:schemeClr val="accent1"/>
+          </a:fillRef>
+          <a:effectRef idx="0">
+            <a:schemeClr val="accent1"/>
+          </a:effectRef>
+          <a:fontRef idx="minor">
+            <a:schemeClr val="lt1"/>
+          </a:fontRef>
+        </p:style>
+        <p:txBody>
+          <a:bodyPr rtlCol="0" anchor="ctr"/>
+          <a:lstStyle/>
+          <a:p>
+            <a:pPr algn="ctr"/>
+            <a:r>
+              <a:rPr lang="en-US" sz="1200" dirty="0">
+                <a:solidFill>
+                  <a:schemeClr val="bg1"/>
+                </a:solidFill>
+              </a:rPr>
+              <a:t>more</a:t>
+            </a:r>
+          </a:p>
+        </p:txBody>
+      </p:sp>
+      <p:sp>
+        <p:nvSpPr>
+          <p:cNvPr id="126" name="Rectangle 125">
+            <a:extLst>
+              <a:ext uri="{FF2B5EF4-FFF2-40B4-BE49-F238E27FC236}">
+                <a16:creationId xmlns:a16="http://schemas.microsoft.com/office/drawing/2014/main" id="{6AEC092F-46FB-9A99-A190-972B14960398}"/>
+              </a:ext>
+            </a:extLst>
+          </p:cNvPr>
+          <p:cNvSpPr/>
+          <p:nvPr/>
+        </p:nvSpPr>
+        <p:spPr>
+          <a:xfrm>
+            <a:off x="5068256" y="4624213"/>
+            <a:ext cx="672870" cy="652034"/>
+          </a:xfrm>
+          <a:prstGeom prst="rect">
+            <a:avLst/>
+          </a:prstGeom>
+          <a:solidFill>
+            <a:schemeClr val="accent6"/>
+          </a:solidFill>
+        </p:spPr>
+        <p:style>
+          <a:lnRef idx="2">
+            <a:schemeClr val="accent1">
+              <a:shade val="15000"/>
+            </a:schemeClr>
+          </a:lnRef>
+          <a:fillRef idx="1">
+            <a:schemeClr val="accent1"/>
+          </a:fillRef>
+          <a:effectRef idx="0">
+            <a:schemeClr val="accent1"/>
+          </a:effectRef>
+          <a:fontRef idx="minor">
+            <a:schemeClr val="lt1"/>
+          </a:fontRef>
+        </p:style>
+        <p:txBody>
+          <a:bodyPr rtlCol="0" anchor="ctr"/>
+          <a:lstStyle/>
+          <a:p>
+            <a:pPr algn="ctr"/>
+            <a:r>
+              <a:rPr lang="en-US" sz="1200" dirty="0">
+                <a:solidFill>
+                  <a:schemeClr val="bg1"/>
+                </a:solidFill>
+              </a:rPr>
+              <a:t>setting</a:t>
+            </a:r>
+          </a:p>
+        </p:txBody>
+      </p:sp>
+      <p:sp>
+        <p:nvSpPr>
+          <p:cNvPr id="127" name="Rectangle 126">
+            <a:extLst>
+              <a:ext uri="{FF2B5EF4-FFF2-40B4-BE49-F238E27FC236}">
+                <a16:creationId xmlns:a16="http://schemas.microsoft.com/office/drawing/2014/main" id="{815B1A0A-E846-142E-D05D-AF127701C60A}"/>
+              </a:ext>
+            </a:extLst>
+          </p:cNvPr>
+          <p:cNvSpPr/>
+          <p:nvPr/>
+        </p:nvSpPr>
+        <p:spPr>
+          <a:xfrm>
+            <a:off x="6479556" y="4624213"/>
+            <a:ext cx="676596" cy="652034"/>
+          </a:xfrm>
+          <a:prstGeom prst="rect">
+            <a:avLst/>
+          </a:prstGeom>
+          <a:solidFill>
+            <a:schemeClr val="accent6"/>
+          </a:solidFill>
+        </p:spPr>
+        <p:style>
+          <a:lnRef idx="2">
+            <a:schemeClr val="accent1">
+              <a:shade val="15000"/>
+            </a:schemeClr>
+          </a:lnRef>
+          <a:fillRef idx="1">
+            <a:schemeClr val="accent1"/>
+          </a:fillRef>
+          <a:effectRef idx="0">
+            <a:schemeClr val="accent1"/>
+          </a:effectRef>
+          <a:fontRef idx="minor">
+            <a:schemeClr val="lt1"/>
+          </a:fontRef>
+        </p:style>
+        <p:txBody>
+          <a:bodyPr rtlCol="0" anchor="ctr"/>
+          <a:lstStyle/>
+          <a:p>
+            <a:pPr algn="ctr"/>
+            <a:r>
+              <a:rPr lang="en-US" sz="1200" dirty="0">
+                <a:solidFill>
+                  <a:schemeClr val="bg1"/>
+                </a:solidFill>
+              </a:rPr>
+              <a:t>pf-pic</a:t>
+            </a:r>
+          </a:p>
+        </p:txBody>
+      </p:sp>
     </p:spTree>
     <p:extLst>
       <p:ext uri="{BB962C8B-B14F-4D97-AF65-F5344CB8AC3E}">
@@ -6090,51 +9986,293 @@
       </p:grpSpPr>
       <p:sp>
         <p:nvSpPr>
-          <p:cNvPr id="2" name="Title 1">
-            <a:extLst>
-              <a:ext uri="{FF2B5EF4-FFF2-40B4-BE49-F238E27FC236}">
-                <a16:creationId xmlns:a16="http://schemas.microsoft.com/office/drawing/2014/main" id="{3D3C8394-7F0B-EA64-5DF7-FA63F8FF7235}"/>
-              </a:ext>
-            </a:extLst>
-          </p:cNvPr>
-          <p:cNvSpPr>
-            <a:spLocks noGrp="1"/>
-          </p:cNvSpPr>
-          <p:nvPr>
-            <p:ph type="title"/>
-          </p:nvPr>
-        </p:nvSpPr>
-        <p:spPr/>
-        <p:txBody>
-          <a:bodyPr/>
-          <a:lstStyle/>
-          <a:p>
+          <p:cNvPr id="4" name="TextBox 3">
+            <a:extLst>
+              <a:ext uri="{FF2B5EF4-FFF2-40B4-BE49-F238E27FC236}">
+                <a16:creationId xmlns:a16="http://schemas.microsoft.com/office/drawing/2014/main" id="{0FCB0EE2-0ABE-BACF-2CC7-1772A5FDC3C8}"/>
+              </a:ext>
+            </a:extLst>
+          </p:cNvPr>
+          <p:cNvSpPr txBox="1"/>
+          <p:nvPr/>
+        </p:nvSpPr>
+        <p:spPr>
+          <a:xfrm>
+            <a:off x="304801" y="348343"/>
+            <a:ext cx="1018227" cy="369332"/>
+          </a:xfrm>
+          <a:prstGeom prst="rect">
+            <a:avLst/>
+          </a:prstGeom>
+          <a:noFill/>
+        </p:spPr>
+        <p:txBody>
+          <a:bodyPr wrap="none" rtlCol="0">
+            <a:spAutoFit/>
+          </a:bodyPr>
+          <a:lstStyle/>
+          <a:p>
+            <a:r>
+              <a:rPr lang="en-US" dirty="0"/>
+              <a:t>_ header</a:t>
+            </a:r>
+          </a:p>
+        </p:txBody>
+      </p:sp>
+      <p:pic>
+        <p:nvPicPr>
+          <p:cNvPr id="5" name="Picture 4">
+            <a:extLst>
+              <a:ext uri="{FF2B5EF4-FFF2-40B4-BE49-F238E27FC236}">
+                <a16:creationId xmlns:a16="http://schemas.microsoft.com/office/drawing/2014/main" id="{7BB7993F-33B9-0323-886D-E9C7C72A9F6A}"/>
+              </a:ext>
+            </a:extLst>
+          </p:cNvPr>
+          <p:cNvPicPr>
+            <a:picLocks noChangeAspect="1"/>
+          </p:cNvPicPr>
+          <p:nvPr/>
+        </p:nvPicPr>
+        <p:blipFill>
+          <a:blip r:embed="rId2">
+            <a:extLst>
+              <a:ext uri="{28A0092B-C50C-407E-A947-70E740481C1C}">
+                <a14:useLocalDpi xmlns:a14="http://schemas.microsoft.com/office/drawing/2010/main" val="0"/>
+              </a:ext>
+            </a:extLst>
+          </a:blip>
+          <a:stretch>
+            <a:fillRect/>
+          </a:stretch>
+        </p:blipFill>
+        <p:spPr>
+          <a:xfrm>
+            <a:off x="304801" y="810985"/>
+            <a:ext cx="7772400" cy="1214712"/>
+          </a:xfrm>
+          <a:prstGeom prst="rect">
+            <a:avLst/>
+          </a:prstGeom>
+          <a:ln>
+            <a:solidFill>
+              <a:srgbClr val="FF0000"/>
+            </a:solidFill>
+            <a:prstDash val="lgDash"/>
+          </a:ln>
+        </p:spPr>
+      </p:pic>
+      <p:sp>
+        <p:nvSpPr>
+          <p:cNvPr id="6" name="TextBox 5">
+            <a:extLst>
+              <a:ext uri="{FF2B5EF4-FFF2-40B4-BE49-F238E27FC236}">
+                <a16:creationId xmlns:a16="http://schemas.microsoft.com/office/drawing/2014/main" id="{D450EA1E-5C0E-2873-D5B3-924812C21D6C}"/>
+              </a:ext>
+            </a:extLst>
+          </p:cNvPr>
+          <p:cNvSpPr txBox="1"/>
+          <p:nvPr/>
+        </p:nvSpPr>
+        <p:spPr>
+          <a:xfrm>
+            <a:off x="2140361" y="862836"/>
+            <a:ext cx="4101279" cy="1111010"/>
+          </a:xfrm>
+          <a:prstGeom prst="rect">
+            <a:avLst/>
+          </a:prstGeom>
+          <a:noFill/>
+          <a:ln>
+            <a:solidFill>
+              <a:srgbClr val="FF0000"/>
+            </a:solidFill>
+            <a:prstDash val="lgDash"/>
+          </a:ln>
+        </p:spPr>
+        <p:txBody>
+          <a:bodyPr wrap="square" rtlCol="0">
+            <a:spAutoFit/>
+          </a:bodyPr>
+          <a:lstStyle/>
+          <a:p>
+            <a:endParaRPr lang="en-US" sz="1200" dirty="0"/>
+          </a:p>
+        </p:txBody>
+      </p:sp>
+      <p:sp>
+        <p:nvSpPr>
+          <p:cNvPr id="7" name="Rectangle 6">
+            <a:extLst>
+              <a:ext uri="{FF2B5EF4-FFF2-40B4-BE49-F238E27FC236}">
+                <a16:creationId xmlns:a16="http://schemas.microsoft.com/office/drawing/2014/main" id="{479E1A99-6CA9-C7EE-06EA-CEC88E718352}"/>
+              </a:ext>
+            </a:extLst>
+          </p:cNvPr>
+          <p:cNvSpPr/>
+          <p:nvPr/>
+        </p:nvSpPr>
+        <p:spPr>
+          <a:xfrm>
+            <a:off x="304801" y="2214288"/>
+            <a:ext cx="7772400" cy="1214712"/>
+          </a:xfrm>
+          <a:prstGeom prst="rect">
+            <a:avLst/>
+          </a:prstGeom>
+        </p:spPr>
+        <p:style>
+          <a:lnRef idx="2">
+            <a:schemeClr val="accent1">
+              <a:shade val="15000"/>
+            </a:schemeClr>
+          </a:lnRef>
+          <a:fillRef idx="1">
+            <a:schemeClr val="accent1"/>
+          </a:fillRef>
+          <a:effectRef idx="0">
+            <a:schemeClr val="accent1"/>
+          </a:effectRef>
+          <a:fontRef idx="minor">
+            <a:schemeClr val="lt1"/>
+          </a:fontRef>
+        </p:style>
+        <p:txBody>
+          <a:bodyPr rtlCol="0" anchor="ctr"/>
+          <a:lstStyle/>
+          <a:p>
+            <a:pPr algn="ctr"/>
             <a:endParaRPr lang="en-US"/>
           </a:p>
         </p:txBody>
       </p:sp>
       <p:sp>
         <p:nvSpPr>
-          <p:cNvPr id="3" name="Content Placeholder 2">
-            <a:extLst>
-              <a:ext uri="{FF2B5EF4-FFF2-40B4-BE49-F238E27FC236}">
-                <a16:creationId xmlns:a16="http://schemas.microsoft.com/office/drawing/2014/main" id="{8D12E060-67A3-8724-293B-776D1AA8586D}"/>
-              </a:ext>
-            </a:extLst>
-          </p:cNvPr>
-          <p:cNvSpPr>
-            <a:spLocks noGrp="1"/>
-          </p:cNvSpPr>
-          <p:nvPr>
-            <p:ph idx="1"/>
-          </p:nvPr>
-        </p:nvSpPr>
-        <p:spPr/>
-        <p:txBody>
-          <a:bodyPr/>
-          <a:lstStyle/>
-          <a:p>
-            <a:endParaRPr lang="en-US"/>
+          <p:cNvPr id="8" name="Rectangle 7">
+            <a:extLst>
+              <a:ext uri="{FF2B5EF4-FFF2-40B4-BE49-F238E27FC236}">
+                <a16:creationId xmlns:a16="http://schemas.microsoft.com/office/drawing/2014/main" id="{C3E91B3C-E4C3-A853-A290-479E7E7AE294}"/>
+              </a:ext>
+            </a:extLst>
+          </p:cNvPr>
+          <p:cNvSpPr/>
+          <p:nvPr/>
+        </p:nvSpPr>
+        <p:spPr>
+          <a:xfrm>
+            <a:off x="2140360" y="2214288"/>
+            <a:ext cx="4101279" cy="1214712"/>
+          </a:xfrm>
+          <a:prstGeom prst="rect">
+            <a:avLst/>
+          </a:prstGeom>
+          <a:solidFill>
+            <a:schemeClr val="accent6"/>
+          </a:solidFill>
+        </p:spPr>
+        <p:style>
+          <a:lnRef idx="2">
+            <a:schemeClr val="accent1">
+              <a:shade val="15000"/>
+            </a:schemeClr>
+          </a:lnRef>
+          <a:fillRef idx="1">
+            <a:schemeClr val="accent1"/>
+          </a:fillRef>
+          <a:effectRef idx="0">
+            <a:schemeClr val="accent1"/>
+          </a:effectRef>
+          <a:fontRef idx="minor">
+            <a:schemeClr val="lt1"/>
+          </a:fontRef>
+        </p:style>
+        <p:txBody>
+          <a:bodyPr rtlCol="0" anchor="ctr"/>
+          <a:lstStyle/>
+          <a:p>
+            <a:pPr algn="ctr"/>
+            <a:r>
+              <a:rPr lang="en-US" dirty="0"/>
+              <a:t>header</a:t>
+            </a:r>
+          </a:p>
+        </p:txBody>
+      </p:sp>
+      <p:cxnSp>
+        <p:nvCxnSpPr>
+          <p:cNvPr id="9" name="Straight Arrow Connector 8">
+            <a:extLst>
+              <a:ext uri="{FF2B5EF4-FFF2-40B4-BE49-F238E27FC236}">
+                <a16:creationId xmlns:a16="http://schemas.microsoft.com/office/drawing/2014/main" id="{7763ACC2-5A75-13A9-D107-FC0DF97A4CA9}"/>
+              </a:ext>
+            </a:extLst>
+          </p:cNvPr>
+          <p:cNvCxnSpPr/>
+          <p:nvPr/>
+        </p:nvCxnSpPr>
+        <p:spPr>
+          <a:xfrm>
+            <a:off x="2140360" y="3631474"/>
+            <a:ext cx="4101279" cy="0"/>
+          </a:xfrm>
+          <a:prstGeom prst="straightConnector1">
+            <a:avLst/>
+          </a:prstGeom>
+          <a:ln>
+            <a:headEnd type="triangle"/>
+            <a:tailEnd type="triangle"/>
+          </a:ln>
+        </p:spPr>
+        <p:style>
+          <a:lnRef idx="1">
+            <a:schemeClr val="accent1"/>
+          </a:lnRef>
+          <a:fillRef idx="0">
+            <a:schemeClr val="accent1"/>
+          </a:fillRef>
+          <a:effectRef idx="0">
+            <a:schemeClr val="accent1"/>
+          </a:effectRef>
+          <a:fontRef idx="minor">
+            <a:schemeClr val="tx1"/>
+          </a:fontRef>
+        </p:style>
+      </p:cxnSp>
+      <p:sp>
+        <p:nvSpPr>
+          <p:cNvPr id="10" name="TextBox 9">
+            <a:extLst>
+              <a:ext uri="{FF2B5EF4-FFF2-40B4-BE49-F238E27FC236}">
+                <a16:creationId xmlns:a16="http://schemas.microsoft.com/office/drawing/2014/main" id="{C6147C10-878C-324D-3B3F-A1CA43DAA938}"/>
+              </a:ext>
+            </a:extLst>
+          </p:cNvPr>
+          <p:cNvSpPr txBox="1"/>
+          <p:nvPr/>
+        </p:nvSpPr>
+        <p:spPr>
+          <a:xfrm>
+            <a:off x="3940770" y="3631474"/>
+            <a:ext cx="500458" cy="246221"/>
+          </a:xfrm>
+          <a:prstGeom prst="rect">
+            <a:avLst/>
+          </a:prstGeom>
+          <a:noFill/>
+        </p:spPr>
+        <p:txBody>
+          <a:bodyPr wrap="none" rtlCol="0">
+            <a:spAutoFit/>
+          </a:bodyPr>
+          <a:lstStyle/>
+          <a:p>
+            <a:r>
+              <a:rPr lang="en-US" sz="1000" dirty="0">
+                <a:solidFill>
+                  <a:schemeClr val="accent1"/>
+                </a:solidFill>
+              </a:rPr>
+              <a:t>flex: 0</a:t>
+            </a:r>
           </a:p>
         </p:txBody>
       </p:sp>
@@ -6168,53 +10306,369 @@
           <a:chExt cx="0" cy="0"/>
         </a:xfrm>
       </p:grpSpPr>
-      <p:sp>
-        <p:nvSpPr>
-          <p:cNvPr id="2" name="Title 1">
-            <a:extLst>
-              <a:ext uri="{FF2B5EF4-FFF2-40B4-BE49-F238E27FC236}">
-                <a16:creationId xmlns:a16="http://schemas.microsoft.com/office/drawing/2014/main" id="{3B7CB85B-FBFC-2E1B-A46E-1763DC2D2AC9}"/>
-              </a:ext>
-            </a:extLst>
-          </p:cNvPr>
-          <p:cNvSpPr>
-            <a:spLocks noGrp="1"/>
-          </p:cNvSpPr>
-          <p:nvPr>
-            <p:ph type="title"/>
-          </p:nvPr>
-        </p:nvSpPr>
-        <p:spPr/>
-        <p:txBody>
-          <a:bodyPr/>
-          <a:lstStyle/>
-          <a:p>
+      <p:pic>
+        <p:nvPicPr>
+          <p:cNvPr id="4" name="Picture 3">
+            <a:extLst>
+              <a:ext uri="{FF2B5EF4-FFF2-40B4-BE49-F238E27FC236}">
+                <a16:creationId xmlns:a16="http://schemas.microsoft.com/office/drawing/2014/main" id="{70763E37-73B5-953D-3F38-59D4D48AE2DB}"/>
+              </a:ext>
+            </a:extLst>
+          </p:cNvPr>
+          <p:cNvPicPr>
+            <a:picLocks noChangeAspect="1"/>
+          </p:cNvPicPr>
+          <p:nvPr/>
+        </p:nvPicPr>
+        <p:blipFill>
+          <a:blip r:embed="rId2">
+            <a:extLst>
+              <a:ext uri="{28A0092B-C50C-407E-A947-70E740481C1C}">
+                <a14:useLocalDpi xmlns:a14="http://schemas.microsoft.com/office/drawing/2010/main" val="0"/>
+              </a:ext>
+            </a:extLst>
+          </a:blip>
+          <a:stretch>
+            <a:fillRect/>
+          </a:stretch>
+        </p:blipFill>
+        <p:spPr>
+          <a:xfrm>
+            <a:off x="229031" y="1049107"/>
+            <a:ext cx="7772400" cy="1963086"/>
+          </a:xfrm>
+          <a:prstGeom prst="rect">
+            <a:avLst/>
+          </a:prstGeom>
+        </p:spPr>
+      </p:pic>
+      <p:sp>
+        <p:nvSpPr>
+          <p:cNvPr id="5" name="TextBox 4">
+            <a:extLst>
+              <a:ext uri="{FF2B5EF4-FFF2-40B4-BE49-F238E27FC236}">
+                <a16:creationId xmlns:a16="http://schemas.microsoft.com/office/drawing/2014/main" id="{6375BAC8-ACBC-32D3-46B2-49D6C96D38AD}"/>
+              </a:ext>
+            </a:extLst>
+          </p:cNvPr>
+          <p:cNvSpPr txBox="1"/>
+          <p:nvPr/>
+        </p:nvSpPr>
+        <p:spPr>
+          <a:xfrm>
+            <a:off x="229031" y="275207"/>
+            <a:ext cx="822661" cy="369332"/>
+          </a:xfrm>
+          <a:prstGeom prst="rect">
+            <a:avLst/>
+          </a:prstGeom>
+          <a:noFill/>
+        </p:spPr>
+        <p:txBody>
+          <a:bodyPr wrap="none" rtlCol="0">
+            <a:spAutoFit/>
+          </a:bodyPr>
+          <a:lstStyle/>
+          <a:p>
+            <a:r>
+              <a:rPr lang="en-US" dirty="0"/>
+              <a:t>_ main</a:t>
+            </a:r>
+          </a:p>
+        </p:txBody>
+      </p:sp>
+      <p:sp>
+        <p:nvSpPr>
+          <p:cNvPr id="6" name="TextBox 5">
+            <a:extLst>
+              <a:ext uri="{FF2B5EF4-FFF2-40B4-BE49-F238E27FC236}">
+                <a16:creationId xmlns:a16="http://schemas.microsoft.com/office/drawing/2014/main" id="{F550FC4B-DE8A-9B73-3800-6491E5A9FB7C}"/>
+              </a:ext>
+            </a:extLst>
+          </p:cNvPr>
+          <p:cNvSpPr txBox="1"/>
+          <p:nvPr/>
+        </p:nvSpPr>
+        <p:spPr>
+          <a:xfrm>
+            <a:off x="229031" y="1049107"/>
+            <a:ext cx="7772400" cy="2031325"/>
+          </a:xfrm>
+          <a:prstGeom prst="rect">
+            <a:avLst/>
+          </a:prstGeom>
+          <a:noFill/>
+          <a:ln>
+            <a:solidFill>
+              <a:srgbClr val="FF0000"/>
+            </a:solidFill>
+            <a:prstDash val="lgDash"/>
+          </a:ln>
+        </p:spPr>
+        <p:txBody>
+          <a:bodyPr wrap="square" rtlCol="0">
+            <a:spAutoFit/>
+          </a:bodyPr>
+          <a:lstStyle/>
+          <a:p>
+            <a:r>
+              <a:rPr lang="en-US" dirty="0"/>
+              <a:t> </a:t>
+            </a:r>
+          </a:p>
+          <a:p>
+            <a:endParaRPr lang="en-US" dirty="0"/>
+          </a:p>
+          <a:p>
+            <a:endParaRPr lang="en-US" dirty="0"/>
+          </a:p>
+          <a:p>
+            <a:endParaRPr lang="en-US" dirty="0"/>
+          </a:p>
+          <a:p>
+            <a:endParaRPr lang="en-US" dirty="0"/>
+          </a:p>
+          <a:p>
+            <a:endParaRPr lang="en-US" dirty="0"/>
+          </a:p>
+          <a:p>
+            <a:endParaRPr lang="en-US" dirty="0"/>
+          </a:p>
+        </p:txBody>
+      </p:sp>
+      <p:sp>
+        <p:nvSpPr>
+          <p:cNvPr id="7" name="TextBox 6">
+            <a:extLst>
+              <a:ext uri="{FF2B5EF4-FFF2-40B4-BE49-F238E27FC236}">
+                <a16:creationId xmlns:a16="http://schemas.microsoft.com/office/drawing/2014/main" id="{CBF992ED-7217-5282-8478-F68397F472A2}"/>
+              </a:ext>
+            </a:extLst>
+          </p:cNvPr>
+          <p:cNvSpPr txBox="1"/>
+          <p:nvPr/>
+        </p:nvSpPr>
+        <p:spPr>
+          <a:xfrm>
+            <a:off x="2024109" y="1049106"/>
+            <a:ext cx="4071891" cy="2031325"/>
+          </a:xfrm>
+          <a:prstGeom prst="rect">
+            <a:avLst/>
+          </a:prstGeom>
+          <a:noFill/>
+          <a:ln>
+            <a:solidFill>
+              <a:srgbClr val="FF0000"/>
+            </a:solidFill>
+            <a:prstDash val="lgDash"/>
+          </a:ln>
+        </p:spPr>
+        <p:txBody>
+          <a:bodyPr wrap="square" rtlCol="0">
+            <a:spAutoFit/>
+          </a:bodyPr>
+          <a:lstStyle/>
+          <a:p>
+            <a:r>
+              <a:rPr lang="en-US" dirty="0"/>
+              <a:t> </a:t>
+            </a:r>
+          </a:p>
+          <a:p>
+            <a:endParaRPr lang="en-US" dirty="0"/>
+          </a:p>
+          <a:p>
+            <a:endParaRPr lang="en-US" dirty="0"/>
+          </a:p>
+          <a:p>
+            <a:endParaRPr lang="en-US" dirty="0"/>
+          </a:p>
+          <a:p>
+            <a:endParaRPr lang="en-US" dirty="0"/>
+          </a:p>
+          <a:p>
+            <a:endParaRPr lang="en-US" dirty="0"/>
+          </a:p>
+          <a:p>
+            <a:endParaRPr lang="en-US" dirty="0"/>
+          </a:p>
+        </p:txBody>
+      </p:sp>
+      <p:sp>
+        <p:nvSpPr>
+          <p:cNvPr id="8" name="Rectangle 7">
+            <a:extLst>
+              <a:ext uri="{FF2B5EF4-FFF2-40B4-BE49-F238E27FC236}">
+                <a16:creationId xmlns:a16="http://schemas.microsoft.com/office/drawing/2014/main" id="{71F3A284-9F51-77C6-A695-49A72C101967}"/>
+              </a:ext>
+            </a:extLst>
+          </p:cNvPr>
+          <p:cNvSpPr/>
+          <p:nvPr/>
+        </p:nvSpPr>
+        <p:spPr>
+          <a:xfrm>
+            <a:off x="229031" y="3712407"/>
+            <a:ext cx="7772400" cy="2031325"/>
+          </a:xfrm>
+          <a:prstGeom prst="rect">
+            <a:avLst/>
+          </a:prstGeom>
+        </p:spPr>
+        <p:style>
+          <a:lnRef idx="2">
+            <a:schemeClr val="accent1">
+              <a:shade val="15000"/>
+            </a:schemeClr>
+          </a:lnRef>
+          <a:fillRef idx="1">
+            <a:schemeClr val="accent1"/>
+          </a:fillRef>
+          <a:effectRef idx="0">
+            <a:schemeClr val="accent1"/>
+          </a:effectRef>
+          <a:fontRef idx="minor">
+            <a:schemeClr val="lt1"/>
+          </a:fontRef>
+        </p:style>
+        <p:txBody>
+          <a:bodyPr rtlCol="0" anchor="ctr"/>
+          <a:lstStyle/>
+          <a:p>
+            <a:pPr algn="ctr"/>
             <a:endParaRPr lang="en-US"/>
           </a:p>
         </p:txBody>
       </p:sp>
       <p:sp>
         <p:nvSpPr>
-          <p:cNvPr id="3" name="Content Placeholder 2">
-            <a:extLst>
-              <a:ext uri="{FF2B5EF4-FFF2-40B4-BE49-F238E27FC236}">
-                <a16:creationId xmlns:a16="http://schemas.microsoft.com/office/drawing/2014/main" id="{F3B1C5B6-A2DC-B419-0B60-C5B6BCDA14B8}"/>
-              </a:ext>
-            </a:extLst>
-          </p:cNvPr>
-          <p:cNvSpPr>
-            <a:spLocks noGrp="1"/>
-          </p:cNvSpPr>
-          <p:nvPr>
-            <p:ph idx="1"/>
-          </p:nvPr>
-        </p:nvSpPr>
-        <p:spPr/>
-        <p:txBody>
-          <a:bodyPr/>
-          <a:lstStyle/>
-          <a:p>
-            <a:endParaRPr lang="en-US"/>
+          <p:cNvPr id="9" name="Rectangle 8">
+            <a:extLst>
+              <a:ext uri="{FF2B5EF4-FFF2-40B4-BE49-F238E27FC236}">
+                <a16:creationId xmlns:a16="http://schemas.microsoft.com/office/drawing/2014/main" id="{03F0AA02-08F0-832A-B452-27717751F687}"/>
+              </a:ext>
+            </a:extLst>
+          </p:cNvPr>
+          <p:cNvSpPr/>
+          <p:nvPr/>
+        </p:nvSpPr>
+        <p:spPr>
+          <a:xfrm>
+            <a:off x="2018190" y="3712407"/>
+            <a:ext cx="4071891" cy="2031325"/>
+          </a:xfrm>
+          <a:prstGeom prst="rect">
+            <a:avLst/>
+          </a:prstGeom>
+          <a:solidFill>
+            <a:schemeClr val="accent6"/>
+          </a:solidFill>
+        </p:spPr>
+        <p:style>
+          <a:lnRef idx="2">
+            <a:schemeClr val="accent1">
+              <a:shade val="15000"/>
+            </a:schemeClr>
+          </a:lnRef>
+          <a:fillRef idx="1">
+            <a:schemeClr val="accent1"/>
+          </a:fillRef>
+          <a:effectRef idx="0">
+            <a:schemeClr val="accent1"/>
+          </a:effectRef>
+          <a:fontRef idx="minor">
+            <a:schemeClr val="lt1"/>
+          </a:fontRef>
+        </p:style>
+        <p:txBody>
+          <a:bodyPr rtlCol="0" anchor="ctr"/>
+          <a:lstStyle/>
+          <a:p>
+            <a:pPr algn="ctr"/>
+            <a:r>
+              <a:rPr lang="en-US" sz="1200" dirty="0"/>
+              <a:t>main</a:t>
+            </a:r>
+          </a:p>
+        </p:txBody>
+      </p:sp>
+      <p:cxnSp>
+        <p:nvCxnSpPr>
+          <p:cNvPr id="10" name="Straight Arrow Connector 9">
+            <a:extLst>
+              <a:ext uri="{FF2B5EF4-FFF2-40B4-BE49-F238E27FC236}">
+                <a16:creationId xmlns:a16="http://schemas.microsoft.com/office/drawing/2014/main" id="{9C6589BC-EBA5-64EC-41F7-B3891C67A141}"/>
+              </a:ext>
+            </a:extLst>
+          </p:cNvPr>
+          <p:cNvCxnSpPr/>
+          <p:nvPr/>
+        </p:nvCxnSpPr>
+        <p:spPr>
+          <a:xfrm>
+            <a:off x="2018190" y="5939161"/>
+            <a:ext cx="4071891" cy="0"/>
+          </a:xfrm>
+          <a:prstGeom prst="straightConnector1">
+            <a:avLst/>
+          </a:prstGeom>
+          <a:ln>
+            <a:headEnd type="triangle"/>
+            <a:tailEnd type="triangle"/>
+          </a:ln>
+        </p:spPr>
+        <p:style>
+          <a:lnRef idx="1">
+            <a:schemeClr val="accent1"/>
+          </a:lnRef>
+          <a:fillRef idx="0">
+            <a:schemeClr val="accent1"/>
+          </a:fillRef>
+          <a:effectRef idx="0">
+            <a:schemeClr val="accent1"/>
+          </a:effectRef>
+          <a:fontRef idx="minor">
+            <a:schemeClr val="tx1"/>
+          </a:fontRef>
+        </p:style>
+      </p:cxnSp>
+      <p:sp>
+        <p:nvSpPr>
+          <p:cNvPr id="11" name="TextBox 10">
+            <a:extLst>
+              <a:ext uri="{FF2B5EF4-FFF2-40B4-BE49-F238E27FC236}">
+                <a16:creationId xmlns:a16="http://schemas.microsoft.com/office/drawing/2014/main" id="{303641EC-900D-8091-1040-9AE0494D7A18}"/>
+              </a:ext>
+            </a:extLst>
+          </p:cNvPr>
+          <p:cNvSpPr txBox="1"/>
+          <p:nvPr/>
+        </p:nvSpPr>
+        <p:spPr>
+          <a:xfrm>
+            <a:off x="3803906" y="5939161"/>
+            <a:ext cx="500458" cy="246221"/>
+          </a:xfrm>
+          <a:prstGeom prst="rect">
+            <a:avLst/>
+          </a:prstGeom>
+          <a:noFill/>
+        </p:spPr>
+        <p:txBody>
+          <a:bodyPr wrap="none" rtlCol="0">
+            <a:spAutoFit/>
+          </a:bodyPr>
+          <a:lstStyle/>
+          <a:p>
+            <a:r>
+              <a:rPr lang="en-US" sz="1000" dirty="0">
+                <a:solidFill>
+                  <a:schemeClr val="accent1"/>
+                </a:solidFill>
+              </a:rPr>
+              <a:t>flex: 0</a:t>
+            </a:r>
           </a:p>
         </p:txBody>
       </p:sp>
@@ -6248,53 +10702,336 @@
           <a:chExt cx="0" cy="0"/>
         </a:xfrm>
       </p:grpSpPr>
-      <p:sp>
-        <p:nvSpPr>
-          <p:cNvPr id="2" name="Title 1">
-            <a:extLst>
-              <a:ext uri="{FF2B5EF4-FFF2-40B4-BE49-F238E27FC236}">
-                <a16:creationId xmlns:a16="http://schemas.microsoft.com/office/drawing/2014/main" id="{41600D5D-439D-A4E7-2203-596C9D93E1AE}"/>
-              </a:ext>
-            </a:extLst>
-          </p:cNvPr>
-          <p:cNvSpPr>
-            <a:spLocks noGrp="1"/>
-          </p:cNvSpPr>
-          <p:nvPr>
-            <p:ph type="title"/>
-          </p:nvPr>
-        </p:nvSpPr>
-        <p:spPr/>
-        <p:txBody>
-          <a:bodyPr/>
-          <a:lstStyle/>
-          <a:p>
-            <a:endParaRPr lang="en-US"/>
-          </a:p>
-        </p:txBody>
-      </p:sp>
-      <p:sp>
-        <p:nvSpPr>
-          <p:cNvPr id="3" name="Content Placeholder 2">
-            <a:extLst>
-              <a:ext uri="{FF2B5EF4-FFF2-40B4-BE49-F238E27FC236}">
-                <a16:creationId xmlns:a16="http://schemas.microsoft.com/office/drawing/2014/main" id="{8FFFD184-2D18-12B7-5522-209AA90EBE24}"/>
-              </a:ext>
-            </a:extLst>
-          </p:cNvPr>
-          <p:cNvSpPr>
-            <a:spLocks noGrp="1"/>
-          </p:cNvSpPr>
-          <p:nvPr>
-            <p:ph idx="1"/>
-          </p:nvPr>
-        </p:nvSpPr>
-        <p:spPr/>
-        <p:txBody>
-          <a:bodyPr/>
-          <a:lstStyle/>
-          <a:p>
-            <a:endParaRPr lang="en-US"/>
+      <p:pic>
+        <p:nvPicPr>
+          <p:cNvPr id="4" name="Content Placeholder 4">
+            <a:extLst>
+              <a:ext uri="{FF2B5EF4-FFF2-40B4-BE49-F238E27FC236}">
+                <a16:creationId xmlns:a16="http://schemas.microsoft.com/office/drawing/2014/main" id="{E6F2AF33-CF30-30DA-C897-517EC6A0B9FF}"/>
+              </a:ext>
+            </a:extLst>
+          </p:cNvPr>
+          <p:cNvPicPr>
+            <a:picLocks noChangeAspect="1"/>
+          </p:cNvPicPr>
+          <p:nvPr/>
+        </p:nvPicPr>
+        <p:blipFill>
+          <a:blip r:embed="rId2">
+            <a:extLst>
+              <a:ext uri="{28A0092B-C50C-407E-A947-70E740481C1C}">
+                <a14:useLocalDpi xmlns:a14="http://schemas.microsoft.com/office/drawing/2010/main" val="0"/>
+              </a:ext>
+            </a:extLst>
+          </a:blip>
+          <a:stretch>
+            <a:fillRect/>
+          </a:stretch>
+        </p:blipFill>
+        <p:spPr>
+          <a:xfrm>
+            <a:off x="342989" y="2159014"/>
+            <a:ext cx="4965146" cy="2499179"/>
+          </a:xfrm>
+          <a:prstGeom prst="rect">
+            <a:avLst/>
+          </a:prstGeom>
+        </p:spPr>
+      </p:pic>
+      <p:sp>
+        <p:nvSpPr>
+          <p:cNvPr id="5" name="TextBox 4">
+            <a:extLst>
+              <a:ext uri="{FF2B5EF4-FFF2-40B4-BE49-F238E27FC236}">
+                <a16:creationId xmlns:a16="http://schemas.microsoft.com/office/drawing/2014/main" id="{0E5DC71F-F53C-1C25-460D-7213AF52EB3C}"/>
+              </a:ext>
+            </a:extLst>
+          </p:cNvPr>
+          <p:cNvSpPr txBox="1"/>
+          <p:nvPr/>
+        </p:nvSpPr>
+        <p:spPr>
+          <a:xfrm>
+            <a:off x="283029" y="348343"/>
+            <a:ext cx="1362874" cy="369332"/>
+          </a:xfrm>
+          <a:prstGeom prst="rect">
+            <a:avLst/>
+          </a:prstGeom>
+          <a:noFill/>
+        </p:spPr>
+        <p:txBody>
+          <a:bodyPr wrap="none" rtlCol="0">
+            <a:spAutoFit/>
+          </a:bodyPr>
+          <a:lstStyle/>
+          <a:p>
+            <a:r>
+              <a:rPr lang="en-US" dirty="0"/>
+              <a:t>_ main-body</a:t>
+            </a:r>
+          </a:p>
+        </p:txBody>
+      </p:sp>
+      <p:sp>
+        <p:nvSpPr>
+          <p:cNvPr id="6" name="Rectangle 5">
+            <a:extLst>
+              <a:ext uri="{FF2B5EF4-FFF2-40B4-BE49-F238E27FC236}">
+                <a16:creationId xmlns:a16="http://schemas.microsoft.com/office/drawing/2014/main" id="{584D8120-224D-9A1E-7108-BC52307C1BAD}"/>
+              </a:ext>
+            </a:extLst>
+          </p:cNvPr>
+          <p:cNvSpPr/>
+          <p:nvPr/>
+        </p:nvSpPr>
+        <p:spPr>
+          <a:xfrm>
+            <a:off x="5694478" y="2082170"/>
+            <a:ext cx="1034142" cy="2499179"/>
+          </a:xfrm>
+          <a:prstGeom prst="rect">
+            <a:avLst/>
+          </a:prstGeom>
+          <a:solidFill>
+            <a:schemeClr val="accent6"/>
+          </a:solidFill>
+        </p:spPr>
+        <p:style>
+          <a:lnRef idx="2">
+            <a:schemeClr val="accent1">
+              <a:shade val="15000"/>
+            </a:schemeClr>
+          </a:lnRef>
+          <a:fillRef idx="1">
+            <a:schemeClr val="accent1"/>
+          </a:fillRef>
+          <a:effectRef idx="0">
+            <a:schemeClr val="accent1"/>
+          </a:effectRef>
+          <a:fontRef idx="minor">
+            <a:schemeClr val="lt1"/>
+          </a:fontRef>
+        </p:style>
+        <p:txBody>
+          <a:bodyPr rtlCol="0" anchor="ctr"/>
+          <a:lstStyle/>
+          <a:p>
+            <a:pPr algn="ctr"/>
+            <a:r>
+              <a:rPr lang="en-US" sz="1200" dirty="0"/>
+              <a:t>main-left</a:t>
+            </a:r>
+          </a:p>
+        </p:txBody>
+      </p:sp>
+      <p:sp>
+        <p:nvSpPr>
+          <p:cNvPr id="7" name="Rectangle 6">
+            <a:extLst>
+              <a:ext uri="{FF2B5EF4-FFF2-40B4-BE49-F238E27FC236}">
+                <a16:creationId xmlns:a16="http://schemas.microsoft.com/office/drawing/2014/main" id="{DC790471-EB58-A740-1854-0223CBF253E8}"/>
+              </a:ext>
+            </a:extLst>
+          </p:cNvPr>
+          <p:cNvSpPr/>
+          <p:nvPr/>
+        </p:nvSpPr>
+        <p:spPr>
+          <a:xfrm>
+            <a:off x="6815706" y="2082169"/>
+            <a:ext cx="3843918" cy="2499179"/>
+          </a:xfrm>
+          <a:prstGeom prst="rect">
+            <a:avLst/>
+          </a:prstGeom>
+          <a:solidFill>
+            <a:schemeClr val="accent4"/>
+          </a:solidFill>
+        </p:spPr>
+        <p:style>
+          <a:lnRef idx="2">
+            <a:schemeClr val="accent1">
+              <a:shade val="15000"/>
+            </a:schemeClr>
+          </a:lnRef>
+          <a:fillRef idx="1">
+            <a:schemeClr val="accent1"/>
+          </a:fillRef>
+          <a:effectRef idx="0">
+            <a:schemeClr val="accent1"/>
+          </a:effectRef>
+          <a:fontRef idx="minor">
+            <a:schemeClr val="lt1"/>
+          </a:fontRef>
+        </p:style>
+        <p:txBody>
+          <a:bodyPr rtlCol="0" anchor="ctr"/>
+          <a:lstStyle/>
+          <a:p>
+            <a:pPr algn="ctr"/>
+            <a:r>
+              <a:rPr lang="en-US" sz="1200" dirty="0"/>
+              <a:t>main-right</a:t>
+            </a:r>
+          </a:p>
+        </p:txBody>
+      </p:sp>
+      <p:cxnSp>
+        <p:nvCxnSpPr>
+          <p:cNvPr id="8" name="Straight Arrow Connector 7">
+            <a:extLst>
+              <a:ext uri="{FF2B5EF4-FFF2-40B4-BE49-F238E27FC236}">
+                <a16:creationId xmlns:a16="http://schemas.microsoft.com/office/drawing/2014/main" id="{15B3DA2A-D55D-1686-45D8-9A102600F383}"/>
+              </a:ext>
+            </a:extLst>
+          </p:cNvPr>
+          <p:cNvCxnSpPr/>
+          <p:nvPr/>
+        </p:nvCxnSpPr>
+        <p:spPr>
+          <a:xfrm>
+            <a:off x="5694478" y="4747557"/>
+            <a:ext cx="1034142" cy="0"/>
+          </a:xfrm>
+          <a:prstGeom prst="straightConnector1">
+            <a:avLst/>
+          </a:prstGeom>
+          <a:ln>
+            <a:headEnd type="triangle"/>
+            <a:tailEnd type="triangle"/>
+          </a:ln>
+        </p:spPr>
+        <p:style>
+          <a:lnRef idx="1">
+            <a:schemeClr val="accent1"/>
+          </a:lnRef>
+          <a:fillRef idx="0">
+            <a:schemeClr val="accent1"/>
+          </a:fillRef>
+          <a:effectRef idx="0">
+            <a:schemeClr val="accent1"/>
+          </a:effectRef>
+          <a:fontRef idx="minor">
+            <a:schemeClr val="tx1"/>
+          </a:fontRef>
+        </p:style>
+      </p:cxnSp>
+      <p:sp>
+        <p:nvSpPr>
+          <p:cNvPr id="9" name="TextBox 8">
+            <a:extLst>
+              <a:ext uri="{FF2B5EF4-FFF2-40B4-BE49-F238E27FC236}">
+                <a16:creationId xmlns:a16="http://schemas.microsoft.com/office/drawing/2014/main" id="{79880494-8BE8-A9BF-252B-9DC266899194}"/>
+              </a:ext>
+            </a:extLst>
+          </p:cNvPr>
+          <p:cNvSpPr txBox="1"/>
+          <p:nvPr/>
+        </p:nvSpPr>
+        <p:spPr>
+          <a:xfrm>
+            <a:off x="5961320" y="4747557"/>
+            <a:ext cx="500458" cy="246221"/>
+          </a:xfrm>
+          <a:prstGeom prst="rect">
+            <a:avLst/>
+          </a:prstGeom>
+          <a:noFill/>
+        </p:spPr>
+        <p:txBody>
+          <a:bodyPr wrap="none" rtlCol="0">
+            <a:spAutoFit/>
+          </a:bodyPr>
+          <a:lstStyle/>
+          <a:p>
+            <a:r>
+              <a:rPr lang="en-US" sz="1000" dirty="0">
+                <a:solidFill>
+                  <a:schemeClr val="accent1"/>
+                </a:solidFill>
+              </a:rPr>
+              <a:t>flex: 1</a:t>
+            </a:r>
+          </a:p>
+        </p:txBody>
+      </p:sp>
+      <p:cxnSp>
+        <p:nvCxnSpPr>
+          <p:cNvPr id="10" name="Straight Arrow Connector 9">
+            <a:extLst>
+              <a:ext uri="{FF2B5EF4-FFF2-40B4-BE49-F238E27FC236}">
+                <a16:creationId xmlns:a16="http://schemas.microsoft.com/office/drawing/2014/main" id="{583E8563-DB24-59E4-6D4B-51B1ABD40BCB}"/>
+              </a:ext>
+            </a:extLst>
+          </p:cNvPr>
+          <p:cNvCxnSpPr/>
+          <p:nvPr/>
+        </p:nvCxnSpPr>
+        <p:spPr>
+          <a:xfrm>
+            <a:off x="6815706" y="4747557"/>
+            <a:ext cx="3843918" cy="0"/>
+          </a:xfrm>
+          <a:prstGeom prst="straightConnector1">
+            <a:avLst/>
+          </a:prstGeom>
+          <a:ln>
+            <a:headEnd type="triangle"/>
+            <a:tailEnd type="triangle"/>
+          </a:ln>
+        </p:spPr>
+        <p:style>
+          <a:lnRef idx="1">
+            <a:schemeClr val="accent1"/>
+          </a:lnRef>
+          <a:fillRef idx="0">
+            <a:schemeClr val="accent1"/>
+          </a:fillRef>
+          <a:effectRef idx="0">
+            <a:schemeClr val="accent1"/>
+          </a:effectRef>
+          <a:fontRef idx="minor">
+            <a:schemeClr val="tx1"/>
+          </a:fontRef>
+        </p:style>
+      </p:cxnSp>
+      <p:sp>
+        <p:nvSpPr>
+          <p:cNvPr id="11" name="TextBox 10">
+            <a:extLst>
+              <a:ext uri="{FF2B5EF4-FFF2-40B4-BE49-F238E27FC236}">
+                <a16:creationId xmlns:a16="http://schemas.microsoft.com/office/drawing/2014/main" id="{E583CE06-3CA6-EDF4-94E0-4447713471E1}"/>
+              </a:ext>
+            </a:extLst>
+          </p:cNvPr>
+          <p:cNvSpPr txBox="1"/>
+          <p:nvPr/>
+        </p:nvSpPr>
+        <p:spPr>
+          <a:xfrm>
+            <a:off x="8487436" y="4747556"/>
+            <a:ext cx="500458" cy="246221"/>
+          </a:xfrm>
+          <a:prstGeom prst="rect">
+            <a:avLst/>
+          </a:prstGeom>
+          <a:noFill/>
+        </p:spPr>
+        <p:txBody>
+          <a:bodyPr wrap="none" rtlCol="0">
+            <a:spAutoFit/>
+          </a:bodyPr>
+          <a:lstStyle/>
+          <a:p>
+            <a:r>
+              <a:rPr lang="en-US" sz="1000" dirty="0">
+                <a:solidFill>
+                  <a:schemeClr val="accent1"/>
+                </a:solidFill>
+              </a:rPr>
+              <a:t>flex: 4</a:t>
+            </a:r>
           </a:p>
         </p:txBody>
       </p:sp>
@@ -6330,51 +11067,1306 @@
       </p:grpSpPr>
       <p:sp>
         <p:nvSpPr>
-          <p:cNvPr id="2" name="Title 1">
-            <a:extLst>
-              <a:ext uri="{FF2B5EF4-FFF2-40B4-BE49-F238E27FC236}">
-                <a16:creationId xmlns:a16="http://schemas.microsoft.com/office/drawing/2014/main" id="{C9D4C407-A994-0238-DD2D-3A0C7CBBD6E4}"/>
-              </a:ext>
-            </a:extLst>
-          </p:cNvPr>
-          <p:cNvSpPr>
-            <a:spLocks noGrp="1"/>
-          </p:cNvSpPr>
+          <p:cNvPr id="4" name="TextBox 3">
+            <a:extLst>
+              <a:ext uri="{FF2B5EF4-FFF2-40B4-BE49-F238E27FC236}">
+                <a16:creationId xmlns:a16="http://schemas.microsoft.com/office/drawing/2014/main" id="{AC494FDA-7A33-7969-5788-E6F234CE9B56}"/>
+              </a:ext>
+            </a:extLst>
+          </p:cNvPr>
+          <p:cNvSpPr txBox="1"/>
+          <p:nvPr/>
+        </p:nvSpPr>
+        <p:spPr>
+          <a:xfrm>
+            <a:off x="207389" y="254524"/>
+            <a:ext cx="1206933" cy="369332"/>
+          </a:xfrm>
+          <a:prstGeom prst="rect">
+            <a:avLst/>
+          </a:prstGeom>
+          <a:noFill/>
+        </p:spPr>
+        <p:txBody>
+          <a:bodyPr wrap="none" rtlCol="0">
+            <a:spAutoFit/>
+          </a:bodyPr>
+          <a:lstStyle/>
+          <a:p>
+            <a:r>
+              <a:rPr lang="en-US" dirty="0"/>
+              <a:t>_ main-left</a:t>
+            </a:r>
+          </a:p>
+        </p:txBody>
+      </p:sp>
+      <p:pic>
+        <p:nvPicPr>
+          <p:cNvPr id="5" name="Picture 4">
+            <a:extLst>
+              <a:ext uri="{FF2B5EF4-FFF2-40B4-BE49-F238E27FC236}">
+                <a16:creationId xmlns:a16="http://schemas.microsoft.com/office/drawing/2014/main" id="{2441D319-7376-99E8-75C5-CB9548720945}"/>
+              </a:ext>
+            </a:extLst>
+          </p:cNvPr>
+          <p:cNvPicPr>
+            <a:picLocks noChangeAspect="1"/>
+          </p:cNvPicPr>
+          <p:nvPr/>
+        </p:nvPicPr>
+        <p:blipFill>
+          <a:blip r:embed="rId2">
+            <a:extLst>
+              <a:ext uri="{28A0092B-C50C-407E-A947-70E740481C1C}">
+                <a14:useLocalDpi xmlns:a14="http://schemas.microsoft.com/office/drawing/2010/main" val="0"/>
+              </a:ext>
+            </a:extLst>
+          </a:blip>
+          <a:srcRect t="2776"/>
+          <a:stretch/>
+        </p:blipFill>
+        <p:spPr>
+          <a:xfrm>
+            <a:off x="2591067" y="1218093"/>
+            <a:ext cx="1714500" cy="4087009"/>
+          </a:xfrm>
+          <a:prstGeom prst="rect">
+            <a:avLst/>
+          </a:prstGeom>
+        </p:spPr>
+      </p:pic>
+      <p:sp>
+        <p:nvSpPr>
+          <p:cNvPr id="6" name="TextBox 5">
+            <a:extLst>
+              <a:ext uri="{FF2B5EF4-FFF2-40B4-BE49-F238E27FC236}">
+                <a16:creationId xmlns:a16="http://schemas.microsoft.com/office/drawing/2014/main" id="{16DC365C-9F29-907B-51BF-F2AB3C04572E}"/>
+              </a:ext>
+            </a:extLst>
+          </p:cNvPr>
+          <p:cNvSpPr txBox="1"/>
+          <p:nvPr/>
+        </p:nvSpPr>
+        <p:spPr>
+          <a:xfrm>
+            <a:off x="2628444" y="1131826"/>
+            <a:ext cx="1714499" cy="3970318"/>
+          </a:xfrm>
+          <a:prstGeom prst="rect">
+            <a:avLst/>
+          </a:prstGeom>
+          <a:noFill/>
+          <a:ln>
+            <a:solidFill>
+              <a:srgbClr val="FF0000"/>
+            </a:solidFill>
+            <a:prstDash val="lgDash"/>
+          </a:ln>
+        </p:spPr>
+        <p:txBody>
+          <a:bodyPr wrap="square" rtlCol="0">
+            <a:spAutoFit/>
+          </a:bodyPr>
+          <a:lstStyle/>
+          <a:p>
+            <a:r>
+              <a:rPr lang="en-US" dirty="0"/>
+              <a:t> </a:t>
+            </a:r>
+          </a:p>
+          <a:p>
+            <a:endParaRPr lang="en-US" dirty="0"/>
+          </a:p>
+          <a:p>
+            <a:endParaRPr lang="en-US" dirty="0"/>
+          </a:p>
+          <a:p>
+            <a:endParaRPr lang="en-US" dirty="0"/>
+          </a:p>
+          <a:p>
+            <a:endParaRPr lang="en-US" dirty="0"/>
+          </a:p>
+          <a:p>
+            <a:endParaRPr lang="en-US" dirty="0"/>
+          </a:p>
+          <a:p>
+            <a:endParaRPr lang="en-US" dirty="0"/>
+          </a:p>
+          <a:p>
+            <a:endParaRPr lang="en-US" dirty="0"/>
+          </a:p>
+          <a:p>
+            <a:endParaRPr lang="en-US" dirty="0"/>
+          </a:p>
+          <a:p>
+            <a:endParaRPr lang="en-US" dirty="0"/>
+          </a:p>
+          <a:p>
+            <a:endParaRPr lang="en-US" dirty="0"/>
+          </a:p>
+          <a:p>
+            <a:endParaRPr lang="en-US" dirty="0"/>
+          </a:p>
+          <a:p>
+            <a:endParaRPr lang="en-US" dirty="0"/>
+          </a:p>
+          <a:p>
+            <a:endParaRPr lang="en-US" dirty="0"/>
+          </a:p>
+        </p:txBody>
+      </p:sp>
+      <p:sp>
+        <p:nvSpPr>
+          <p:cNvPr id="16" name="TextBox 15">
+            <a:extLst>
+              <a:ext uri="{FF2B5EF4-FFF2-40B4-BE49-F238E27FC236}">
+                <a16:creationId xmlns:a16="http://schemas.microsoft.com/office/drawing/2014/main" id="{BFFF5C9C-986C-3574-9F06-82E466F9CC1C}"/>
+              </a:ext>
+            </a:extLst>
+          </p:cNvPr>
+          <p:cNvSpPr txBox="1"/>
+          <p:nvPr/>
+        </p:nvSpPr>
+        <p:spPr>
+          <a:xfrm>
+            <a:off x="2637422" y="1552898"/>
+            <a:ext cx="1742895" cy="646331"/>
+          </a:xfrm>
+          <a:prstGeom prst="rect">
+            <a:avLst/>
+          </a:prstGeom>
+          <a:noFill/>
+          <a:ln>
+            <a:solidFill>
+              <a:srgbClr val="FF0000"/>
+            </a:solidFill>
+            <a:prstDash val="lgDash"/>
+          </a:ln>
+        </p:spPr>
+        <p:txBody>
+          <a:bodyPr wrap="square" rtlCol="0">
+            <a:spAutoFit/>
+          </a:bodyPr>
+          <a:lstStyle/>
+          <a:p>
+            <a:r>
+              <a:rPr lang="en-US" dirty="0"/>
+              <a:t> </a:t>
+            </a:r>
+          </a:p>
+          <a:p>
+            <a:endParaRPr lang="en-US" dirty="0"/>
+          </a:p>
+        </p:txBody>
+      </p:sp>
+      <p:sp>
+        <p:nvSpPr>
+          <p:cNvPr id="17" name="TextBox 16">
+            <a:extLst>
+              <a:ext uri="{FF2B5EF4-FFF2-40B4-BE49-F238E27FC236}">
+                <a16:creationId xmlns:a16="http://schemas.microsoft.com/office/drawing/2014/main" id="{C1BF2BF8-1424-C5C5-FC74-4887E765B27D}"/>
+              </a:ext>
+            </a:extLst>
+          </p:cNvPr>
+          <p:cNvSpPr txBox="1"/>
+          <p:nvPr/>
+        </p:nvSpPr>
+        <p:spPr>
+          <a:xfrm>
+            <a:off x="2645737" y="1122831"/>
+            <a:ext cx="1056833" cy="646331"/>
+          </a:xfrm>
+          <a:prstGeom prst="rect">
+            <a:avLst/>
+          </a:prstGeom>
+          <a:noFill/>
+          <a:ln>
+            <a:solidFill>
+              <a:srgbClr val="FF0000"/>
+            </a:solidFill>
+            <a:prstDash val="lgDash"/>
+          </a:ln>
+        </p:spPr>
+        <p:txBody>
+          <a:bodyPr wrap="square" rtlCol="0">
+            <a:spAutoFit/>
+          </a:bodyPr>
+          <a:lstStyle/>
+          <a:p>
+            <a:r>
+              <a:rPr lang="en-US" dirty="0"/>
+              <a:t> </a:t>
+            </a:r>
+          </a:p>
+          <a:p>
+            <a:endParaRPr lang="en-US" dirty="0"/>
+          </a:p>
+        </p:txBody>
+      </p:sp>
+      <p:sp>
+        <p:nvSpPr>
+          <p:cNvPr id="21" name="Rectangle 20">
+            <a:extLst>
+              <a:ext uri="{FF2B5EF4-FFF2-40B4-BE49-F238E27FC236}">
+                <a16:creationId xmlns:a16="http://schemas.microsoft.com/office/drawing/2014/main" id="{A693B677-9726-0EAB-4A14-1E76C9DBA443}"/>
+              </a:ext>
+            </a:extLst>
+          </p:cNvPr>
+          <p:cNvSpPr/>
+          <p:nvPr/>
+        </p:nvSpPr>
+        <p:spPr>
+          <a:xfrm>
+            <a:off x="6173892" y="1066348"/>
+            <a:ext cx="1879600" cy="508000"/>
+          </a:xfrm>
+          <a:prstGeom prst="rect">
+            <a:avLst/>
+          </a:prstGeom>
+          <a:solidFill>
+            <a:schemeClr val="accent6"/>
+          </a:solidFill>
+        </p:spPr>
+        <p:style>
+          <a:lnRef idx="2">
+            <a:schemeClr val="accent1">
+              <a:shade val="15000"/>
+            </a:schemeClr>
+          </a:lnRef>
+          <a:fillRef idx="1">
+            <a:schemeClr val="accent1"/>
+          </a:fillRef>
+          <a:effectRef idx="0">
+            <a:schemeClr val="accent1"/>
+          </a:effectRef>
+          <a:fontRef idx="minor">
+            <a:schemeClr val="lt1"/>
+          </a:fontRef>
+        </p:style>
+        <p:txBody>
+          <a:bodyPr rtlCol="0" anchor="ctr"/>
+          <a:lstStyle/>
+          <a:p>
+            <a:pPr algn="ctr"/>
+            <a:endParaRPr lang="en-US" sz="1200" dirty="0"/>
+          </a:p>
+        </p:txBody>
+      </p:sp>
+      <p:sp>
+        <p:nvSpPr>
+          <p:cNvPr id="22" name="Rectangle 21">
+            <a:extLst>
+              <a:ext uri="{FF2B5EF4-FFF2-40B4-BE49-F238E27FC236}">
+                <a16:creationId xmlns:a16="http://schemas.microsoft.com/office/drawing/2014/main" id="{B02DC39E-A366-3035-3EE8-2B20D7320545}"/>
+              </a:ext>
+            </a:extLst>
+          </p:cNvPr>
+          <p:cNvSpPr/>
+          <p:nvPr/>
+        </p:nvSpPr>
+        <p:spPr>
+          <a:xfrm>
+            <a:off x="6162675" y="1574348"/>
+            <a:ext cx="1879600" cy="508000"/>
+          </a:xfrm>
+          <a:prstGeom prst="rect">
+            <a:avLst/>
+          </a:prstGeom>
+          <a:solidFill>
+            <a:schemeClr val="accent4"/>
+          </a:solidFill>
+        </p:spPr>
+        <p:style>
+          <a:lnRef idx="2">
+            <a:schemeClr val="accent1">
+              <a:shade val="15000"/>
+            </a:schemeClr>
+          </a:lnRef>
+          <a:fillRef idx="1">
+            <a:schemeClr val="accent1"/>
+          </a:fillRef>
+          <a:effectRef idx="0">
+            <a:schemeClr val="accent1"/>
+          </a:effectRef>
+          <a:fontRef idx="minor">
+            <a:schemeClr val="lt1"/>
+          </a:fontRef>
+        </p:style>
+        <p:txBody>
+          <a:bodyPr rtlCol="0" anchor="ctr"/>
+          <a:lstStyle/>
+          <a:p>
+            <a:pPr algn="ctr"/>
+            <a:r>
+              <a:rPr lang="en-US" dirty="0"/>
+              <a:t>link</a:t>
+            </a:r>
+          </a:p>
+        </p:txBody>
+      </p:sp>
+      <p:cxnSp>
+        <p:nvCxnSpPr>
+          <p:cNvPr id="23" name="Straight Arrow Connector 22">
+            <a:extLst>
+              <a:ext uri="{FF2B5EF4-FFF2-40B4-BE49-F238E27FC236}">
+                <a16:creationId xmlns:a16="http://schemas.microsoft.com/office/drawing/2014/main" id="{2FAC3481-8874-2581-1630-C8010E38D1F1}"/>
+              </a:ext>
+            </a:extLst>
+          </p:cNvPr>
+          <p:cNvCxnSpPr>
+            <a:cxnSpLocks/>
+          </p:cNvCxnSpPr>
+          <p:nvPr/>
+        </p:nvCxnSpPr>
+        <p:spPr>
+          <a:xfrm>
+            <a:off x="8149971" y="1066348"/>
+            <a:ext cx="0" cy="508000"/>
+          </a:xfrm>
+          <a:prstGeom prst="straightConnector1">
+            <a:avLst/>
+          </a:prstGeom>
+          <a:ln>
+            <a:headEnd type="triangle"/>
+            <a:tailEnd type="triangle"/>
+          </a:ln>
+        </p:spPr>
+        <p:style>
+          <a:lnRef idx="1">
+            <a:schemeClr val="accent1"/>
+          </a:lnRef>
+          <a:fillRef idx="0">
+            <a:schemeClr val="accent1"/>
+          </a:fillRef>
+          <a:effectRef idx="0">
+            <a:schemeClr val="accent1"/>
+          </a:effectRef>
+          <a:fontRef idx="minor">
+            <a:schemeClr val="tx1"/>
+          </a:fontRef>
+        </p:style>
+      </p:cxnSp>
+      <p:cxnSp>
+        <p:nvCxnSpPr>
+          <p:cNvPr id="24" name="Straight Arrow Connector 23">
+            <a:extLst>
+              <a:ext uri="{FF2B5EF4-FFF2-40B4-BE49-F238E27FC236}">
+                <a16:creationId xmlns:a16="http://schemas.microsoft.com/office/drawing/2014/main" id="{ABEEAD41-5853-B12E-D0ED-D296FD3B314A}"/>
+              </a:ext>
+            </a:extLst>
+          </p:cNvPr>
+          <p:cNvCxnSpPr>
+            <a:cxnSpLocks/>
+          </p:cNvCxnSpPr>
+          <p:nvPr/>
+        </p:nvCxnSpPr>
+        <p:spPr>
+          <a:xfrm>
+            <a:off x="8143875" y="1574348"/>
+            <a:ext cx="0" cy="508000"/>
+          </a:xfrm>
+          <a:prstGeom prst="straightConnector1">
+            <a:avLst/>
+          </a:prstGeom>
+          <a:ln>
+            <a:headEnd type="triangle"/>
+            <a:tailEnd type="triangle"/>
+          </a:ln>
+        </p:spPr>
+        <p:style>
+          <a:lnRef idx="1">
+            <a:schemeClr val="accent1"/>
+          </a:lnRef>
+          <a:fillRef idx="0">
+            <a:schemeClr val="accent1"/>
+          </a:fillRef>
+          <a:effectRef idx="0">
+            <a:schemeClr val="accent1"/>
+          </a:effectRef>
+          <a:fontRef idx="minor">
+            <a:schemeClr val="tx1"/>
+          </a:fontRef>
+        </p:style>
+      </p:cxnSp>
+      <p:sp>
+        <p:nvSpPr>
+          <p:cNvPr id="25" name="TextBox 24">
+            <a:extLst>
+              <a:ext uri="{FF2B5EF4-FFF2-40B4-BE49-F238E27FC236}">
+                <a16:creationId xmlns:a16="http://schemas.microsoft.com/office/drawing/2014/main" id="{7B4E93F7-B73A-060B-32FF-01EE065BEAA8}"/>
+              </a:ext>
+            </a:extLst>
+          </p:cNvPr>
+          <p:cNvSpPr txBox="1"/>
+          <p:nvPr/>
+        </p:nvSpPr>
+        <p:spPr>
+          <a:xfrm>
+            <a:off x="8125001" y="1197238"/>
+            <a:ext cx="500458" cy="246221"/>
+          </a:xfrm>
+          <a:prstGeom prst="rect">
+            <a:avLst/>
+          </a:prstGeom>
+          <a:noFill/>
+        </p:spPr>
+        <p:txBody>
+          <a:bodyPr wrap="none" rtlCol="0">
+            <a:spAutoFit/>
+          </a:bodyPr>
+          <a:lstStyle/>
+          <a:p>
+            <a:r>
+              <a:rPr lang="en-US" sz="1000" dirty="0">
+                <a:solidFill>
+                  <a:schemeClr val="accent1"/>
+                </a:solidFill>
+              </a:rPr>
+              <a:t>flex: 0</a:t>
+            </a:r>
+          </a:p>
+        </p:txBody>
+      </p:sp>
+      <p:sp>
+        <p:nvSpPr>
+          <p:cNvPr id="26" name="TextBox 25">
+            <a:extLst>
+              <a:ext uri="{FF2B5EF4-FFF2-40B4-BE49-F238E27FC236}">
+                <a16:creationId xmlns:a16="http://schemas.microsoft.com/office/drawing/2014/main" id="{DA1EA566-DE6D-D331-F46D-EC18AF4768AA}"/>
+              </a:ext>
+            </a:extLst>
+          </p:cNvPr>
+          <p:cNvSpPr txBox="1"/>
+          <p:nvPr/>
+        </p:nvSpPr>
+        <p:spPr>
+          <a:xfrm>
+            <a:off x="8125001" y="1705237"/>
+            <a:ext cx="500458" cy="246221"/>
+          </a:xfrm>
+          <a:prstGeom prst="rect">
+            <a:avLst/>
+          </a:prstGeom>
+          <a:noFill/>
+        </p:spPr>
+        <p:txBody>
+          <a:bodyPr wrap="none" rtlCol="0">
+            <a:spAutoFit/>
+          </a:bodyPr>
+          <a:lstStyle/>
+          <a:p>
+            <a:r>
+              <a:rPr lang="en-US" sz="1000" dirty="0">
+                <a:solidFill>
+                  <a:schemeClr val="accent1"/>
+                </a:solidFill>
+              </a:rPr>
+              <a:t>flex: 0</a:t>
+            </a:r>
+          </a:p>
+        </p:txBody>
+      </p:sp>
+      <p:graphicFrame>
+        <p:nvGraphicFramePr>
+          <p:cNvPr id="27" name="Table 26">
+            <a:extLst>
+              <a:ext uri="{FF2B5EF4-FFF2-40B4-BE49-F238E27FC236}">
+                <a16:creationId xmlns:a16="http://schemas.microsoft.com/office/drawing/2014/main" id="{CAE122D4-5273-F4D1-3639-C7F2B95AD1FF}"/>
+              </a:ext>
+            </a:extLst>
+          </p:cNvPr>
+          <p:cNvGraphicFramePr>
+            <a:graphicFrameLocks noGrp="1"/>
+          </p:cNvGraphicFramePr>
           <p:nvPr>
-            <p:ph type="title"/>
+            <p:extLst>
+              <p:ext uri="{D42A27DB-BD31-4B8C-83A1-F6EECF244321}">
+                <p14:modId xmlns:p14="http://schemas.microsoft.com/office/powerpoint/2010/main" val="1955761646"/>
+              </p:ext>
+            </p:extLst>
           </p:nvPr>
-        </p:nvSpPr>
-        <p:spPr/>
-        <p:txBody>
-          <a:bodyPr/>
-          <a:lstStyle/>
-          <a:p>
-            <a:endParaRPr lang="en-US"/>
-          </a:p>
-        </p:txBody>
-      </p:sp>
-      <p:sp>
-        <p:nvSpPr>
-          <p:cNvPr id="3" name="Content Placeholder 2">
-            <a:extLst>
-              <a:ext uri="{FF2B5EF4-FFF2-40B4-BE49-F238E27FC236}">
-                <a16:creationId xmlns:a16="http://schemas.microsoft.com/office/drawing/2014/main" id="{8CC4F3DB-83A6-7D7C-A97D-DE5CA189B4E4}"/>
-              </a:ext>
-            </a:extLst>
-          </p:cNvPr>
-          <p:cNvSpPr>
-            <a:spLocks noGrp="1"/>
-          </p:cNvSpPr>
-          <p:nvPr>
-            <p:ph idx="1"/>
-          </p:nvPr>
-        </p:nvSpPr>
-        <p:spPr/>
-        <p:txBody>
-          <a:bodyPr/>
-          <a:lstStyle/>
-          <a:p>
-            <a:endParaRPr lang="en-US"/>
+        </p:nvGraphicFramePr>
+        <p:xfrm>
+          <a:off x="7122160" y="1066348"/>
+          <a:ext cx="942548" cy="508000"/>
+        </p:xfrm>
+        <a:graphic>
+          <a:graphicData uri="http://schemas.openxmlformats.org/drawingml/2006/table">
+            <a:tbl>
+              <a:tblPr/>
+              <a:tblGrid>
+                <a:gridCol w="942548">
+                  <a:extLst>
+                    <a:ext uri="{9D8B030D-6E8A-4147-A177-3AD203B41FA5}">
+                      <a16:colId xmlns:a16="http://schemas.microsoft.com/office/drawing/2014/main" val="3442930158"/>
+                    </a:ext>
+                  </a:extLst>
+                </a:gridCol>
+              </a:tblGrid>
+              <a:tr h="508000">
+                <a:tc>
+                  <a:txBody>
+                    <a:bodyPr/>
+                    <a:lstStyle/>
+                    <a:p>
+                      <a:endParaRPr lang="en-US" dirty="0"/>
+                    </a:p>
+                  </a:txBody>
+                  <a:tcPr>
+                    <a:lnL w="12700" cmpd="sng">
+                      <a:solidFill>
+                        <a:schemeClr val="tx1"/>
+                      </a:solidFill>
+                      <a:prstDash val="solid"/>
+                    </a:lnL>
+                    <a:lnR w="12700" cmpd="sng">
+                      <a:solidFill>
+                        <a:schemeClr val="tx1"/>
+                      </a:solidFill>
+                      <a:prstDash val="solid"/>
+                    </a:lnR>
+                    <a:lnT w="12700" cmpd="sng">
+                      <a:solidFill>
+                        <a:schemeClr val="tx1"/>
+                      </a:solidFill>
+                      <a:prstDash val="solid"/>
+                    </a:lnT>
+                    <a:lnB w="12700" cmpd="sng">
+                      <a:solidFill>
+                        <a:schemeClr val="tx1"/>
+                      </a:solidFill>
+                      <a:prstDash val="solid"/>
+                    </a:lnB>
+                    <a:solidFill>
+                      <a:schemeClr val="accent1"/>
+                    </a:solidFill>
+                  </a:tcPr>
+                </a:tc>
+                <a:extLst>
+                  <a:ext uri="{0D108BD9-81ED-4DB2-BD59-A6C34878D82A}">
+                    <a16:rowId xmlns:a16="http://schemas.microsoft.com/office/drawing/2014/main" val="2202205451"/>
+                  </a:ext>
+                </a:extLst>
+              </a:tr>
+            </a:tbl>
+          </a:graphicData>
+        </a:graphic>
+      </p:graphicFrame>
+      <p:sp>
+        <p:nvSpPr>
+          <p:cNvPr id="28" name="TextBox 27">
+            <a:extLst>
+              <a:ext uri="{FF2B5EF4-FFF2-40B4-BE49-F238E27FC236}">
+                <a16:creationId xmlns:a16="http://schemas.microsoft.com/office/drawing/2014/main" id="{7FD8B6E7-96F9-7199-725A-9AA8A532CA3E}"/>
+              </a:ext>
+            </a:extLst>
+          </p:cNvPr>
+          <p:cNvSpPr txBox="1"/>
+          <p:nvPr/>
+        </p:nvSpPr>
+        <p:spPr>
+          <a:xfrm>
+            <a:off x="6357081" y="1135682"/>
+            <a:ext cx="581891" cy="369332"/>
+          </a:xfrm>
+          <a:prstGeom prst="rect">
+            <a:avLst/>
+          </a:prstGeom>
+          <a:noFill/>
+        </p:spPr>
+        <p:txBody>
+          <a:bodyPr wrap="none" rtlCol="0">
+            <a:spAutoFit/>
+          </a:bodyPr>
+          <a:lstStyle/>
+          <a:p>
+            <a:r>
+              <a:rPr lang="en-US" dirty="0">
+                <a:solidFill>
+                  <a:schemeClr val="bg1"/>
+                </a:solidFill>
+              </a:rPr>
+              <a:t>Icon</a:t>
+            </a:r>
+          </a:p>
+        </p:txBody>
+      </p:sp>
+      <p:sp>
+        <p:nvSpPr>
+          <p:cNvPr id="29" name="TextBox 28">
+            <a:extLst>
+              <a:ext uri="{FF2B5EF4-FFF2-40B4-BE49-F238E27FC236}">
+                <a16:creationId xmlns:a16="http://schemas.microsoft.com/office/drawing/2014/main" id="{4D3BA88A-A2C6-EA2E-5DC3-AEFF0E73332D}"/>
+              </a:ext>
+            </a:extLst>
+          </p:cNvPr>
+          <p:cNvSpPr txBox="1"/>
+          <p:nvPr/>
+        </p:nvSpPr>
+        <p:spPr>
+          <a:xfrm>
+            <a:off x="7299708" y="1137552"/>
+            <a:ext cx="683392" cy="369332"/>
+          </a:xfrm>
+          <a:prstGeom prst="rect">
+            <a:avLst/>
+          </a:prstGeom>
+          <a:noFill/>
+        </p:spPr>
+        <p:txBody>
+          <a:bodyPr wrap="none" rtlCol="0">
+            <a:spAutoFit/>
+          </a:bodyPr>
+          <a:lstStyle/>
+          <a:p>
+            <a:r>
+              <a:rPr lang="en-US" dirty="0">
+                <a:solidFill>
+                  <a:schemeClr val="bg1"/>
+                </a:solidFill>
+              </a:rPr>
+              <a:t>more</a:t>
+            </a:r>
+          </a:p>
+        </p:txBody>
+      </p:sp>
+      <p:sp>
+        <p:nvSpPr>
+          <p:cNvPr id="30" name="Rectangle 29">
+            <a:extLst>
+              <a:ext uri="{FF2B5EF4-FFF2-40B4-BE49-F238E27FC236}">
+                <a16:creationId xmlns:a16="http://schemas.microsoft.com/office/drawing/2014/main" id="{1B41C438-CAEA-34EF-4C5B-4B51057857C8}"/>
+              </a:ext>
+            </a:extLst>
+          </p:cNvPr>
+          <p:cNvSpPr/>
+          <p:nvPr/>
+        </p:nvSpPr>
+        <p:spPr>
+          <a:xfrm>
+            <a:off x="5830892" y="2312462"/>
+            <a:ext cx="1207008" cy="297195"/>
+          </a:xfrm>
+          <a:prstGeom prst="rect">
+            <a:avLst/>
+          </a:prstGeom>
+          <a:solidFill>
+            <a:schemeClr val="accent6"/>
+          </a:solidFill>
+        </p:spPr>
+        <p:style>
+          <a:lnRef idx="2">
+            <a:schemeClr val="accent1">
+              <a:shade val="15000"/>
+            </a:schemeClr>
+          </a:lnRef>
+          <a:fillRef idx="1">
+            <a:schemeClr val="accent1"/>
+          </a:fillRef>
+          <a:effectRef idx="0">
+            <a:schemeClr val="accent1"/>
+          </a:effectRef>
+          <a:fontRef idx="minor">
+            <a:schemeClr val="lt1"/>
+          </a:fontRef>
+        </p:style>
+        <p:txBody>
+          <a:bodyPr rtlCol="0" anchor="ctr"/>
+          <a:lstStyle/>
+          <a:p>
+            <a:pPr algn="ctr"/>
+            <a:r>
+              <a:rPr lang="en-US" dirty="0">
+                <a:solidFill>
+                  <a:schemeClr val="bg1"/>
+                </a:solidFill>
+              </a:rPr>
+              <a:t>c-title</a:t>
+            </a:r>
+          </a:p>
+        </p:txBody>
+      </p:sp>
+      <p:sp>
+        <p:nvSpPr>
+          <p:cNvPr id="31" name="Rectangle 30">
+            <a:extLst>
+              <a:ext uri="{FF2B5EF4-FFF2-40B4-BE49-F238E27FC236}">
+                <a16:creationId xmlns:a16="http://schemas.microsoft.com/office/drawing/2014/main" id="{206E05FC-5441-0EFC-4BF4-B5F360176177}"/>
+              </a:ext>
+            </a:extLst>
+          </p:cNvPr>
+          <p:cNvSpPr/>
+          <p:nvPr/>
+        </p:nvSpPr>
+        <p:spPr>
+          <a:xfrm>
+            <a:off x="7037900" y="2312462"/>
+            <a:ext cx="1207008" cy="297195"/>
+          </a:xfrm>
+          <a:prstGeom prst="rect">
+            <a:avLst/>
+          </a:prstGeom>
+          <a:solidFill>
+            <a:schemeClr val="accent1"/>
+          </a:solidFill>
+        </p:spPr>
+        <p:style>
+          <a:lnRef idx="2">
+            <a:schemeClr val="accent1">
+              <a:shade val="15000"/>
+            </a:schemeClr>
+          </a:lnRef>
+          <a:fillRef idx="1">
+            <a:schemeClr val="accent1"/>
+          </a:fillRef>
+          <a:effectRef idx="0">
+            <a:schemeClr val="accent1"/>
+          </a:effectRef>
+          <a:fontRef idx="minor">
+            <a:schemeClr val="lt1"/>
+          </a:fontRef>
+        </p:style>
+        <p:txBody>
+          <a:bodyPr rtlCol="0" anchor="ctr"/>
+          <a:lstStyle/>
+          <a:p>
+            <a:pPr algn="ctr"/>
+            <a:r>
+              <a:rPr lang="en-US" dirty="0"/>
+              <a:t>more</a:t>
+            </a:r>
+            <a:endParaRPr lang="en-US" sz="1200" dirty="0"/>
+          </a:p>
+        </p:txBody>
+      </p:sp>
+      <p:sp>
+        <p:nvSpPr>
+          <p:cNvPr id="36" name="Rectangle 35">
+            <a:extLst>
+              <a:ext uri="{FF2B5EF4-FFF2-40B4-BE49-F238E27FC236}">
+                <a16:creationId xmlns:a16="http://schemas.microsoft.com/office/drawing/2014/main" id="{7B0244B6-EE51-AB35-725D-AC63A28219E8}"/>
+              </a:ext>
+            </a:extLst>
+          </p:cNvPr>
+          <p:cNvSpPr/>
+          <p:nvPr/>
+        </p:nvSpPr>
+        <p:spPr>
+          <a:xfrm>
+            <a:off x="5814568" y="2632904"/>
+            <a:ext cx="2430340" cy="508000"/>
+          </a:xfrm>
+          <a:prstGeom prst="rect">
+            <a:avLst/>
+          </a:prstGeom>
+          <a:solidFill>
+            <a:schemeClr val="accent4"/>
+          </a:solidFill>
+        </p:spPr>
+        <p:style>
+          <a:lnRef idx="2">
+            <a:schemeClr val="accent1">
+              <a:shade val="15000"/>
+            </a:schemeClr>
+          </a:lnRef>
+          <a:fillRef idx="1">
+            <a:schemeClr val="accent1"/>
+          </a:fillRef>
+          <a:effectRef idx="0">
+            <a:schemeClr val="accent1"/>
+          </a:effectRef>
+          <a:fontRef idx="minor">
+            <a:schemeClr val="lt1"/>
+          </a:fontRef>
+        </p:style>
+        <p:txBody>
+          <a:bodyPr rtlCol="0" anchor="ctr"/>
+          <a:lstStyle/>
+          <a:p>
+            <a:pPr algn="ctr"/>
+            <a:r>
+              <a:rPr lang="en-US" dirty="0"/>
+              <a:t>code</a:t>
+            </a:r>
+          </a:p>
+        </p:txBody>
+      </p:sp>
+      <p:cxnSp>
+        <p:nvCxnSpPr>
+          <p:cNvPr id="39" name="Straight Arrow Connector 38">
+            <a:extLst>
+              <a:ext uri="{FF2B5EF4-FFF2-40B4-BE49-F238E27FC236}">
+                <a16:creationId xmlns:a16="http://schemas.microsoft.com/office/drawing/2014/main" id="{F8BA7008-555E-9053-9543-56D33E6882A0}"/>
+              </a:ext>
+            </a:extLst>
+          </p:cNvPr>
+          <p:cNvCxnSpPr>
+            <a:cxnSpLocks/>
+          </p:cNvCxnSpPr>
+          <p:nvPr/>
+        </p:nvCxnSpPr>
+        <p:spPr>
+          <a:xfrm>
+            <a:off x="5814568" y="3229419"/>
+            <a:ext cx="2430340" cy="0"/>
+          </a:xfrm>
+          <a:prstGeom prst="straightConnector1">
+            <a:avLst/>
+          </a:prstGeom>
+          <a:ln>
+            <a:headEnd type="triangle"/>
+            <a:tailEnd type="triangle"/>
+          </a:ln>
+        </p:spPr>
+        <p:style>
+          <a:lnRef idx="1">
+            <a:schemeClr val="accent1"/>
+          </a:lnRef>
+          <a:fillRef idx="0">
+            <a:schemeClr val="accent1"/>
+          </a:fillRef>
+          <a:effectRef idx="0">
+            <a:schemeClr val="accent1"/>
+          </a:effectRef>
+          <a:fontRef idx="minor">
+            <a:schemeClr val="tx1"/>
+          </a:fontRef>
+        </p:style>
+      </p:cxnSp>
+      <p:sp>
+        <p:nvSpPr>
+          <p:cNvPr id="40" name="TextBox 39">
+            <a:extLst>
+              <a:ext uri="{FF2B5EF4-FFF2-40B4-BE49-F238E27FC236}">
+                <a16:creationId xmlns:a16="http://schemas.microsoft.com/office/drawing/2014/main" id="{B0CF8DC1-E3D3-3CAA-112B-D192F29E38E7}"/>
+              </a:ext>
+            </a:extLst>
+          </p:cNvPr>
+          <p:cNvSpPr txBox="1"/>
+          <p:nvPr/>
+        </p:nvSpPr>
+        <p:spPr>
+          <a:xfrm>
+            <a:off x="6693115" y="3239006"/>
+            <a:ext cx="500458" cy="246221"/>
+          </a:xfrm>
+          <a:prstGeom prst="rect">
+            <a:avLst/>
+          </a:prstGeom>
+          <a:noFill/>
+        </p:spPr>
+        <p:txBody>
+          <a:bodyPr wrap="square" rtlCol="0">
+            <a:spAutoFit/>
+          </a:bodyPr>
+          <a:lstStyle/>
+          <a:p>
+            <a:r>
+              <a:rPr lang="en-US" sz="1000" dirty="0">
+                <a:solidFill>
+                  <a:schemeClr val="accent1"/>
+                </a:solidFill>
+              </a:rPr>
+              <a:t>flex: 0</a:t>
+            </a:r>
+          </a:p>
+        </p:txBody>
+      </p:sp>
+      <p:sp>
+        <p:nvSpPr>
+          <p:cNvPr id="43" name="Rectangle 42">
+            <a:extLst>
+              <a:ext uri="{FF2B5EF4-FFF2-40B4-BE49-F238E27FC236}">
+                <a16:creationId xmlns:a16="http://schemas.microsoft.com/office/drawing/2014/main" id="{A242FD7D-D800-002A-F0B2-ED87097835AB}"/>
+              </a:ext>
+            </a:extLst>
+          </p:cNvPr>
+          <p:cNvSpPr/>
+          <p:nvPr/>
+        </p:nvSpPr>
+        <p:spPr>
+          <a:xfrm>
+            <a:off x="6011418" y="3601466"/>
+            <a:ext cx="1790700" cy="709219"/>
+          </a:xfrm>
+          <a:prstGeom prst="rect">
+            <a:avLst/>
+          </a:prstGeom>
+          <a:solidFill>
+            <a:schemeClr val="accent6"/>
+          </a:solidFill>
+        </p:spPr>
+        <p:style>
+          <a:lnRef idx="2">
+            <a:schemeClr val="accent1">
+              <a:shade val="15000"/>
+            </a:schemeClr>
+          </a:lnRef>
+          <a:fillRef idx="1">
+            <a:schemeClr val="accent1"/>
+          </a:fillRef>
+          <a:effectRef idx="0">
+            <a:schemeClr val="accent1"/>
+          </a:effectRef>
+          <a:fontRef idx="minor">
+            <a:schemeClr val="lt1"/>
+          </a:fontRef>
+        </p:style>
+        <p:txBody>
+          <a:bodyPr rtlCol="0" anchor="ctr"/>
+          <a:lstStyle/>
+          <a:p>
+            <a:pPr algn="ctr"/>
+            <a:r>
+              <a:rPr lang="en-US" dirty="0"/>
+              <a:t>due</a:t>
+            </a:r>
+          </a:p>
+        </p:txBody>
+      </p:sp>
+      <p:sp>
+        <p:nvSpPr>
+          <p:cNvPr id="44" name="Rectangle 43">
+            <a:extLst>
+              <a:ext uri="{FF2B5EF4-FFF2-40B4-BE49-F238E27FC236}">
+                <a16:creationId xmlns:a16="http://schemas.microsoft.com/office/drawing/2014/main" id="{F990EA5C-A539-508E-95FD-7E544BC373CC}"/>
+              </a:ext>
+            </a:extLst>
+          </p:cNvPr>
+          <p:cNvSpPr/>
+          <p:nvPr/>
+        </p:nvSpPr>
+        <p:spPr>
+          <a:xfrm>
+            <a:off x="6011418" y="4312102"/>
+            <a:ext cx="1790700" cy="644914"/>
+          </a:xfrm>
+          <a:prstGeom prst="rect">
+            <a:avLst/>
+          </a:prstGeom>
+          <a:solidFill>
+            <a:schemeClr val="accent4"/>
+          </a:solidFill>
+        </p:spPr>
+        <p:style>
+          <a:lnRef idx="2">
+            <a:schemeClr val="accent1">
+              <a:shade val="15000"/>
+            </a:schemeClr>
+          </a:lnRef>
+          <a:fillRef idx="1">
+            <a:schemeClr val="accent1"/>
+          </a:fillRef>
+          <a:effectRef idx="0">
+            <a:schemeClr val="accent1"/>
+          </a:effectRef>
+          <a:fontRef idx="minor">
+            <a:schemeClr val="lt1"/>
+          </a:fontRef>
+        </p:style>
+        <p:txBody>
+          <a:bodyPr rtlCol="0" anchor="ctr"/>
+          <a:lstStyle/>
+          <a:p>
+            <a:pPr algn="ctr"/>
+            <a:r>
+              <a:rPr lang="en-US" dirty="0"/>
+              <a:t>due</a:t>
+            </a:r>
+          </a:p>
+        </p:txBody>
+      </p:sp>
+      <p:cxnSp>
+        <p:nvCxnSpPr>
+          <p:cNvPr id="45" name="Straight Arrow Connector 44">
+            <a:extLst>
+              <a:ext uri="{FF2B5EF4-FFF2-40B4-BE49-F238E27FC236}">
+                <a16:creationId xmlns:a16="http://schemas.microsoft.com/office/drawing/2014/main" id="{558518DA-AE99-8431-1091-7DA0A5355393}"/>
+              </a:ext>
+            </a:extLst>
+          </p:cNvPr>
+          <p:cNvCxnSpPr>
+            <a:cxnSpLocks/>
+          </p:cNvCxnSpPr>
+          <p:nvPr/>
+        </p:nvCxnSpPr>
+        <p:spPr>
+          <a:xfrm>
+            <a:off x="7967472" y="3601466"/>
+            <a:ext cx="0" cy="709219"/>
+          </a:xfrm>
+          <a:prstGeom prst="straightConnector1">
+            <a:avLst/>
+          </a:prstGeom>
+          <a:ln>
+            <a:headEnd type="triangle"/>
+            <a:tailEnd type="triangle"/>
+          </a:ln>
+        </p:spPr>
+        <p:style>
+          <a:lnRef idx="1">
+            <a:schemeClr val="accent1"/>
+          </a:lnRef>
+          <a:fillRef idx="0">
+            <a:schemeClr val="accent1"/>
+          </a:fillRef>
+          <a:effectRef idx="0">
+            <a:schemeClr val="accent1"/>
+          </a:effectRef>
+          <a:fontRef idx="minor">
+            <a:schemeClr val="tx1"/>
+          </a:fontRef>
+        </p:style>
+      </p:cxnSp>
+      <p:cxnSp>
+        <p:nvCxnSpPr>
+          <p:cNvPr id="46" name="Straight Arrow Connector 45">
+            <a:extLst>
+              <a:ext uri="{FF2B5EF4-FFF2-40B4-BE49-F238E27FC236}">
+                <a16:creationId xmlns:a16="http://schemas.microsoft.com/office/drawing/2014/main" id="{230EA58B-C257-07C8-7D8C-064E62C9C60E}"/>
+              </a:ext>
+            </a:extLst>
+          </p:cNvPr>
+          <p:cNvCxnSpPr>
+            <a:cxnSpLocks/>
+          </p:cNvCxnSpPr>
+          <p:nvPr/>
+        </p:nvCxnSpPr>
+        <p:spPr>
+          <a:xfrm>
+            <a:off x="7967472" y="4310685"/>
+            <a:ext cx="0" cy="646331"/>
+          </a:xfrm>
+          <a:prstGeom prst="straightConnector1">
+            <a:avLst/>
+          </a:prstGeom>
+          <a:ln>
+            <a:headEnd type="triangle"/>
+            <a:tailEnd type="triangle"/>
+          </a:ln>
+        </p:spPr>
+        <p:style>
+          <a:lnRef idx="1">
+            <a:schemeClr val="accent1"/>
+          </a:lnRef>
+          <a:fillRef idx="0">
+            <a:schemeClr val="accent1"/>
+          </a:fillRef>
+          <a:effectRef idx="0">
+            <a:schemeClr val="accent1"/>
+          </a:effectRef>
+          <a:fontRef idx="minor">
+            <a:schemeClr val="tx1"/>
+          </a:fontRef>
+        </p:style>
+      </p:cxnSp>
+      <p:sp>
+        <p:nvSpPr>
+          <p:cNvPr id="47" name="TextBox 46">
+            <a:extLst>
+              <a:ext uri="{FF2B5EF4-FFF2-40B4-BE49-F238E27FC236}">
+                <a16:creationId xmlns:a16="http://schemas.microsoft.com/office/drawing/2014/main" id="{6C0E0F51-1BF1-121D-CC23-C64AFAEA5371}"/>
+              </a:ext>
+            </a:extLst>
+          </p:cNvPr>
+          <p:cNvSpPr txBox="1"/>
+          <p:nvPr/>
+        </p:nvSpPr>
+        <p:spPr>
+          <a:xfrm>
+            <a:off x="7967472" y="3985466"/>
+            <a:ext cx="500458" cy="246221"/>
+          </a:xfrm>
+          <a:prstGeom prst="rect">
+            <a:avLst/>
+          </a:prstGeom>
+          <a:noFill/>
+        </p:spPr>
+        <p:txBody>
+          <a:bodyPr wrap="none" rtlCol="0">
+            <a:spAutoFit/>
+          </a:bodyPr>
+          <a:lstStyle/>
+          <a:p>
+            <a:r>
+              <a:rPr lang="en-US" sz="1000" dirty="0">
+                <a:solidFill>
+                  <a:schemeClr val="accent1"/>
+                </a:solidFill>
+              </a:rPr>
+              <a:t>flex: 1</a:t>
+            </a:r>
+          </a:p>
+        </p:txBody>
+      </p:sp>
+      <p:sp>
+        <p:nvSpPr>
+          <p:cNvPr id="48" name="TextBox 47">
+            <a:extLst>
+              <a:ext uri="{FF2B5EF4-FFF2-40B4-BE49-F238E27FC236}">
+                <a16:creationId xmlns:a16="http://schemas.microsoft.com/office/drawing/2014/main" id="{DE561AB1-C1B0-0077-09A7-08E07CF60FD9}"/>
+              </a:ext>
+            </a:extLst>
+          </p:cNvPr>
+          <p:cNvSpPr txBox="1"/>
+          <p:nvPr/>
+        </p:nvSpPr>
+        <p:spPr>
+          <a:xfrm>
+            <a:off x="8008568" y="4547645"/>
+            <a:ext cx="500458" cy="246221"/>
+          </a:xfrm>
+          <a:prstGeom prst="rect">
+            <a:avLst/>
+          </a:prstGeom>
+          <a:noFill/>
+        </p:spPr>
+        <p:txBody>
+          <a:bodyPr wrap="none" rtlCol="0">
+            <a:spAutoFit/>
+          </a:bodyPr>
+          <a:lstStyle/>
+          <a:p>
+            <a:r>
+              <a:rPr lang="en-US" sz="1000" dirty="0">
+                <a:solidFill>
+                  <a:schemeClr val="accent1"/>
+                </a:solidFill>
+              </a:rPr>
+              <a:t>flex: 1</a:t>
+            </a:r>
+          </a:p>
+        </p:txBody>
+      </p:sp>
+      <p:sp>
+        <p:nvSpPr>
+          <p:cNvPr id="50" name="TextBox 49">
+            <a:extLst>
+              <a:ext uri="{FF2B5EF4-FFF2-40B4-BE49-F238E27FC236}">
+                <a16:creationId xmlns:a16="http://schemas.microsoft.com/office/drawing/2014/main" id="{2CD951A2-6DF2-8C70-3451-37B8C21C8722}"/>
+              </a:ext>
+            </a:extLst>
+          </p:cNvPr>
+          <p:cNvSpPr txBox="1"/>
+          <p:nvPr/>
+        </p:nvSpPr>
+        <p:spPr>
+          <a:xfrm>
+            <a:off x="2645737" y="2259430"/>
+            <a:ext cx="1668145" cy="646331"/>
+          </a:xfrm>
+          <a:prstGeom prst="rect">
+            <a:avLst/>
+          </a:prstGeom>
+          <a:noFill/>
+          <a:ln>
+            <a:solidFill>
+              <a:srgbClr val="FF0000"/>
+            </a:solidFill>
+            <a:prstDash val="lgDash"/>
+          </a:ln>
+        </p:spPr>
+        <p:txBody>
+          <a:bodyPr wrap="square" rtlCol="0">
+            <a:spAutoFit/>
+          </a:bodyPr>
+          <a:lstStyle/>
+          <a:p>
+            <a:r>
+              <a:rPr lang="en-US" dirty="0"/>
+              <a:t> </a:t>
+            </a:r>
+          </a:p>
+          <a:p>
+            <a:endParaRPr lang="en-US" dirty="0"/>
+          </a:p>
+        </p:txBody>
+      </p:sp>
+      <p:sp>
+        <p:nvSpPr>
+          <p:cNvPr id="51" name="TextBox 50">
+            <a:extLst>
+              <a:ext uri="{FF2B5EF4-FFF2-40B4-BE49-F238E27FC236}">
+                <a16:creationId xmlns:a16="http://schemas.microsoft.com/office/drawing/2014/main" id="{B96CC1AF-3875-7CB8-CFBA-306A3421D0E1}"/>
+              </a:ext>
+            </a:extLst>
+          </p:cNvPr>
+          <p:cNvSpPr txBox="1"/>
+          <p:nvPr/>
+        </p:nvSpPr>
+        <p:spPr>
+          <a:xfrm>
+            <a:off x="2628444" y="3351504"/>
+            <a:ext cx="1742895" cy="646331"/>
+          </a:xfrm>
+          <a:prstGeom prst="rect">
+            <a:avLst/>
+          </a:prstGeom>
+          <a:noFill/>
+          <a:ln>
+            <a:solidFill>
+              <a:srgbClr val="FF0000"/>
+            </a:solidFill>
+            <a:prstDash val="lgDash"/>
+          </a:ln>
+        </p:spPr>
+        <p:txBody>
+          <a:bodyPr wrap="square" rtlCol="0">
+            <a:spAutoFit/>
+          </a:bodyPr>
+          <a:lstStyle/>
+          <a:p>
+            <a:r>
+              <a:rPr lang="en-US" dirty="0"/>
+              <a:t> </a:t>
+            </a:r>
+          </a:p>
+          <a:p>
+            <a:endParaRPr lang="en-US" dirty="0"/>
+          </a:p>
+        </p:txBody>
+      </p:sp>
+      <p:sp>
+        <p:nvSpPr>
+          <p:cNvPr id="52" name="TextBox 51">
+            <a:extLst>
+              <a:ext uri="{FF2B5EF4-FFF2-40B4-BE49-F238E27FC236}">
+                <a16:creationId xmlns:a16="http://schemas.microsoft.com/office/drawing/2014/main" id="{6F529621-AE83-6356-BA3B-35B39C44218F}"/>
+              </a:ext>
+            </a:extLst>
+          </p:cNvPr>
+          <p:cNvSpPr txBox="1"/>
+          <p:nvPr/>
+        </p:nvSpPr>
+        <p:spPr>
+          <a:xfrm>
+            <a:off x="2591067" y="4310685"/>
+            <a:ext cx="1742895" cy="646331"/>
+          </a:xfrm>
+          <a:prstGeom prst="rect">
+            <a:avLst/>
+          </a:prstGeom>
+          <a:noFill/>
+          <a:ln>
+            <a:solidFill>
+              <a:srgbClr val="FF0000"/>
+            </a:solidFill>
+            <a:prstDash val="lgDash"/>
+          </a:ln>
+        </p:spPr>
+        <p:txBody>
+          <a:bodyPr wrap="square" rtlCol="0">
+            <a:spAutoFit/>
+          </a:bodyPr>
+          <a:lstStyle/>
+          <a:p>
+            <a:r>
+              <a:rPr lang="en-US" dirty="0"/>
+              <a:t> </a:t>
+            </a:r>
+          </a:p>
+          <a:p>
+            <a:endParaRPr lang="en-US" dirty="0"/>
           </a:p>
         </p:txBody>
       </p:sp>
